--- a/ppt/SUMILAB-JAPAN_presen.pptx
+++ b/ppt/SUMILAB-JAPAN_presen.pptx
@@ -5,17 +5,15 @@
     <p:sldMasterId id="2147483672" r:id="rId2"/>
   </p:sldMasterIdLst>
   <p:notesMasterIdLst>
-    <p:notesMasterId r:id="rId11"/>
+    <p:notesMasterId r:id="rId9"/>
   </p:notesMasterIdLst>
   <p:sldIdLst>
     <p:sldId id="256" r:id="rId3"/>
-    <p:sldId id="261" r:id="rId4"/>
-    <p:sldId id="260" r:id="rId5"/>
-    <p:sldId id="262" r:id="rId6"/>
-    <p:sldId id="259" r:id="rId7"/>
-    <p:sldId id="258" r:id="rId8"/>
-    <p:sldId id="264" r:id="rId9"/>
-    <p:sldId id="265" r:id="rId10"/>
+    <p:sldId id="257" r:id="rId4"/>
+    <p:sldId id="258" r:id="rId5"/>
+    <p:sldId id="259" r:id="rId6"/>
+    <p:sldId id="260" r:id="rId7"/>
+    <p:sldId id="261" r:id="rId8"/>
   </p:sldIdLst>
   <p:sldSz cx="9144000" cy="6858000" type="screen4x3"/>
   <p:notesSz cx="6858000" cy="9144000"/>
@@ -181,6 +179,1153 @@
 <p1510:revInfo xmlns:a="http://schemas.openxmlformats.org/drawingml/2006/main" xmlns:r="http://schemas.openxmlformats.org/officeDocument/2006/relationships" xmlns:p1510="http://schemas.microsoft.com/office/powerpoint/2015/10/main"/>
 </file>
 
+<file path=ppt/charts/chart1.xml><?xml version="1.0" encoding="utf-8"?>
+<c:chartSpace xmlns:c="http://schemas.openxmlformats.org/drawingml/2006/chart" xmlns:a="http://schemas.openxmlformats.org/drawingml/2006/main" xmlns:r="http://schemas.openxmlformats.org/officeDocument/2006/relationships" xmlns:c16r2="http://schemas.microsoft.com/office/drawing/2015/06/chart">
+  <c:date1904 val="0"/>
+  <c:lang val="ja-JP"/>
+  <c:roundedCorners val="0"/>
+  <mc:AlternateContent xmlns:mc="http://schemas.openxmlformats.org/markup-compatibility/2006">
+    <mc:Choice xmlns:c14="http://schemas.microsoft.com/office/drawing/2007/8/2/chart" Requires="c14">
+      <c14:style val="102"/>
+    </mc:Choice>
+    <mc:Fallback>
+      <c:style val="2"/>
+    </mc:Fallback>
+  </mc:AlternateContent>
+  <c:chart>
+    <c:title>
+      <c:tx>
+        <c:rich>
+          <a:bodyPr rot="0" spcFirstLastPara="1" vertOverflow="ellipsis" vert="horz" wrap="square" anchor="ctr" anchorCtr="1"/>
+          <a:lstStyle/>
+          <a:p>
+            <a:pPr>
+              <a:defRPr sz="1400" b="0" i="0" u="none" strike="noStrike" kern="1200" spc="0" baseline="0">
+                <a:solidFill>
+                  <a:schemeClr val="tx1">
+                    <a:lumMod val="65000"/>
+                    <a:lumOff val="35000"/>
+                  </a:schemeClr>
+                </a:solidFill>
+                <a:latin typeface="+mn-lt"/>
+                <a:ea typeface="+mn-ea"/>
+                <a:cs typeface="+mn-cs"/>
+              </a:defRPr>
+            </a:pPr>
+            <a:r>
+              <a:rPr lang="en-US" altLang="ja-JP" sz="2000" dirty="0" err="1"/>
+              <a:t>Average_noise</a:t>
+            </a:r>
+            <a:r>
+              <a:rPr lang="en-US" altLang="ja-JP" sz="2000" baseline="0" dirty="0"/>
+              <a:t> data</a:t>
+            </a:r>
+            <a:r>
+              <a:rPr lang="en-US" altLang="ja-JP" sz="2000" dirty="0"/>
+              <a:t> per 30 minutes on August 25</a:t>
+            </a:r>
+            <a:r>
+              <a:rPr lang="en-US" altLang="ja-JP" sz="2000" baseline="30000" dirty="0"/>
+              <a:t>th</a:t>
+            </a:r>
+            <a:endParaRPr lang="en-US" altLang="ja-JP" sz="2000" dirty="0"/>
+          </a:p>
+        </c:rich>
+      </c:tx>
+      <c:overlay val="0"/>
+      <c:spPr>
+        <a:noFill/>
+        <a:ln>
+          <a:noFill/>
+        </a:ln>
+        <a:effectLst/>
+      </c:spPr>
+      <c:txPr>
+        <a:bodyPr rot="0" spcFirstLastPara="1" vertOverflow="ellipsis" vert="horz" wrap="square" anchor="ctr" anchorCtr="1"/>
+        <a:lstStyle/>
+        <a:p>
+          <a:pPr>
+            <a:defRPr sz="1400" b="0" i="0" u="none" strike="noStrike" kern="1200" spc="0" baseline="0">
+              <a:solidFill>
+                <a:schemeClr val="tx1">
+                  <a:lumMod val="65000"/>
+                  <a:lumOff val="35000"/>
+                </a:schemeClr>
+              </a:solidFill>
+              <a:latin typeface="+mn-lt"/>
+              <a:ea typeface="+mn-ea"/>
+              <a:cs typeface="+mn-cs"/>
+            </a:defRPr>
+          </a:pPr>
+          <a:endParaRPr lang="ja-JP"/>
+        </a:p>
+      </c:txPr>
+    </c:title>
+    <c:autoTitleDeleted val="0"/>
+    <c:plotArea>
+      <c:layout/>
+      <c:lineChart>
+        <c:grouping val="standard"/>
+        <c:varyColors val="0"/>
+        <c:ser>
+          <c:idx val="0"/>
+          <c:order val="0"/>
+          <c:tx>
+            <c:strRef>
+              <c:f>'0825(normalday)'!$B$1</c:f>
+              <c:strCache>
+                <c:ptCount val="1"/>
+                <c:pt idx="0">
+                  <c:v>average_mcp</c:v>
+                </c:pt>
+              </c:strCache>
+            </c:strRef>
+          </c:tx>
+          <c:spPr>
+            <a:ln w="28575" cap="rnd">
+              <a:solidFill>
+                <a:schemeClr val="accent1"/>
+              </a:solidFill>
+              <a:round/>
+            </a:ln>
+            <a:effectLst/>
+          </c:spPr>
+          <c:marker>
+            <c:symbol val="none"/>
+          </c:marker>
+          <c:cat>
+            <c:strRef>
+              <c:f>'0825(normalday)'!$A$2:$A$49</c:f>
+              <c:strCache>
+                <c:ptCount val="48"/>
+                <c:pt idx="0">
+                  <c:v>0:00~0:30</c:v>
+                </c:pt>
+                <c:pt idx="1">
+                  <c:v>0:31~1:00</c:v>
+                </c:pt>
+                <c:pt idx="2">
+                  <c:v>1:01~1:30</c:v>
+                </c:pt>
+                <c:pt idx="3">
+                  <c:v>1:31~2:00</c:v>
+                </c:pt>
+                <c:pt idx="4">
+                  <c:v>2:01~2:30</c:v>
+                </c:pt>
+                <c:pt idx="5">
+                  <c:v>2:31~3:00</c:v>
+                </c:pt>
+                <c:pt idx="6">
+                  <c:v>3:01~3:30</c:v>
+                </c:pt>
+                <c:pt idx="7">
+                  <c:v>3:31~4:00</c:v>
+                </c:pt>
+                <c:pt idx="8">
+                  <c:v>4:01~4:30</c:v>
+                </c:pt>
+                <c:pt idx="9">
+                  <c:v>4:31~5:00</c:v>
+                </c:pt>
+                <c:pt idx="10">
+                  <c:v>5:01~5:30</c:v>
+                </c:pt>
+                <c:pt idx="11">
+                  <c:v>5:31~6:00</c:v>
+                </c:pt>
+                <c:pt idx="12">
+                  <c:v>6:01~6:30</c:v>
+                </c:pt>
+                <c:pt idx="13">
+                  <c:v>6:31~7:00</c:v>
+                </c:pt>
+                <c:pt idx="14">
+                  <c:v>7:01~7:30</c:v>
+                </c:pt>
+                <c:pt idx="15">
+                  <c:v>7:31~8:00</c:v>
+                </c:pt>
+                <c:pt idx="16">
+                  <c:v>8:01~8:30</c:v>
+                </c:pt>
+                <c:pt idx="17">
+                  <c:v>8:31~9:00</c:v>
+                </c:pt>
+                <c:pt idx="18">
+                  <c:v>9:01~9:30</c:v>
+                </c:pt>
+                <c:pt idx="19">
+                  <c:v>9:31~10:00</c:v>
+                </c:pt>
+                <c:pt idx="20">
+                  <c:v>10:01~10:30</c:v>
+                </c:pt>
+                <c:pt idx="21">
+                  <c:v>10:31~11:00</c:v>
+                </c:pt>
+                <c:pt idx="22">
+                  <c:v>11:01~11:30</c:v>
+                </c:pt>
+                <c:pt idx="23">
+                  <c:v>11:31~12:00</c:v>
+                </c:pt>
+                <c:pt idx="24">
+                  <c:v>12:01~12:30</c:v>
+                </c:pt>
+                <c:pt idx="25">
+                  <c:v>12:31~13:00</c:v>
+                </c:pt>
+                <c:pt idx="26">
+                  <c:v>13:01~13:30</c:v>
+                </c:pt>
+                <c:pt idx="27">
+                  <c:v>13:31~14:00</c:v>
+                </c:pt>
+                <c:pt idx="28">
+                  <c:v>14:01~14:30</c:v>
+                </c:pt>
+                <c:pt idx="29">
+                  <c:v>14:31~15:00</c:v>
+                </c:pt>
+                <c:pt idx="30">
+                  <c:v>15:01~15:30</c:v>
+                </c:pt>
+                <c:pt idx="31">
+                  <c:v>15:31~16:00</c:v>
+                </c:pt>
+                <c:pt idx="32">
+                  <c:v>16:01~16:30</c:v>
+                </c:pt>
+                <c:pt idx="33">
+                  <c:v>16:31~17:00</c:v>
+                </c:pt>
+                <c:pt idx="34">
+                  <c:v>17:01~17:30</c:v>
+                </c:pt>
+                <c:pt idx="35">
+                  <c:v>17:31~18:00</c:v>
+                </c:pt>
+                <c:pt idx="36">
+                  <c:v>18:01~18:30</c:v>
+                </c:pt>
+                <c:pt idx="37">
+                  <c:v>18:31~19:00</c:v>
+                </c:pt>
+                <c:pt idx="38">
+                  <c:v>19:01~19:30</c:v>
+                </c:pt>
+                <c:pt idx="39">
+                  <c:v>19:31~20:00</c:v>
+                </c:pt>
+                <c:pt idx="40">
+                  <c:v>20:01~20:30</c:v>
+                </c:pt>
+                <c:pt idx="41">
+                  <c:v>20:31~21:00</c:v>
+                </c:pt>
+                <c:pt idx="42">
+                  <c:v>21:01~21:30</c:v>
+                </c:pt>
+                <c:pt idx="43">
+                  <c:v>21:31~22:00</c:v>
+                </c:pt>
+                <c:pt idx="44">
+                  <c:v>22:01~22:30</c:v>
+                </c:pt>
+                <c:pt idx="45">
+                  <c:v>22:31~23:00</c:v>
+                </c:pt>
+                <c:pt idx="46">
+                  <c:v>23:01~23:30</c:v>
+                </c:pt>
+                <c:pt idx="47">
+                  <c:v>23:31~23:59</c:v>
+                </c:pt>
+              </c:strCache>
+            </c:strRef>
+          </c:cat>
+          <c:val>
+            <c:numRef>
+              <c:f>'0825(normalday)'!$B$2:$B$49</c:f>
+              <c:numCache>
+                <c:formatCode>General</c:formatCode>
+                <c:ptCount val="48"/>
+                <c:pt idx="0">
+                  <c:v>70.29984417608371</c:v>
+                </c:pt>
+                <c:pt idx="1">
+                  <c:v>70.311423626138335</c:v>
+                </c:pt>
+                <c:pt idx="2">
+                  <c:v>69.77410936205689</c:v>
+                </c:pt>
+                <c:pt idx="3">
+                  <c:v>68.597810898930959</c:v>
+                </c:pt>
+                <c:pt idx="4">
+                  <c:v>68.349735049206018</c:v>
+                </c:pt>
+                <c:pt idx="5">
+                  <c:v>67.576876090750517</c:v>
+                </c:pt>
+                <c:pt idx="6">
+                  <c:v>64.597750281213891</c:v>
+                </c:pt>
+                <c:pt idx="7">
+                  <c:v>64.599999999999042</c:v>
+                </c:pt>
+                <c:pt idx="8">
+                  <c:v>64.682695252679153</c:v>
+                </c:pt>
+                <c:pt idx="9">
+                  <c:v>65.913320825515299</c:v>
+                </c:pt>
+                <c:pt idx="10">
+                  <c:v>67.877078085641912</c:v>
+                </c:pt>
+                <c:pt idx="11">
+                  <c:v>71.794332723948074</c:v>
+                </c:pt>
+                <c:pt idx="12">
+                  <c:v>70.938555691553702</c:v>
+                </c:pt>
+                <c:pt idx="13">
+                  <c:v>69.112814070352201</c:v>
+                </c:pt>
+                <c:pt idx="14">
+                  <c:v>68.55265662172954</c:v>
+                </c:pt>
+                <c:pt idx="15">
+                  <c:v>68.463741191545253</c:v>
+                </c:pt>
+                <c:pt idx="16">
+                  <c:v>68.564890633765032</c:v>
+                </c:pt>
+                <c:pt idx="17">
+                  <c:v>68.254794520549751</c:v>
+                </c:pt>
+                <c:pt idx="18">
+                  <c:v>68.409119332987686</c:v>
+                </c:pt>
+                <c:pt idx="19">
+                  <c:v>68.281465746151369</c:v>
+                </c:pt>
+                <c:pt idx="20">
+                  <c:v>68.533168316833624</c:v>
+                </c:pt>
+                <c:pt idx="21">
+                  <c:v>67.963898450948875</c:v>
+                </c:pt>
+                <c:pt idx="22">
+                  <c:v>67.490585106384643</c:v>
+                </c:pt>
+                <c:pt idx="23">
+                  <c:v>69.323656927428644</c:v>
+                </c:pt>
+                <c:pt idx="24">
+                  <c:v>69.431010850943153</c:v>
+                </c:pt>
+                <c:pt idx="25">
+                  <c:v>70.164407814408548</c:v>
+                </c:pt>
+                <c:pt idx="26">
+                  <c:v>68.52735312697483</c:v>
+                </c:pt>
+                <c:pt idx="27">
+                  <c:v>68.722935153583833</c:v>
+                </c:pt>
+                <c:pt idx="28">
+                  <c:v>69.844392794887497</c:v>
+                </c:pt>
+                <c:pt idx="29">
+                  <c:v>70.072271714923033</c:v>
+                </c:pt>
+                <c:pt idx="30">
+                  <c:v>68.573381294965344</c:v>
+                </c:pt>
+                <c:pt idx="31">
+                  <c:v>70.584156798695531</c:v>
+                </c:pt>
+                <c:pt idx="32">
+                  <c:v>72.004892966362874</c:v>
+                </c:pt>
+                <c:pt idx="33">
+                  <c:v>73.543675319326212</c:v>
+                </c:pt>
+                <c:pt idx="34">
+                  <c:v>73.986449752885363</c:v>
+                </c:pt>
+                <c:pt idx="35">
+                  <c:v>71.629676511957356</c:v>
+                </c:pt>
+                <c:pt idx="36">
+                  <c:v>70.412845407022061</c:v>
+                </c:pt>
+                <c:pt idx="37">
+                  <c:v>70.382145352902072</c:v>
+                </c:pt>
+                <c:pt idx="38">
+                  <c:v>69.975310344829069</c:v>
+                </c:pt>
+                <c:pt idx="39">
+                  <c:v>71.209538254130308</c:v>
+                </c:pt>
+                <c:pt idx="40">
+                  <c:v>71.223617391305638</c:v>
+                </c:pt>
+                <c:pt idx="41">
+                  <c:v>71.416889209672505</c:v>
+                </c:pt>
+                <c:pt idx="42">
+                  <c:v>70.431727781231999</c:v>
+                </c:pt>
+                <c:pt idx="43">
+                  <c:v>70.485626911316217</c:v>
+                </c:pt>
+                <c:pt idx="44">
+                  <c:v>69.581487044687975</c:v>
+                </c:pt>
+                <c:pt idx="45">
+                  <c:v>68.757817337463067</c:v>
+                </c:pt>
+                <c:pt idx="46">
+                  <c:v>69.421443558541853</c:v>
+                </c:pt>
+                <c:pt idx="47">
+                  <c:v>70.661996644297616</c:v>
+                </c:pt>
+              </c:numCache>
+            </c:numRef>
+          </c:val>
+          <c:smooth val="0"/>
+          <c:extLst>
+            <c:ext xmlns:c16="http://schemas.microsoft.com/office/drawing/2014/chart" uri="{C3380CC4-5D6E-409C-BE32-E72D297353CC}">
+              <c16:uniqueId val="{00000000-A76D-4355-AFF0-E9ABF6B9FB80}"/>
+            </c:ext>
+          </c:extLst>
+        </c:ser>
+        <c:dLbls>
+          <c:showLegendKey val="0"/>
+          <c:showVal val="0"/>
+          <c:showCatName val="0"/>
+          <c:showSerName val="0"/>
+          <c:showPercent val="0"/>
+          <c:showBubbleSize val="0"/>
+        </c:dLbls>
+        <c:smooth val="0"/>
+        <c:axId val="418717160"/>
+        <c:axId val="418716832"/>
+      </c:lineChart>
+      <c:catAx>
+        <c:axId val="418717160"/>
+        <c:scaling>
+          <c:orientation val="minMax"/>
+        </c:scaling>
+        <c:delete val="0"/>
+        <c:axPos val="b"/>
+        <c:numFmt formatCode="General" sourceLinked="1"/>
+        <c:majorTickMark val="none"/>
+        <c:minorTickMark val="none"/>
+        <c:tickLblPos val="nextTo"/>
+        <c:spPr>
+          <a:noFill/>
+          <a:ln w="9525" cap="flat" cmpd="sng" algn="ctr">
+            <a:solidFill>
+              <a:schemeClr val="tx1">
+                <a:lumMod val="15000"/>
+                <a:lumOff val="85000"/>
+              </a:schemeClr>
+            </a:solidFill>
+            <a:round/>
+          </a:ln>
+          <a:effectLst/>
+        </c:spPr>
+        <c:txPr>
+          <a:bodyPr rot="-60000000" spcFirstLastPara="1" vertOverflow="ellipsis" vert="horz" wrap="square" anchor="ctr" anchorCtr="1"/>
+          <a:lstStyle/>
+          <a:p>
+            <a:pPr>
+              <a:defRPr sz="900" b="0" i="0" u="none" strike="noStrike" kern="1200" baseline="0">
+                <a:solidFill>
+                  <a:schemeClr val="tx1">
+                    <a:lumMod val="65000"/>
+                    <a:lumOff val="35000"/>
+                  </a:schemeClr>
+                </a:solidFill>
+                <a:latin typeface="+mn-lt"/>
+                <a:ea typeface="+mn-ea"/>
+                <a:cs typeface="+mn-cs"/>
+              </a:defRPr>
+            </a:pPr>
+            <a:endParaRPr lang="ja-JP"/>
+          </a:p>
+        </c:txPr>
+        <c:crossAx val="418716832"/>
+        <c:crosses val="autoZero"/>
+        <c:auto val="1"/>
+        <c:lblAlgn val="ctr"/>
+        <c:lblOffset val="100"/>
+        <c:noMultiLvlLbl val="0"/>
+      </c:catAx>
+      <c:valAx>
+        <c:axId val="418716832"/>
+        <c:scaling>
+          <c:orientation val="minMax"/>
+        </c:scaling>
+        <c:delete val="0"/>
+        <c:axPos val="l"/>
+        <c:majorGridlines>
+          <c:spPr>
+            <a:ln w="9525" cap="flat" cmpd="sng" algn="ctr">
+              <a:solidFill>
+                <a:schemeClr val="tx1">
+                  <a:lumMod val="15000"/>
+                  <a:lumOff val="85000"/>
+                </a:schemeClr>
+              </a:solidFill>
+              <a:round/>
+            </a:ln>
+            <a:effectLst/>
+          </c:spPr>
+        </c:majorGridlines>
+        <c:numFmt formatCode="General" sourceLinked="1"/>
+        <c:majorTickMark val="none"/>
+        <c:minorTickMark val="none"/>
+        <c:tickLblPos val="nextTo"/>
+        <c:spPr>
+          <a:noFill/>
+          <a:ln>
+            <a:noFill/>
+          </a:ln>
+          <a:effectLst/>
+        </c:spPr>
+        <c:txPr>
+          <a:bodyPr rot="-60000000" spcFirstLastPara="1" vertOverflow="ellipsis" vert="horz" wrap="square" anchor="ctr" anchorCtr="1"/>
+          <a:lstStyle/>
+          <a:p>
+            <a:pPr>
+              <a:defRPr sz="900" b="0" i="0" u="none" strike="noStrike" kern="1200" baseline="0">
+                <a:solidFill>
+                  <a:schemeClr val="tx1">
+                    <a:lumMod val="65000"/>
+                    <a:lumOff val="35000"/>
+                  </a:schemeClr>
+                </a:solidFill>
+                <a:latin typeface="+mn-lt"/>
+                <a:ea typeface="+mn-ea"/>
+                <a:cs typeface="+mn-cs"/>
+              </a:defRPr>
+            </a:pPr>
+            <a:endParaRPr lang="ja-JP"/>
+          </a:p>
+        </c:txPr>
+        <c:crossAx val="418717160"/>
+        <c:crosses val="autoZero"/>
+        <c:crossBetween val="between"/>
+      </c:valAx>
+      <c:spPr>
+        <a:noFill/>
+        <a:ln>
+          <a:noFill/>
+        </a:ln>
+        <a:effectLst/>
+      </c:spPr>
+    </c:plotArea>
+    <c:plotVisOnly val="1"/>
+    <c:dispBlanksAs val="gap"/>
+    <c:extLst>
+      <c:ext xmlns:c16r3="http://schemas.microsoft.com/office/drawing/2017/03/chart" uri="{56B9EC1D-385E-4148-901F-78D8002777C0}">
+        <c16r3:dataDisplayOptions16>
+          <c16r3:dispNaAsBlank val="1"/>
+        </c16r3:dataDisplayOptions16>
+      </c:ext>
+    </c:extLst>
+    <c:showDLblsOverMax val="0"/>
+  </c:chart>
+  <c:spPr>
+    <a:solidFill>
+      <a:schemeClr val="bg1"/>
+    </a:solidFill>
+    <a:ln>
+      <a:solidFill>
+        <a:schemeClr val="tx1"/>
+      </a:solidFill>
+    </a:ln>
+    <a:effectLst/>
+  </c:spPr>
+  <c:txPr>
+    <a:bodyPr/>
+    <a:lstStyle/>
+    <a:p>
+      <a:pPr>
+        <a:defRPr/>
+      </a:pPr>
+      <a:endParaRPr lang="ja-JP"/>
+    </a:p>
+  </c:txPr>
+  <c:externalData r:id="rId3">
+    <c:autoUpdate val="0"/>
+  </c:externalData>
+</c:chartSpace>
+</file>
+
+<file path=ppt/charts/colors1.xml><?xml version="1.0" encoding="utf-8"?>
+<cs:colorStyle xmlns:cs="http://schemas.microsoft.com/office/drawing/2012/chartStyle" xmlns:a="http://schemas.openxmlformats.org/drawingml/2006/main" meth="cycle" id="10">
+  <a:schemeClr val="accent1"/>
+  <a:schemeClr val="accent2"/>
+  <a:schemeClr val="accent3"/>
+  <a:schemeClr val="accent4"/>
+  <a:schemeClr val="accent5"/>
+  <a:schemeClr val="accent6"/>
+  <cs:variation/>
+  <cs:variation>
+    <a:lumMod val="60000"/>
+  </cs:variation>
+  <cs:variation>
+    <a:lumMod val="80000"/>
+    <a:lumOff val="20000"/>
+  </cs:variation>
+  <cs:variation>
+    <a:lumMod val="80000"/>
+  </cs:variation>
+  <cs:variation>
+    <a:lumMod val="60000"/>
+    <a:lumOff val="40000"/>
+  </cs:variation>
+  <cs:variation>
+    <a:lumMod val="50000"/>
+  </cs:variation>
+  <cs:variation>
+    <a:lumMod val="70000"/>
+    <a:lumOff val="30000"/>
+  </cs:variation>
+  <cs:variation>
+    <a:lumMod val="70000"/>
+  </cs:variation>
+  <cs:variation>
+    <a:lumMod val="50000"/>
+    <a:lumOff val="50000"/>
+  </cs:variation>
+</cs:colorStyle>
+</file>
+
+<file path=ppt/charts/style1.xml><?xml version="1.0" encoding="utf-8"?>
+<cs:chartStyle xmlns:cs="http://schemas.microsoft.com/office/drawing/2012/chartStyle" xmlns:a="http://schemas.openxmlformats.org/drawingml/2006/main" id="227">
+  <cs:axisTitle>
+    <cs:lnRef idx="0"/>
+    <cs:fillRef idx="0"/>
+    <cs:effectRef idx="0"/>
+    <cs:fontRef idx="minor">
+      <a:schemeClr val="tx1">
+        <a:lumMod val="65000"/>
+        <a:lumOff val="35000"/>
+      </a:schemeClr>
+    </cs:fontRef>
+    <cs:defRPr sz="1000" kern="1200"/>
+  </cs:axisTitle>
+  <cs:categoryAxis>
+    <cs:lnRef idx="0"/>
+    <cs:fillRef idx="0"/>
+    <cs:effectRef idx="0"/>
+    <cs:fontRef idx="minor">
+      <a:schemeClr val="tx1">
+        <a:lumMod val="65000"/>
+        <a:lumOff val="35000"/>
+      </a:schemeClr>
+    </cs:fontRef>
+    <cs:spPr>
+      <a:ln w="9525" cap="flat" cmpd="sng" algn="ctr">
+        <a:solidFill>
+          <a:schemeClr val="tx1">
+            <a:lumMod val="15000"/>
+            <a:lumOff val="85000"/>
+          </a:schemeClr>
+        </a:solidFill>
+        <a:round/>
+      </a:ln>
+    </cs:spPr>
+    <cs:defRPr sz="900" kern="1200"/>
+  </cs:categoryAxis>
+  <cs:chartArea mods="allowNoFillOverride allowNoLineOverride">
+    <cs:lnRef idx="0"/>
+    <cs:fillRef idx="0"/>
+    <cs:effectRef idx="0"/>
+    <cs:fontRef idx="minor">
+      <a:schemeClr val="tx1"/>
+    </cs:fontRef>
+    <cs:spPr>
+      <a:solidFill>
+        <a:schemeClr val="bg1"/>
+      </a:solidFill>
+      <a:ln w="9525" cap="flat" cmpd="sng" algn="ctr">
+        <a:solidFill>
+          <a:schemeClr val="tx1">
+            <a:lumMod val="15000"/>
+            <a:lumOff val="85000"/>
+          </a:schemeClr>
+        </a:solidFill>
+        <a:round/>
+      </a:ln>
+    </cs:spPr>
+    <cs:defRPr sz="1000" kern="1200"/>
+  </cs:chartArea>
+  <cs:dataLabel>
+    <cs:lnRef idx="0"/>
+    <cs:fillRef idx="0"/>
+    <cs:effectRef idx="0"/>
+    <cs:fontRef idx="minor">
+      <a:schemeClr val="tx1">
+        <a:lumMod val="75000"/>
+        <a:lumOff val="25000"/>
+      </a:schemeClr>
+    </cs:fontRef>
+    <cs:defRPr sz="900" kern="1200"/>
+  </cs:dataLabel>
+  <cs:dataLabelCallout>
+    <cs:lnRef idx="0"/>
+    <cs:fillRef idx="0"/>
+    <cs:effectRef idx="0"/>
+    <cs:fontRef idx="minor">
+      <a:schemeClr val="dk1">
+        <a:lumMod val="65000"/>
+        <a:lumOff val="35000"/>
+      </a:schemeClr>
+    </cs:fontRef>
+    <cs:spPr>
+      <a:solidFill>
+        <a:schemeClr val="lt1"/>
+      </a:solidFill>
+      <a:ln>
+        <a:solidFill>
+          <a:schemeClr val="dk1">
+            <a:lumMod val="25000"/>
+            <a:lumOff val="75000"/>
+          </a:schemeClr>
+        </a:solidFill>
+      </a:ln>
+    </cs:spPr>
+    <cs:defRPr sz="900" kern="1200"/>
+    <cs:bodyPr rot="0" spcFirstLastPara="1" vertOverflow="clip" horzOverflow="clip" vert="horz" wrap="square" lIns="36576" tIns="18288" rIns="36576" bIns="18288" anchor="ctr" anchorCtr="1">
+      <a:spAutoFit/>
+    </cs:bodyPr>
+  </cs:dataLabelCallout>
+  <cs:dataPoint>
+    <cs:lnRef idx="0"/>
+    <cs:fillRef idx="1">
+      <cs:styleClr val="auto"/>
+    </cs:fillRef>
+    <cs:effectRef idx="0"/>
+    <cs:fontRef idx="minor">
+      <a:schemeClr val="tx1"/>
+    </cs:fontRef>
+    <cs:spPr>
+      <a:solidFill>
+        <a:schemeClr val="phClr"/>
+      </a:solidFill>
+    </cs:spPr>
+  </cs:dataPoint>
+  <cs:dataPoint3D>
+    <cs:lnRef idx="0"/>
+    <cs:fillRef idx="1">
+      <cs:styleClr val="auto"/>
+    </cs:fillRef>
+    <cs:effectRef idx="0"/>
+    <cs:fontRef idx="minor">
+      <a:schemeClr val="tx1"/>
+    </cs:fontRef>
+    <cs:spPr>
+      <a:solidFill>
+        <a:schemeClr val="phClr"/>
+      </a:solidFill>
+    </cs:spPr>
+  </cs:dataPoint3D>
+  <cs:dataPointLine>
+    <cs:lnRef idx="0">
+      <cs:styleClr val="auto"/>
+    </cs:lnRef>
+    <cs:fillRef idx="1"/>
+    <cs:effectRef idx="0"/>
+    <cs:fontRef idx="minor">
+      <a:schemeClr val="tx1"/>
+    </cs:fontRef>
+    <cs:spPr>
+      <a:ln w="28575" cap="rnd">
+        <a:solidFill>
+          <a:schemeClr val="phClr"/>
+        </a:solidFill>
+        <a:round/>
+      </a:ln>
+    </cs:spPr>
+  </cs:dataPointLine>
+  <cs:dataPointMarker>
+    <cs:lnRef idx="0">
+      <cs:styleClr val="auto"/>
+    </cs:lnRef>
+    <cs:fillRef idx="1">
+      <cs:styleClr val="auto"/>
+    </cs:fillRef>
+    <cs:effectRef idx="0"/>
+    <cs:fontRef idx="minor">
+      <a:schemeClr val="tx1"/>
+    </cs:fontRef>
+    <cs:spPr>
+      <a:solidFill>
+        <a:schemeClr val="phClr"/>
+      </a:solidFill>
+      <a:ln w="9525">
+        <a:solidFill>
+          <a:schemeClr val="phClr"/>
+        </a:solidFill>
+      </a:ln>
+    </cs:spPr>
+  </cs:dataPointMarker>
+  <cs:dataPointMarkerLayout symbol="circle" size="5"/>
+  <cs:dataPointWireframe>
+    <cs:lnRef idx="0">
+      <cs:styleClr val="auto"/>
+    </cs:lnRef>
+    <cs:fillRef idx="1"/>
+    <cs:effectRef idx="0"/>
+    <cs:fontRef idx="minor">
+      <a:schemeClr val="tx1"/>
+    </cs:fontRef>
+    <cs:spPr>
+      <a:ln w="9525" cap="rnd">
+        <a:solidFill>
+          <a:schemeClr val="phClr"/>
+        </a:solidFill>
+        <a:round/>
+      </a:ln>
+    </cs:spPr>
+  </cs:dataPointWireframe>
+  <cs:dataTable>
+    <cs:lnRef idx="0"/>
+    <cs:fillRef idx="0"/>
+    <cs:effectRef idx="0"/>
+    <cs:fontRef idx="minor">
+      <a:schemeClr val="tx1">
+        <a:lumMod val="65000"/>
+        <a:lumOff val="35000"/>
+      </a:schemeClr>
+    </cs:fontRef>
+    <cs:spPr>
+      <a:noFill/>
+      <a:ln w="9525" cap="flat" cmpd="sng" algn="ctr">
+        <a:solidFill>
+          <a:schemeClr val="tx1">
+            <a:lumMod val="15000"/>
+            <a:lumOff val="85000"/>
+          </a:schemeClr>
+        </a:solidFill>
+        <a:round/>
+      </a:ln>
+    </cs:spPr>
+    <cs:defRPr sz="900" kern="1200"/>
+  </cs:dataTable>
+  <cs:downBar>
+    <cs:lnRef idx="0"/>
+    <cs:fillRef idx="0"/>
+    <cs:effectRef idx="0"/>
+    <cs:fontRef idx="minor">
+      <a:schemeClr val="dk1"/>
+    </cs:fontRef>
+    <cs:spPr>
+      <a:solidFill>
+        <a:schemeClr val="dk1">
+          <a:lumMod val="65000"/>
+          <a:lumOff val="35000"/>
+        </a:schemeClr>
+      </a:solidFill>
+      <a:ln w="9525">
+        <a:solidFill>
+          <a:schemeClr val="tx1">
+            <a:lumMod val="65000"/>
+            <a:lumOff val="35000"/>
+          </a:schemeClr>
+        </a:solidFill>
+      </a:ln>
+    </cs:spPr>
+  </cs:downBar>
+  <cs:dropLine>
+    <cs:lnRef idx="0"/>
+    <cs:fillRef idx="0"/>
+    <cs:effectRef idx="0"/>
+    <cs:fontRef idx="minor">
+      <a:schemeClr val="tx1"/>
+    </cs:fontRef>
+    <cs:spPr>
+      <a:ln w="9525" cap="flat" cmpd="sng" algn="ctr">
+        <a:solidFill>
+          <a:schemeClr val="tx1">
+            <a:lumMod val="35000"/>
+            <a:lumOff val="65000"/>
+          </a:schemeClr>
+        </a:solidFill>
+        <a:round/>
+      </a:ln>
+    </cs:spPr>
+  </cs:dropLine>
+  <cs:errorBar>
+    <cs:lnRef idx="0"/>
+    <cs:fillRef idx="0"/>
+    <cs:effectRef idx="0"/>
+    <cs:fontRef idx="minor">
+      <a:schemeClr val="tx1"/>
+    </cs:fontRef>
+    <cs:spPr>
+      <a:ln w="9525" cap="flat" cmpd="sng" algn="ctr">
+        <a:solidFill>
+          <a:schemeClr val="tx1">
+            <a:lumMod val="65000"/>
+            <a:lumOff val="35000"/>
+          </a:schemeClr>
+        </a:solidFill>
+        <a:round/>
+      </a:ln>
+    </cs:spPr>
+  </cs:errorBar>
+  <cs:floor>
+    <cs:lnRef idx="0"/>
+    <cs:fillRef idx="0"/>
+    <cs:effectRef idx="0"/>
+    <cs:fontRef idx="minor">
+      <a:schemeClr val="tx1"/>
+    </cs:fontRef>
+    <cs:spPr>
+      <a:noFill/>
+      <a:ln>
+        <a:noFill/>
+      </a:ln>
+    </cs:spPr>
+  </cs:floor>
+  <cs:gridlineMajor>
+    <cs:lnRef idx="0"/>
+    <cs:fillRef idx="0"/>
+    <cs:effectRef idx="0"/>
+    <cs:fontRef idx="minor">
+      <a:schemeClr val="tx1"/>
+    </cs:fontRef>
+    <cs:spPr>
+      <a:ln w="9525" cap="flat" cmpd="sng" algn="ctr">
+        <a:solidFill>
+          <a:schemeClr val="tx1">
+            <a:lumMod val="15000"/>
+            <a:lumOff val="85000"/>
+          </a:schemeClr>
+        </a:solidFill>
+        <a:round/>
+      </a:ln>
+    </cs:spPr>
+  </cs:gridlineMajor>
+  <cs:gridlineMinor>
+    <cs:lnRef idx="0"/>
+    <cs:fillRef idx="0"/>
+    <cs:effectRef idx="0"/>
+    <cs:fontRef idx="minor">
+      <a:schemeClr val="tx1"/>
+    </cs:fontRef>
+    <cs:spPr>
+      <a:ln w="9525" cap="flat" cmpd="sng" algn="ctr">
+        <a:solidFill>
+          <a:schemeClr val="tx1">
+            <a:lumMod val="5000"/>
+            <a:lumOff val="95000"/>
+          </a:schemeClr>
+        </a:solidFill>
+        <a:round/>
+      </a:ln>
+    </cs:spPr>
+  </cs:gridlineMinor>
+  <cs:hiLoLine>
+    <cs:lnRef idx="0"/>
+    <cs:fillRef idx="0"/>
+    <cs:effectRef idx="0"/>
+    <cs:fontRef idx="minor">
+      <a:schemeClr val="tx1"/>
+    </cs:fontRef>
+    <cs:spPr>
+      <a:ln w="9525" cap="flat" cmpd="sng" algn="ctr">
+        <a:solidFill>
+          <a:schemeClr val="tx1">
+            <a:lumMod val="75000"/>
+            <a:lumOff val="25000"/>
+          </a:schemeClr>
+        </a:solidFill>
+        <a:round/>
+      </a:ln>
+    </cs:spPr>
+  </cs:hiLoLine>
+  <cs:leaderLine>
+    <cs:lnRef idx="0"/>
+    <cs:fillRef idx="0"/>
+    <cs:effectRef idx="0"/>
+    <cs:fontRef idx="minor">
+      <a:schemeClr val="tx1"/>
+    </cs:fontRef>
+    <cs:spPr>
+      <a:ln w="9525" cap="flat" cmpd="sng" algn="ctr">
+        <a:solidFill>
+          <a:schemeClr val="tx1">
+            <a:lumMod val="35000"/>
+            <a:lumOff val="65000"/>
+          </a:schemeClr>
+        </a:solidFill>
+        <a:round/>
+      </a:ln>
+    </cs:spPr>
+  </cs:leaderLine>
+  <cs:legend>
+    <cs:lnRef idx="0"/>
+    <cs:fillRef idx="0"/>
+    <cs:effectRef idx="0"/>
+    <cs:fontRef idx="minor">
+      <a:schemeClr val="tx1">
+        <a:lumMod val="65000"/>
+        <a:lumOff val="35000"/>
+      </a:schemeClr>
+    </cs:fontRef>
+    <cs:defRPr sz="900" kern="1200"/>
+  </cs:legend>
+  <cs:plotArea mods="allowNoFillOverride allowNoLineOverride">
+    <cs:lnRef idx="0"/>
+    <cs:fillRef idx="0"/>
+    <cs:effectRef idx="0"/>
+    <cs:fontRef idx="minor">
+      <a:schemeClr val="tx1"/>
+    </cs:fontRef>
+  </cs:plotArea>
+  <cs:plotArea3D mods="allowNoFillOverride allowNoLineOverride">
+    <cs:lnRef idx="0"/>
+    <cs:fillRef idx="0"/>
+    <cs:effectRef idx="0"/>
+    <cs:fontRef idx="minor">
+      <a:schemeClr val="tx1"/>
+    </cs:fontRef>
+  </cs:plotArea3D>
+  <cs:seriesAxis>
+    <cs:lnRef idx="0"/>
+    <cs:fillRef idx="0"/>
+    <cs:effectRef idx="0"/>
+    <cs:fontRef idx="minor">
+      <a:schemeClr val="tx1">
+        <a:lumMod val="65000"/>
+        <a:lumOff val="35000"/>
+      </a:schemeClr>
+    </cs:fontRef>
+    <cs:defRPr sz="900" kern="1200"/>
+  </cs:seriesAxis>
+  <cs:seriesLine>
+    <cs:lnRef idx="0"/>
+    <cs:fillRef idx="0"/>
+    <cs:effectRef idx="0"/>
+    <cs:fontRef idx="minor">
+      <a:schemeClr val="tx1"/>
+    </cs:fontRef>
+    <cs:spPr>
+      <a:ln w="9525" cap="flat" cmpd="sng" algn="ctr">
+        <a:solidFill>
+          <a:schemeClr val="tx1">
+            <a:lumMod val="35000"/>
+            <a:lumOff val="65000"/>
+          </a:schemeClr>
+        </a:solidFill>
+        <a:round/>
+      </a:ln>
+    </cs:spPr>
+  </cs:seriesLine>
+  <cs:title>
+    <cs:lnRef idx="0"/>
+    <cs:fillRef idx="0"/>
+    <cs:effectRef idx="0"/>
+    <cs:fontRef idx="minor">
+      <a:schemeClr val="tx1">
+        <a:lumMod val="65000"/>
+        <a:lumOff val="35000"/>
+      </a:schemeClr>
+    </cs:fontRef>
+    <cs:defRPr sz="1400" b="0" kern="1200" spc="0" baseline="0"/>
+  </cs:title>
+  <cs:trendline>
+    <cs:lnRef idx="0">
+      <cs:styleClr val="auto"/>
+    </cs:lnRef>
+    <cs:fillRef idx="0"/>
+    <cs:effectRef idx="0"/>
+    <cs:fontRef idx="minor">
+      <a:schemeClr val="tx1"/>
+    </cs:fontRef>
+    <cs:spPr>
+      <a:ln w="19050" cap="rnd">
+        <a:solidFill>
+          <a:schemeClr val="phClr"/>
+        </a:solidFill>
+        <a:prstDash val="sysDot"/>
+      </a:ln>
+    </cs:spPr>
+  </cs:trendline>
+  <cs:trendlineLabel>
+    <cs:lnRef idx="0"/>
+    <cs:fillRef idx="0"/>
+    <cs:effectRef idx="0"/>
+    <cs:fontRef idx="minor">
+      <a:schemeClr val="tx1">
+        <a:lumMod val="65000"/>
+        <a:lumOff val="35000"/>
+      </a:schemeClr>
+    </cs:fontRef>
+    <cs:defRPr sz="900" kern="1200"/>
+  </cs:trendlineLabel>
+  <cs:upBar>
+    <cs:lnRef idx="0"/>
+    <cs:fillRef idx="0"/>
+    <cs:effectRef idx="0"/>
+    <cs:fontRef idx="minor">
+      <a:schemeClr val="dk1"/>
+    </cs:fontRef>
+    <cs:spPr>
+      <a:solidFill>
+        <a:schemeClr val="lt1"/>
+      </a:solidFill>
+      <a:ln w="9525">
+        <a:solidFill>
+          <a:schemeClr val="tx1">
+            <a:lumMod val="15000"/>
+            <a:lumOff val="85000"/>
+          </a:schemeClr>
+        </a:solidFill>
+      </a:ln>
+    </cs:spPr>
+  </cs:upBar>
+  <cs:valueAxis>
+    <cs:lnRef idx="0"/>
+    <cs:fillRef idx="0"/>
+    <cs:effectRef idx="0"/>
+    <cs:fontRef idx="minor">
+      <a:schemeClr val="tx1">
+        <a:lumMod val="65000"/>
+        <a:lumOff val="35000"/>
+      </a:schemeClr>
+    </cs:fontRef>
+    <cs:defRPr sz="900" kern="1200"/>
+  </cs:valueAxis>
+  <cs:wall>
+    <cs:lnRef idx="0"/>
+    <cs:fillRef idx="0"/>
+    <cs:effectRef idx="0"/>
+    <cs:fontRef idx="minor">
+      <a:schemeClr val="tx1"/>
+    </cs:fontRef>
+    <cs:spPr>
+      <a:noFill/>
+      <a:ln>
+        <a:noFill/>
+      </a:ln>
+    </cs:spPr>
+  </cs:wall>
+</cs:chartStyle>
+</file>
+
 <file path=ppt/notesMasters/notesMaster1.xml><?xml version="1.0" encoding="utf-8"?>
 <p:notesMaster xmlns:a="http://schemas.openxmlformats.org/drawingml/2006/main" xmlns:r="http://schemas.openxmlformats.org/officeDocument/2006/relationships" xmlns:p="http://schemas.openxmlformats.org/presentationml/2006/main">
   <p:cSld>
@@ -264,7 +1409,7 @@
             <a:fld id="{6DCC9987-AE10-4685-9B5B-4577F1D5BB4C}" type="datetimeFigureOut">
               <a:rPr lang="ja-JP" altLang="en-US"/>
               <a:pPr/>
-              <a:t>2017/11/18</a:t>
+              <a:t>2017/11/20</a:t>
             </a:fld>
             <a:endParaRPr kumimoji="1" lang="ja-JP"/>
           </a:p>
@@ -575,7 +1720,63 @@
           </a:bodyPr>
           <a:lstStyle/>
           <a:p>
-            <a:endParaRPr kumimoji="1" lang="ja-JP"/>
+            <a:r>
+              <a:rPr kumimoji="1" lang="en-US" altLang="ja-JP" dirty="0"/>
+              <a:t>Hello, I’m Kentaro Narikawa, master course of graduate student of </a:t>
+            </a:r>
+            <a:r>
+              <a:rPr kumimoji="1" lang="en-US" altLang="ja-JP" dirty="0" err="1"/>
+              <a:t>Kwansei</a:t>
+            </a:r>
+            <a:r>
+              <a:rPr kumimoji="1" lang="en-US" altLang="ja-JP" dirty="0"/>
+              <a:t> </a:t>
+            </a:r>
+            <a:r>
+              <a:rPr kumimoji="1" lang="en-US" altLang="ja-JP" dirty="0" err="1"/>
+              <a:t>Gakuin</a:t>
+            </a:r>
+            <a:r>
+              <a:rPr kumimoji="1" lang="en-US" altLang="ja-JP" dirty="0"/>
+              <a:t> University in Japan.</a:t>
+            </a:r>
+          </a:p>
+          <a:p>
+            <a:r>
+              <a:rPr kumimoji="1" lang="en-US" altLang="ja-JP" dirty="0"/>
+              <a:t>And he is Mr. Tetsuo </a:t>
+            </a:r>
+            <a:r>
+              <a:rPr kumimoji="1" lang="en-US" altLang="ja-JP" dirty="0" err="1"/>
+              <a:t>Ogino</a:t>
+            </a:r>
+            <a:r>
+              <a:rPr kumimoji="1" lang="en-US" altLang="ja-JP" dirty="0"/>
+              <a:t>. Another member, </a:t>
+            </a:r>
+            <a:r>
+              <a:rPr kumimoji="1" lang="en-US" altLang="ja-JP" dirty="0" err="1"/>
+              <a:t>Toshinori</a:t>
+            </a:r>
+            <a:r>
+              <a:rPr kumimoji="1" lang="en-US" altLang="ja-JP" dirty="0"/>
+              <a:t> Hayashi is absent because he got a cold in Japan. </a:t>
+            </a:r>
+          </a:p>
+          <a:p>
+            <a:endParaRPr kumimoji="1" lang="en-US" altLang="ja-JP" dirty="0"/>
+          </a:p>
+          <a:p>
+            <a:r>
+              <a:rPr kumimoji="1" lang="en-US" altLang="ja-JP" dirty="0"/>
+              <a:t>We’d like to propose the system Searching Unusual events system by using Buzz tweets And Noise data, what we call, BUSAN system.</a:t>
+            </a:r>
+          </a:p>
+          <a:p>
+            <a:r>
+              <a:rPr kumimoji="1" lang="en-US" altLang="ja-JP" dirty="0"/>
+              <a:t>The name of BUSAN is what are arranged the first letters for it.</a:t>
+            </a:r>
           </a:p>
         </p:txBody>
       </p:sp>
@@ -604,6 +1805,603 @@
         </p:txBody>
       </p:sp>
     </p:spTree>
+  </p:cSld>
+  <p:clrMapOvr>
+    <a:masterClrMapping/>
+  </p:clrMapOvr>
+</p:notes>
+</file>
+
+<file path=ppt/notesSlides/notesSlide2.xml><?xml version="1.0" encoding="utf-8"?>
+<p:notes xmlns:a="http://schemas.openxmlformats.org/drawingml/2006/main" xmlns:r="http://schemas.openxmlformats.org/officeDocument/2006/relationships" xmlns:p="http://schemas.openxmlformats.org/presentationml/2006/main">
+  <p:cSld>
+    <p:spTree>
+      <p:nvGrpSpPr>
+        <p:cNvPr id="1" name=""/>
+        <p:cNvGrpSpPr/>
+        <p:nvPr/>
+      </p:nvGrpSpPr>
+      <p:grpSpPr>
+        <a:xfrm>
+          <a:off x="0" y="0"/>
+          <a:ext cx="0" cy="0"/>
+          <a:chOff x="0" y="0"/>
+          <a:chExt cx="0" cy="0"/>
+        </a:xfrm>
+      </p:grpSpPr>
+      <p:sp>
+        <p:nvSpPr>
+          <p:cNvPr id="2" name="スライド イメージ プレースホルダー 1"/>
+          <p:cNvSpPr>
+            <a:spLocks noGrp="1" noRot="1" noChangeAspect="1"/>
+          </p:cNvSpPr>
+          <p:nvPr>
+            <p:ph type="sldImg"/>
+          </p:nvPr>
+        </p:nvSpPr>
+        <p:spPr/>
+      </p:sp>
+      <p:sp>
+        <p:nvSpPr>
+          <p:cNvPr id="3" name="ノート プレースホルダー 2"/>
+          <p:cNvSpPr>
+            <a:spLocks noGrp="1"/>
+          </p:cNvSpPr>
+          <p:nvPr>
+            <p:ph type="body" idx="1"/>
+          </p:nvPr>
+        </p:nvSpPr>
+        <p:spPr/>
+        <p:txBody>
+          <a:bodyPr/>
+          <a:lstStyle/>
+          <a:p>
+            <a:r>
+              <a:rPr kumimoji="1" lang="en-US" altLang="ja-JP" dirty="0"/>
+              <a:t>First of all, do you like noisy place?</a:t>
+            </a:r>
+          </a:p>
+          <a:p>
+            <a:r>
+              <a:rPr kumimoji="1" lang="en-US" altLang="ja-JP" dirty="0"/>
+              <a:t>Some people like noisy place, but other people dislike there.</a:t>
+            </a:r>
+          </a:p>
+          <a:p>
+            <a:r>
+              <a:rPr kumimoji="1" lang="en-US" altLang="ja-JP" dirty="0"/>
+              <a:t>I think whether you want to go to the noisy place is depending on your feelings.</a:t>
+            </a:r>
+          </a:p>
+        </p:txBody>
+      </p:sp>
+      <p:sp>
+        <p:nvSpPr>
+          <p:cNvPr id="4" name="スライド番号プレースホルダー 3"/>
+          <p:cNvSpPr>
+            <a:spLocks noGrp="1"/>
+          </p:cNvSpPr>
+          <p:nvPr>
+            <p:ph type="sldNum" sz="quarter" idx="10"/>
+          </p:nvPr>
+        </p:nvSpPr>
+        <p:spPr/>
+        <p:txBody>
+          <a:bodyPr/>
+          <a:lstStyle/>
+          <a:p>
+            <a:fld id="{77D8454A-404F-4DF1-8F43-7DDF83BF3B63}" type="slidenum">
+              <a:rPr lang="en-US" altLang="ja-JP" smtClean="0"/>
+              <a:pPr/>
+              <a:t>2</a:t>
+            </a:fld>
+            <a:endParaRPr kumimoji="1" lang="ja-JP" altLang="en-US"/>
+          </a:p>
+        </p:txBody>
+      </p:sp>
+    </p:spTree>
+    <p:extLst>
+      <p:ext uri="{BB962C8B-B14F-4D97-AF65-F5344CB8AC3E}">
+        <p14:creationId xmlns:p14="http://schemas.microsoft.com/office/powerpoint/2010/main" val="2337611790"/>
+      </p:ext>
+    </p:extLst>
+  </p:cSld>
+  <p:clrMapOvr>
+    <a:masterClrMapping/>
+  </p:clrMapOvr>
+</p:notes>
+</file>
+
+<file path=ppt/notesSlides/notesSlide3.xml><?xml version="1.0" encoding="utf-8"?>
+<p:notes xmlns:a="http://schemas.openxmlformats.org/drawingml/2006/main" xmlns:r="http://schemas.openxmlformats.org/officeDocument/2006/relationships" xmlns:p="http://schemas.openxmlformats.org/presentationml/2006/main">
+  <p:cSld>
+    <p:spTree>
+      <p:nvGrpSpPr>
+        <p:cNvPr id="1" name=""/>
+        <p:cNvGrpSpPr/>
+        <p:nvPr/>
+      </p:nvGrpSpPr>
+      <p:grpSpPr>
+        <a:xfrm>
+          <a:off x="0" y="0"/>
+          <a:ext cx="0" cy="0"/>
+          <a:chOff x="0" y="0"/>
+          <a:chExt cx="0" cy="0"/>
+        </a:xfrm>
+      </p:grpSpPr>
+      <p:sp>
+        <p:nvSpPr>
+          <p:cNvPr id="2" name="スライド イメージ プレースホルダー 1"/>
+          <p:cNvSpPr>
+            <a:spLocks noGrp="1" noRot="1" noChangeAspect="1"/>
+          </p:cNvSpPr>
+          <p:nvPr>
+            <p:ph type="sldImg"/>
+          </p:nvPr>
+        </p:nvSpPr>
+        <p:spPr/>
+      </p:sp>
+      <p:sp>
+        <p:nvSpPr>
+          <p:cNvPr id="3" name="ノート プレースホルダー 2"/>
+          <p:cNvSpPr>
+            <a:spLocks noGrp="1"/>
+          </p:cNvSpPr>
+          <p:nvPr>
+            <p:ph type="body" idx="1"/>
+          </p:nvPr>
+        </p:nvSpPr>
+        <p:spPr/>
+        <p:txBody>
+          <a:bodyPr/>
+          <a:lstStyle/>
+          <a:p>
+            <a:pPr marL="0" marR="0" lvl="0" indent="0" algn="l" defTabSz="914400" rtl="0" eaLnBrk="1" fontAlgn="auto" latinLnBrk="0" hangingPunct="1">
+              <a:lnSpc>
+                <a:spcPct val="100000"/>
+              </a:lnSpc>
+              <a:spcBef>
+                <a:spcPts val="0"/>
+              </a:spcBef>
+              <a:spcAft>
+                <a:spcPts val="0"/>
+              </a:spcAft>
+              <a:buClrTx/>
+              <a:buSzTx/>
+              <a:buFontTx/>
+              <a:buNone/>
+              <a:tabLst/>
+              <a:defRPr/>
+            </a:pPr>
+            <a:r>
+              <a:rPr kumimoji="1" lang="en-US" altLang="ja-JP" dirty="0"/>
+              <a:t>In the noisy place, we think </a:t>
+            </a:r>
+            <a:r>
+              <a:rPr kumimoji="1" lang="en-US" altLang="ja-JP" sz="1200" dirty="0"/>
+              <a:t>something </a:t>
+            </a:r>
+            <a:r>
+              <a:rPr kumimoji="1" lang="en-US" altLang="ja-JP" sz="1200" dirty="0">
+                <a:solidFill>
+                  <a:srgbClr val="FF0000"/>
+                </a:solidFill>
+              </a:rPr>
+              <a:t>different</a:t>
+            </a:r>
+            <a:r>
+              <a:rPr kumimoji="1" lang="en-US" altLang="ja-JP" sz="1200" dirty="0"/>
+              <a:t> suddenly happen as </a:t>
+            </a:r>
+            <a:r>
+              <a:rPr kumimoji="1" lang="en-US" altLang="ja-JP" sz="1200" dirty="0">
+                <a:solidFill>
+                  <a:srgbClr val="FF0000"/>
+                </a:solidFill>
+              </a:rPr>
+              <a:t>unusual</a:t>
+            </a:r>
+            <a:r>
+              <a:rPr kumimoji="1" lang="en-US" altLang="ja-JP" sz="1200" dirty="0"/>
+              <a:t> event </a:t>
+            </a:r>
+            <a:r>
+              <a:rPr lang="en-US" altLang="ja-JP" sz="1200" dirty="0"/>
+              <a:t>in the city</a:t>
+            </a:r>
+            <a:r>
+              <a:rPr kumimoji="1" lang="en-US" altLang="ja-JP" sz="1200" dirty="0"/>
+              <a:t>.</a:t>
+            </a:r>
+          </a:p>
+          <a:p>
+            <a:pPr marL="0" marR="0" lvl="0" indent="0" algn="l" defTabSz="914400" rtl="0" eaLnBrk="1" fontAlgn="auto" latinLnBrk="0" hangingPunct="1">
+              <a:lnSpc>
+                <a:spcPct val="100000"/>
+              </a:lnSpc>
+              <a:spcBef>
+                <a:spcPts val="0"/>
+              </a:spcBef>
+              <a:spcAft>
+                <a:spcPts val="0"/>
+              </a:spcAft>
+              <a:buClrTx/>
+              <a:buSzTx/>
+              <a:buFontTx/>
+              <a:buNone/>
+              <a:tabLst/>
+              <a:defRPr/>
+            </a:pPr>
+            <a:r>
+              <a:rPr kumimoji="1" lang="en-US" altLang="ja-JP" sz="1200" dirty="0"/>
+              <a:t>For instance, beginning street live show, and big accident, and so on…</a:t>
+            </a:r>
+          </a:p>
+          <a:p>
+            <a:pPr marL="0" marR="0" lvl="0" indent="0" algn="l" defTabSz="914400" rtl="0" eaLnBrk="1" fontAlgn="auto" latinLnBrk="0" hangingPunct="1">
+              <a:lnSpc>
+                <a:spcPct val="100000"/>
+              </a:lnSpc>
+              <a:spcBef>
+                <a:spcPts val="0"/>
+              </a:spcBef>
+              <a:spcAft>
+                <a:spcPts val="0"/>
+              </a:spcAft>
+              <a:buClrTx/>
+              <a:buSzTx/>
+              <a:buFontTx/>
+              <a:buNone/>
+              <a:tabLst/>
+              <a:defRPr/>
+            </a:pPr>
+            <a:r>
+              <a:rPr kumimoji="1" lang="en-US" altLang="ja-JP" sz="1200" dirty="0"/>
+              <a:t>In order to detect such unusual signs, </a:t>
+            </a:r>
+            <a:r>
+              <a:rPr lang="en-US" altLang="ja-JP" sz="1200" dirty="0"/>
+              <a:t>BUSAN system</a:t>
+            </a:r>
+            <a:r>
+              <a:rPr kumimoji="1" lang="en-US" altLang="ja-JP" sz="1200" dirty="0"/>
+              <a:t> needs several kinds of sensing data.</a:t>
+            </a:r>
+          </a:p>
+        </p:txBody>
+      </p:sp>
+      <p:sp>
+        <p:nvSpPr>
+          <p:cNvPr id="4" name="スライド番号プレースホルダー 3"/>
+          <p:cNvSpPr>
+            <a:spLocks noGrp="1"/>
+          </p:cNvSpPr>
+          <p:nvPr>
+            <p:ph type="sldNum" sz="quarter" idx="10"/>
+          </p:nvPr>
+        </p:nvSpPr>
+        <p:spPr/>
+        <p:txBody>
+          <a:bodyPr/>
+          <a:lstStyle/>
+          <a:p>
+            <a:fld id="{77D8454A-404F-4DF1-8F43-7DDF83BF3B63}" type="slidenum">
+              <a:rPr lang="en-US" altLang="ja-JP" smtClean="0"/>
+              <a:pPr/>
+              <a:t>3</a:t>
+            </a:fld>
+            <a:endParaRPr kumimoji="1" lang="ja-JP" altLang="en-US"/>
+          </a:p>
+        </p:txBody>
+      </p:sp>
+    </p:spTree>
+    <p:extLst>
+      <p:ext uri="{BB962C8B-B14F-4D97-AF65-F5344CB8AC3E}">
+        <p14:creationId xmlns:p14="http://schemas.microsoft.com/office/powerpoint/2010/main" val="2275333687"/>
+      </p:ext>
+    </p:extLst>
+  </p:cSld>
+  <p:clrMapOvr>
+    <a:masterClrMapping/>
+  </p:clrMapOvr>
+</p:notes>
+</file>
+
+<file path=ppt/notesSlides/notesSlide4.xml><?xml version="1.0" encoding="utf-8"?>
+<p:notes xmlns:a="http://schemas.openxmlformats.org/drawingml/2006/main" xmlns:r="http://schemas.openxmlformats.org/officeDocument/2006/relationships" xmlns:p="http://schemas.openxmlformats.org/presentationml/2006/main">
+  <p:cSld>
+    <p:spTree>
+      <p:nvGrpSpPr>
+        <p:cNvPr id="1" name=""/>
+        <p:cNvGrpSpPr/>
+        <p:nvPr/>
+      </p:nvGrpSpPr>
+      <p:grpSpPr>
+        <a:xfrm>
+          <a:off x="0" y="0"/>
+          <a:ext cx="0" cy="0"/>
+          <a:chOff x="0" y="0"/>
+          <a:chExt cx="0" cy="0"/>
+        </a:xfrm>
+      </p:grpSpPr>
+      <p:sp>
+        <p:nvSpPr>
+          <p:cNvPr id="2" name="スライド イメージ プレースホルダー 1"/>
+          <p:cNvSpPr>
+            <a:spLocks noGrp="1" noRot="1" noChangeAspect="1"/>
+          </p:cNvSpPr>
+          <p:nvPr>
+            <p:ph type="sldImg"/>
+          </p:nvPr>
+        </p:nvSpPr>
+        <p:spPr/>
+      </p:sp>
+      <p:sp>
+        <p:nvSpPr>
+          <p:cNvPr id="3" name="ノート プレースホルダー 2"/>
+          <p:cNvSpPr>
+            <a:spLocks noGrp="1"/>
+          </p:cNvSpPr>
+          <p:nvPr>
+            <p:ph type="body" idx="1"/>
+          </p:nvPr>
+        </p:nvSpPr>
+        <p:spPr/>
+        <p:txBody>
+          <a:bodyPr/>
+          <a:lstStyle/>
+          <a:p>
+            <a:r>
+              <a:rPr kumimoji="1" lang="en-US" altLang="ja-JP" dirty="0"/>
+              <a:t>To develop this system, We used sensing data from taxis and Tweet data.</a:t>
+            </a:r>
+          </a:p>
+          <a:p>
+            <a:r>
+              <a:rPr kumimoji="1" lang="en-US" altLang="ja-JP" dirty="0"/>
+              <a:t>Based on these data, the system plot pins and represent tweets to each place which noise is louder than usual on google map.</a:t>
+            </a:r>
+          </a:p>
+        </p:txBody>
+      </p:sp>
+      <p:sp>
+        <p:nvSpPr>
+          <p:cNvPr id="4" name="スライド番号プレースホルダー 3"/>
+          <p:cNvSpPr>
+            <a:spLocks noGrp="1"/>
+          </p:cNvSpPr>
+          <p:nvPr>
+            <p:ph type="sldNum" sz="quarter" idx="10"/>
+          </p:nvPr>
+        </p:nvSpPr>
+        <p:spPr/>
+        <p:txBody>
+          <a:bodyPr/>
+          <a:lstStyle/>
+          <a:p>
+            <a:fld id="{77D8454A-404F-4DF1-8F43-7DDF83BF3B63}" type="slidenum">
+              <a:rPr lang="en-US" altLang="ja-JP" smtClean="0"/>
+              <a:pPr/>
+              <a:t>4</a:t>
+            </a:fld>
+            <a:endParaRPr kumimoji="1" lang="ja-JP" altLang="en-US"/>
+          </a:p>
+        </p:txBody>
+      </p:sp>
+    </p:spTree>
+    <p:extLst>
+      <p:ext uri="{BB962C8B-B14F-4D97-AF65-F5344CB8AC3E}">
+        <p14:creationId xmlns:p14="http://schemas.microsoft.com/office/powerpoint/2010/main" val="1735130238"/>
+      </p:ext>
+    </p:extLst>
+  </p:cSld>
+  <p:clrMapOvr>
+    <a:masterClrMapping/>
+  </p:clrMapOvr>
+</p:notes>
+</file>
+
+<file path=ppt/notesSlides/notesSlide5.xml><?xml version="1.0" encoding="utf-8"?>
+<p:notes xmlns:a="http://schemas.openxmlformats.org/drawingml/2006/main" xmlns:r="http://schemas.openxmlformats.org/officeDocument/2006/relationships" xmlns:p="http://schemas.openxmlformats.org/presentationml/2006/main">
+  <p:cSld>
+    <p:spTree>
+      <p:nvGrpSpPr>
+        <p:cNvPr id="1" name=""/>
+        <p:cNvGrpSpPr/>
+        <p:nvPr/>
+      </p:nvGrpSpPr>
+      <p:grpSpPr>
+        <a:xfrm>
+          <a:off x="0" y="0"/>
+          <a:ext cx="0" cy="0"/>
+          <a:chOff x="0" y="0"/>
+          <a:chExt cx="0" cy="0"/>
+        </a:xfrm>
+      </p:grpSpPr>
+      <p:sp>
+        <p:nvSpPr>
+          <p:cNvPr id="2" name="スライド イメージ プレースホルダー 1"/>
+          <p:cNvSpPr>
+            <a:spLocks noGrp="1" noRot="1" noChangeAspect="1"/>
+          </p:cNvSpPr>
+          <p:nvPr>
+            <p:ph type="sldImg"/>
+          </p:nvPr>
+        </p:nvSpPr>
+        <p:spPr/>
+      </p:sp>
+      <p:sp>
+        <p:nvSpPr>
+          <p:cNvPr id="3" name="ノート プレースホルダー 2"/>
+          <p:cNvSpPr>
+            <a:spLocks noGrp="1"/>
+          </p:cNvSpPr>
+          <p:nvPr>
+            <p:ph type="body" idx="1"/>
+          </p:nvPr>
+        </p:nvSpPr>
+        <p:spPr/>
+        <p:txBody>
+          <a:bodyPr/>
+          <a:lstStyle/>
+          <a:p>
+            <a:r>
+              <a:rPr kumimoji="1" lang="en-US" altLang="ja-JP" dirty="0"/>
+              <a:t>As I mentioned before, the BUSAN system pick the sensing data and tweets which noise is louder than usual.</a:t>
+            </a:r>
+          </a:p>
+          <a:p>
+            <a:r>
+              <a:rPr kumimoji="1" lang="en-US" altLang="ja-JP" dirty="0"/>
+              <a:t>After using this system, we can get to know what happened at the noisy area.</a:t>
+            </a:r>
+          </a:p>
+          <a:p>
+            <a:r>
+              <a:rPr kumimoji="1" lang="en-US" altLang="ja-JP" dirty="0"/>
+              <a:t>So, you can decide whether you may go or not.</a:t>
+            </a:r>
+            <a:endParaRPr kumimoji="1" lang="ja-JP" altLang="en-US" dirty="0"/>
+          </a:p>
+        </p:txBody>
+      </p:sp>
+      <p:sp>
+        <p:nvSpPr>
+          <p:cNvPr id="4" name="スライド番号プレースホルダー 3"/>
+          <p:cNvSpPr>
+            <a:spLocks noGrp="1"/>
+          </p:cNvSpPr>
+          <p:nvPr>
+            <p:ph type="sldNum" sz="quarter" idx="10"/>
+          </p:nvPr>
+        </p:nvSpPr>
+        <p:spPr/>
+        <p:txBody>
+          <a:bodyPr/>
+          <a:lstStyle/>
+          <a:p>
+            <a:fld id="{77D8454A-404F-4DF1-8F43-7DDF83BF3B63}" type="slidenum">
+              <a:rPr lang="en-US" altLang="ja-JP" smtClean="0"/>
+              <a:pPr/>
+              <a:t>5</a:t>
+            </a:fld>
+            <a:endParaRPr kumimoji="1" lang="ja-JP" altLang="en-US"/>
+          </a:p>
+        </p:txBody>
+      </p:sp>
+    </p:spTree>
+    <p:extLst>
+      <p:ext uri="{BB962C8B-B14F-4D97-AF65-F5344CB8AC3E}">
+        <p14:creationId xmlns:p14="http://schemas.microsoft.com/office/powerpoint/2010/main" val="943948425"/>
+      </p:ext>
+    </p:extLst>
+  </p:cSld>
+  <p:clrMapOvr>
+    <a:masterClrMapping/>
+  </p:clrMapOvr>
+</p:notes>
+</file>
+
+<file path=ppt/notesSlides/notesSlide6.xml><?xml version="1.0" encoding="utf-8"?>
+<p:notes xmlns:a="http://schemas.openxmlformats.org/drawingml/2006/main" xmlns:r="http://schemas.openxmlformats.org/officeDocument/2006/relationships" xmlns:p="http://schemas.openxmlformats.org/presentationml/2006/main">
+  <p:cSld>
+    <p:spTree>
+      <p:nvGrpSpPr>
+        <p:cNvPr id="1" name=""/>
+        <p:cNvGrpSpPr/>
+        <p:nvPr/>
+      </p:nvGrpSpPr>
+      <p:grpSpPr>
+        <a:xfrm>
+          <a:off x="0" y="0"/>
+          <a:ext cx="0" cy="0"/>
+          <a:chOff x="0" y="0"/>
+          <a:chExt cx="0" cy="0"/>
+        </a:xfrm>
+      </p:grpSpPr>
+      <p:sp>
+        <p:nvSpPr>
+          <p:cNvPr id="2" name="スライド イメージ プレースホルダー 1"/>
+          <p:cNvSpPr>
+            <a:spLocks noGrp="1" noRot="1" noChangeAspect="1"/>
+          </p:cNvSpPr>
+          <p:nvPr>
+            <p:ph type="sldImg"/>
+          </p:nvPr>
+        </p:nvSpPr>
+        <p:spPr/>
+      </p:sp>
+      <p:sp>
+        <p:nvSpPr>
+          <p:cNvPr id="3" name="ノート プレースホルダー 2"/>
+          <p:cNvSpPr>
+            <a:spLocks noGrp="1"/>
+          </p:cNvSpPr>
+          <p:nvPr>
+            <p:ph type="body" idx="1"/>
+          </p:nvPr>
+        </p:nvSpPr>
+        <p:spPr/>
+        <p:txBody>
+          <a:bodyPr/>
+          <a:lstStyle/>
+          <a:p>
+            <a:r>
+              <a:rPr kumimoji="1" lang="en-US" altLang="ja-JP" dirty="0"/>
+              <a:t>From now, BUSAN program works actually operated by</a:t>
+            </a:r>
+            <a:r>
+              <a:rPr kumimoji="1" lang="ja-JP" altLang="en-US" dirty="0"/>
+              <a:t> </a:t>
+            </a:r>
+            <a:r>
+              <a:rPr kumimoji="1" lang="en-US" altLang="ja-JP" dirty="0"/>
+              <a:t>Mr. </a:t>
+            </a:r>
+            <a:r>
+              <a:rPr kumimoji="1" lang="en-US" altLang="ja-JP" dirty="0" err="1"/>
+              <a:t>Ogino</a:t>
+            </a:r>
+            <a:r>
+              <a:rPr kumimoji="1" lang="en-US" altLang="ja-JP" dirty="0"/>
+              <a:t>.</a:t>
+            </a:r>
+          </a:p>
+          <a:p>
+            <a:endParaRPr kumimoji="1" lang="en-US" altLang="ja-JP" dirty="0"/>
+          </a:p>
+        </p:txBody>
+      </p:sp>
+      <p:sp>
+        <p:nvSpPr>
+          <p:cNvPr id="4" name="スライド番号プレースホルダー 3"/>
+          <p:cNvSpPr>
+            <a:spLocks noGrp="1"/>
+          </p:cNvSpPr>
+          <p:nvPr>
+            <p:ph type="sldNum" sz="quarter" idx="10"/>
+          </p:nvPr>
+        </p:nvSpPr>
+        <p:spPr/>
+        <p:txBody>
+          <a:bodyPr/>
+          <a:lstStyle/>
+          <a:p>
+            <a:fld id="{77D8454A-404F-4DF1-8F43-7DDF83BF3B63}" type="slidenum">
+              <a:rPr lang="en-US" altLang="ja-JP" smtClean="0"/>
+              <a:pPr/>
+              <a:t>6</a:t>
+            </a:fld>
+            <a:endParaRPr kumimoji="1" lang="ja-JP" altLang="en-US"/>
+          </a:p>
+        </p:txBody>
+      </p:sp>
+    </p:spTree>
+    <p:extLst>
+      <p:ext uri="{BB962C8B-B14F-4D97-AF65-F5344CB8AC3E}">
+        <p14:creationId xmlns:p14="http://schemas.microsoft.com/office/powerpoint/2010/main" val="2763244414"/>
+      </p:ext>
+    </p:extLst>
   </p:cSld>
   <p:clrMapOvr>
     <a:masterClrMapping/>
@@ -795,7 +2593,7 @@
             <a:fld id="{71BF1CCF-7666-4D44-83CF-B1D9081B196F}" type="datetime1">
               <a:rPr lang="ja-JP" altLang="en-US" smtClean="0"/>
               <a:pPr/>
-              <a:t>2017/11/18</a:t>
+              <a:t>2017/11/20</a:t>
             </a:fld>
             <a:endParaRPr kumimoji="1" lang="ja-JP"/>
           </a:p>
@@ -986,7 +2784,7 @@
             <a:fld id="{0ABAC977-30FA-477C-9A84-AFCB3E072BCA}" type="datetime1">
               <a:rPr lang="ja-JP" altLang="en-US" smtClean="0"/>
               <a:pPr/>
-              <a:t>2017/11/18</a:t>
+              <a:t>2017/11/20</a:t>
             </a:fld>
             <a:endParaRPr kumimoji="1" lang="ja-JP"/>
           </a:p>
@@ -1188,7 +2986,7 @@
             <a:fld id="{0ABAC977-30FA-477C-9A84-AFCB3E072BCA}" type="datetime1">
               <a:rPr lang="ja-JP" altLang="en-US" smtClean="0"/>
               <a:pPr/>
-              <a:t>2017/11/18</a:t>
+              <a:t>2017/11/20</a:t>
             </a:fld>
             <a:endParaRPr kumimoji="1" lang="ja-JP"/>
           </a:p>
@@ -1504,7 +3302,7 @@
             <a:fld id="{BB81A9FF-1E9C-4B66-B4A0-EADB765782FB}" type="datetime1">
               <a:rPr lang="ja-JP" altLang="en-US"/>
               <a:pPr/>
-              <a:t>2017/11/18</a:t>
+              <a:t>2017/11/20</a:t>
             </a:fld>
             <a:endParaRPr kumimoji="1" lang="ja-JP"/>
           </a:p>
@@ -1661,7 +3459,7 @@
             <a:fld id="{6D6514FD-1763-45C1-AED0-FF855CD2E095}" type="datetime1">
               <a:rPr lang="ja-JP" altLang="en-US"/>
               <a:pPr/>
-              <a:t>2017/11/18</a:t>
+              <a:t>2017/11/20</a:t>
             </a:fld>
             <a:endParaRPr kumimoji="1" lang="ja-JP"/>
           </a:p>
@@ -1843,7 +3641,7 @@
             <a:fld id="{0ABAC977-30FA-477C-9A84-AFCB3E072BCA}" type="datetime1">
               <a:rPr lang="ja-JP" altLang="en-US" smtClean="0"/>
               <a:pPr/>
-              <a:t>2017/11/18</a:t>
+              <a:t>2017/11/20</a:t>
             </a:fld>
             <a:endParaRPr kumimoji="1" lang="ja-JP"/>
           </a:p>
@@ -2080,7 +3878,7 @@
             <a:fld id="{4C3E4E52-550E-4B84-9D4F-14979F5A0D6E}" type="datetime1">
               <a:rPr lang="ja-JP" altLang="en-US" smtClean="0"/>
               <a:pPr/>
-              <a:t>2017/11/18</a:t>
+              <a:t>2017/11/20</a:t>
             </a:fld>
             <a:endParaRPr kumimoji="1" lang="ja-JP"/>
           </a:p>
@@ -2420,7 +4218,7 @@
             <a:fld id="{0ABAC977-30FA-477C-9A84-AFCB3E072BCA}" type="datetime1">
               <a:rPr lang="ja-JP" altLang="en-US" smtClean="0"/>
               <a:pPr/>
-              <a:t>2017/11/18</a:t>
+              <a:t>2017/11/20</a:t>
             </a:fld>
             <a:endParaRPr kumimoji="1" lang="ja-JP"/>
           </a:p>
@@ -2895,7 +4693,7 @@
             <a:fld id="{7D96A02F-3A95-4944-9ABC-E1DA10A11467}" type="datetime1">
               <a:rPr lang="ja-JP" altLang="en-US" smtClean="0"/>
               <a:pPr/>
-              <a:t>2017/11/18</a:t>
+              <a:t>2017/11/20</a:t>
             </a:fld>
             <a:endParaRPr kumimoji="1" lang="ja-JP"/>
           </a:p>
@@ -3003,7 +4801,7 @@
             <a:fld id="{EB627A8D-4D3E-4B4C-B199-3FF96543B789}" type="datetime1">
               <a:rPr lang="ja-JP" altLang="en-US" smtClean="0"/>
               <a:pPr/>
-              <a:t>2017/11/18</a:t>
+              <a:t>2017/11/20</a:t>
             </a:fld>
             <a:endParaRPr kumimoji="1" lang="ja-JP"/>
           </a:p>
@@ -3089,7 +4887,7 @@
             <a:fld id="{0ABAC977-30FA-477C-9A84-AFCB3E072BCA}" type="datetime1">
               <a:rPr lang="ja-JP" altLang="en-US" smtClean="0"/>
               <a:pPr/>
-              <a:t>2017/11/18</a:t>
+              <a:t>2017/11/20</a:t>
             </a:fld>
             <a:endParaRPr kumimoji="1" lang="ja-JP"/>
           </a:p>
@@ -3388,7 +5186,7 @@
             <a:fld id="{0ABAC977-30FA-477C-9A84-AFCB3E072BCA}" type="datetime1">
               <a:rPr lang="ja-JP" altLang="en-US" smtClean="0"/>
               <a:pPr/>
-              <a:t>2017/11/18</a:t>
+              <a:t>2017/11/20</a:t>
             </a:fld>
             <a:endParaRPr kumimoji="1" lang="ja-JP"/>
           </a:p>
@@ -3638,7 +5436,7 @@
             <a:fld id="{0ABAC977-30FA-477C-9A84-AFCB3E072BCA}" type="datetime1">
               <a:rPr lang="ja-JP" altLang="en-US" smtClean="0"/>
               <a:pPr/>
-              <a:t>2017/11/18</a:t>
+              <a:t>2017/11/20</a:t>
             </a:fld>
             <a:endParaRPr kumimoji="1" lang="ja-JP"/>
           </a:p>
@@ -3749,7 +5547,7 @@
               </a14:hiddenLine>
             </a:ext>
             <a:ext uri="{FAA26D3D-D897-4be2-8F04-BA451C77F1D7}">
-              <ma14:placeholderFlag xmlns:ma14="http://schemas.microsoft.com/office/mac/drawingml/2011/main" xmlns="" val="1"/>
+              <ma14:placeholderFlag xmlns="" xmlns:ma14="http://schemas.microsoft.com/office/mac/drawingml/2011/main" val="1"/>
             </a:ext>
           </a:extLst>
         </p:spPr>
@@ -3810,7 +5608,7 @@
               </a14:hiddenLine>
             </a:ext>
             <a:ext uri="{FAA26D3D-D897-4be2-8F04-BA451C77F1D7}">
-              <ma14:placeholderFlag xmlns:ma14="http://schemas.microsoft.com/office/mac/drawingml/2011/main" xmlns="" val="1"/>
+              <ma14:placeholderFlag xmlns="" xmlns:ma14="http://schemas.microsoft.com/office/mac/drawingml/2011/main" val="1"/>
             </a:ext>
           </a:extLst>
         </p:spPr>
@@ -3929,7 +5727,7 @@
             <a:fld id="{0ABAC977-30FA-477C-9A84-AFCB3E072BCA}" type="datetime1">
               <a:rPr lang="ja-JP" altLang="en-US" smtClean="0"/>
               <a:pPr/>
-              <a:t>2017/11/18</a:t>
+              <a:t>2017/11/20</a:t>
             </a:fld>
             <a:endParaRPr kumimoji="1" lang="ja-JP"/>
           </a:p>
@@ -4459,32 +6257,186 @@
             <p:ph type="ctrTitle"/>
           </p:nvPr>
         </p:nvSpPr>
-        <p:spPr/>
+        <p:spPr>
+          <a:xfrm>
+            <a:off x="431540" y="188640"/>
+            <a:ext cx="8280920" cy="4104456"/>
+          </a:xfrm>
+        </p:spPr>
         <p:txBody>
           <a:bodyPr/>
           <a:lstStyle/>
           <a:p>
             <a:r>
-              <a:rPr kumimoji="1" lang="en-US" altLang="ja-JP" dirty="0">
+              <a:rPr kumimoji="1" lang="en-US" altLang="ja-JP" sz="4000" b="1" dirty="0">
+                <a:solidFill>
+                  <a:srgbClr val="FF0000"/>
+                </a:solidFill>
                 <a:latin typeface="ＭＳ Ｐゴシック" pitchFamily="50" charset="-128"/>
                 <a:ea typeface="ＭＳ Ｐゴシック" pitchFamily="50" charset="-128"/>
               </a:rPr>
-              <a:t>Safety Route Leading System</a:t>
+              <a:t>S</a:t>
+            </a:r>
+            <a:r>
+              <a:rPr kumimoji="1" lang="en-US" altLang="ja-JP" sz="4000" b="1" dirty="0">
+                <a:latin typeface="ＭＳ Ｐゴシック" pitchFamily="50" charset="-128"/>
+                <a:ea typeface="ＭＳ Ｐゴシック" pitchFamily="50" charset="-128"/>
+              </a:rPr>
+              <a:t>earching</a:t>
+            </a:r>
+            <a:r>
+              <a:rPr lang="ja-JP" altLang="en-US" sz="4000" b="1" dirty="0">
+                <a:latin typeface="ＭＳ Ｐゴシック" pitchFamily="50" charset="-128"/>
+                <a:ea typeface="ＭＳ Ｐゴシック" pitchFamily="50" charset="-128"/>
+              </a:rPr>
+              <a:t> </a:t>
+            </a:r>
+            <a:r>
+              <a:rPr kumimoji="1" lang="en-US" altLang="ja-JP" sz="4000" b="1" dirty="0">
+                <a:solidFill>
+                  <a:srgbClr val="FF0000"/>
+                </a:solidFill>
+                <a:latin typeface="ＭＳ Ｐゴシック" pitchFamily="50" charset="-128"/>
+                <a:ea typeface="ＭＳ Ｐゴシック" pitchFamily="50" charset="-128"/>
+              </a:rPr>
+              <a:t>U</a:t>
+            </a:r>
+            <a:r>
+              <a:rPr kumimoji="1" lang="en-US" altLang="ja-JP" sz="4000" b="1" dirty="0">
+                <a:latin typeface="ＭＳ Ｐゴシック" pitchFamily="50" charset="-128"/>
+                <a:ea typeface="ＭＳ Ｐゴシック" pitchFamily="50" charset="-128"/>
+              </a:rPr>
+              <a:t>nusual events </a:t>
+            </a:r>
+            <a:r>
+              <a:rPr lang="en-US" altLang="ja-JP" sz="4000" b="1" dirty="0">
+                <a:latin typeface="ＭＳ Ｐゴシック" pitchFamily="50" charset="-128"/>
+                <a:ea typeface="ＭＳ Ｐゴシック" pitchFamily="50" charset="-128"/>
+              </a:rPr>
+              <a:t>s</a:t>
+            </a:r>
+            <a:r>
+              <a:rPr kumimoji="1" lang="en-US" altLang="ja-JP" sz="4000" b="1" dirty="0">
+                <a:latin typeface="ＭＳ Ｐゴシック" pitchFamily="50" charset="-128"/>
+                <a:ea typeface="ＭＳ Ｐゴシック" pitchFamily="50" charset="-128"/>
+              </a:rPr>
+              <a:t>ystem </a:t>
             </a:r>
             <a:br>
-              <a:rPr kumimoji="1" lang="en-US" altLang="ja-JP" dirty="0">
+              <a:rPr kumimoji="1" lang="en-US" altLang="ja-JP" sz="4000" b="1" dirty="0">
                 <a:latin typeface="ＭＳ Ｐゴシック" pitchFamily="50" charset="-128"/>
                 <a:ea typeface="ＭＳ Ｐゴシック" pitchFamily="50" charset="-128"/>
               </a:rPr>
             </a:br>
             <a:r>
-              <a:rPr kumimoji="1" lang="en-US" altLang="ja-JP" dirty="0">
+              <a:rPr kumimoji="1" lang="en-US" altLang="ja-JP" sz="4000" b="1" dirty="0">
                 <a:latin typeface="ＭＳ Ｐゴシック" pitchFamily="50" charset="-128"/>
                 <a:ea typeface="ＭＳ Ｐゴシック" pitchFamily="50" charset="-128"/>
               </a:rPr>
-              <a:t>SUMILAB</a:t>
-            </a:r>
-            <a:endParaRPr kumimoji="1" lang="ja-JP" dirty="0">
+              <a:t>by using </a:t>
+            </a:r>
+            <a:r>
+              <a:rPr kumimoji="1" lang="en-US" altLang="ja-JP" sz="4000" b="1" dirty="0">
+                <a:solidFill>
+                  <a:srgbClr val="FF0000"/>
+                </a:solidFill>
+                <a:latin typeface="ＭＳ Ｐゴシック" pitchFamily="50" charset="-128"/>
+                <a:ea typeface="ＭＳ Ｐゴシック" pitchFamily="50" charset="-128"/>
+              </a:rPr>
+              <a:t>B</a:t>
+            </a:r>
+            <a:r>
+              <a:rPr kumimoji="1" lang="en-US" altLang="ja-JP" sz="4000" b="1" dirty="0">
+                <a:latin typeface="ＭＳ Ｐゴシック" pitchFamily="50" charset="-128"/>
+                <a:ea typeface="ＭＳ Ｐゴシック" pitchFamily="50" charset="-128"/>
+              </a:rPr>
+              <a:t>uzz </a:t>
+            </a:r>
+            <a:r>
+              <a:rPr lang="en-US" altLang="ja-JP" sz="4000" b="1" dirty="0">
+                <a:latin typeface="ＭＳ Ｐゴシック" pitchFamily="50" charset="-128"/>
+                <a:ea typeface="ＭＳ Ｐゴシック" pitchFamily="50" charset="-128"/>
+              </a:rPr>
+              <a:t>t</a:t>
+            </a:r>
+            <a:r>
+              <a:rPr kumimoji="1" lang="en-US" altLang="ja-JP" sz="4000" b="1" dirty="0">
+                <a:latin typeface="ＭＳ Ｐゴシック" pitchFamily="50" charset="-128"/>
+                <a:ea typeface="ＭＳ Ｐゴシック" pitchFamily="50" charset="-128"/>
+              </a:rPr>
+              <a:t>weets </a:t>
+            </a:r>
+            <a:r>
+              <a:rPr kumimoji="1" lang="en-US" altLang="ja-JP" sz="4000" b="1" dirty="0">
+                <a:solidFill>
+                  <a:srgbClr val="FF0000"/>
+                </a:solidFill>
+                <a:latin typeface="ＭＳ Ｐゴシック" pitchFamily="50" charset="-128"/>
+                <a:ea typeface="ＭＳ Ｐゴシック" pitchFamily="50" charset="-128"/>
+              </a:rPr>
+              <a:t>A</a:t>
+            </a:r>
+            <a:r>
+              <a:rPr kumimoji="1" lang="en-US" altLang="ja-JP" sz="4000" b="1" dirty="0">
+                <a:latin typeface="ＭＳ Ｐゴシック" pitchFamily="50" charset="-128"/>
+                <a:ea typeface="ＭＳ Ｐゴシック" pitchFamily="50" charset="-128"/>
+              </a:rPr>
+              <a:t>nd </a:t>
+            </a:r>
+            <a:r>
+              <a:rPr kumimoji="1" lang="en-US" altLang="ja-JP" sz="4000" b="1" dirty="0">
+                <a:solidFill>
+                  <a:srgbClr val="FF0000"/>
+                </a:solidFill>
+                <a:latin typeface="ＭＳ Ｐゴシック" pitchFamily="50" charset="-128"/>
+                <a:ea typeface="ＭＳ Ｐゴシック" pitchFamily="50" charset="-128"/>
+              </a:rPr>
+              <a:t>N</a:t>
+            </a:r>
+            <a:r>
+              <a:rPr kumimoji="1" lang="en-US" altLang="ja-JP" sz="4000" b="1" dirty="0">
+                <a:latin typeface="ＭＳ Ｐゴシック" pitchFamily="50" charset="-128"/>
+                <a:ea typeface="ＭＳ Ｐゴシック" pitchFamily="50" charset="-128"/>
+              </a:rPr>
+              <a:t>oise data</a:t>
+            </a:r>
+            <a:br>
+              <a:rPr kumimoji="1" lang="en-US" altLang="ja-JP" sz="4000" b="1" dirty="0">
+                <a:latin typeface="ＭＳ Ｐゴシック" pitchFamily="50" charset="-128"/>
+                <a:ea typeface="ＭＳ Ｐゴシック" pitchFamily="50" charset="-128"/>
+              </a:rPr>
+            </a:br>
+            <a:br>
+              <a:rPr kumimoji="1" lang="en-US" altLang="ja-JP" sz="4000" b="1" dirty="0">
+                <a:latin typeface="ＭＳ Ｐゴシック" pitchFamily="50" charset="-128"/>
+                <a:ea typeface="ＭＳ Ｐゴシック" pitchFamily="50" charset="-128"/>
+              </a:rPr>
+            </a:br>
+            <a:r>
+              <a:rPr kumimoji="1" lang="en-US" altLang="ja-JP" sz="4000" b="1" dirty="0">
+                <a:latin typeface="ＭＳ Ｐゴシック" pitchFamily="50" charset="-128"/>
+                <a:ea typeface="ＭＳ Ｐゴシック" pitchFamily="50" charset="-128"/>
+              </a:rPr>
+              <a:t>-</a:t>
+            </a:r>
+            <a:r>
+              <a:rPr kumimoji="1" lang="en-US" altLang="ja-JP" sz="4000" b="1" dirty="0">
+                <a:solidFill>
+                  <a:srgbClr val="FF0000"/>
+                </a:solidFill>
+                <a:latin typeface="ＭＳ Ｐゴシック" pitchFamily="50" charset="-128"/>
+                <a:ea typeface="ＭＳ Ｐゴシック" pitchFamily="50" charset="-128"/>
+              </a:rPr>
+              <a:t>BUSAN</a:t>
+            </a:r>
+            <a:r>
+              <a:rPr kumimoji="1" lang="en-US" altLang="ja-JP" sz="4000" b="1" dirty="0">
+                <a:latin typeface="ＭＳ Ｐゴシック" pitchFamily="50" charset="-128"/>
+                <a:ea typeface="ＭＳ Ｐゴシック" pitchFamily="50" charset="-128"/>
+              </a:rPr>
+              <a:t>-</a:t>
+            </a:r>
+            <a:endParaRPr kumimoji="1" lang="ja-JP" sz="4800" b="1" dirty="0">
               <a:latin typeface="ＭＳ Ｐゴシック" pitchFamily="50" charset="-128"/>
               <a:ea typeface="ＭＳ Ｐゴシック" pitchFamily="50" charset="-128"/>
             </a:endParaRPr>
@@ -4501,78 +6453,83 @@
             <p:ph type="subTitle" idx="1"/>
           </p:nvPr>
         </p:nvSpPr>
-        <p:spPr/>
+        <p:spPr>
+          <a:xfrm>
+            <a:off x="991579" y="4653136"/>
+            <a:ext cx="7160840" cy="1368152"/>
+          </a:xfrm>
+        </p:spPr>
         <p:txBody>
           <a:bodyPr/>
           <a:lstStyle/>
           <a:p>
             <a:r>
-              <a:rPr kumimoji="1" lang="en-US" altLang="ja-JP" dirty="0">
+              <a:rPr kumimoji="1" lang="en-US" altLang="ja-JP" sz="2800" dirty="0">
                 <a:latin typeface="ＭＳ Ｐゴシック" pitchFamily="50" charset="-128"/>
                 <a:ea typeface="ＭＳ Ｐゴシック" pitchFamily="50" charset="-128"/>
               </a:rPr>
               <a:t>Tetsuo </a:t>
             </a:r>
             <a:r>
-              <a:rPr kumimoji="1" lang="en-US" altLang="ja-JP" dirty="0" err="1">
+              <a:rPr kumimoji="1" lang="en-US" altLang="ja-JP" sz="2800" dirty="0" err="1">
                 <a:latin typeface="ＭＳ Ｐゴシック" pitchFamily="50" charset="-128"/>
                 <a:ea typeface="ＭＳ Ｐゴシック" pitchFamily="50" charset="-128"/>
               </a:rPr>
               <a:t>Ogino</a:t>
             </a:r>
-            <a:endParaRPr kumimoji="1" lang="en-US" altLang="ja-JP" dirty="0">
+            <a:endParaRPr kumimoji="1" lang="en-US" altLang="ja-JP" sz="2800" dirty="0">
               <a:latin typeface="ＭＳ Ｐゴシック" pitchFamily="50" charset="-128"/>
               <a:ea typeface="ＭＳ Ｐゴシック" pitchFamily="50" charset="-128"/>
             </a:endParaRPr>
           </a:p>
           <a:p>
             <a:r>
-              <a:rPr kumimoji="1" lang="en-US" altLang="ja-JP" dirty="0" err="1">
+              <a:rPr kumimoji="1" lang="en-US" altLang="ja-JP" sz="2800" dirty="0">
                 <a:latin typeface="ＭＳ Ｐゴシック" pitchFamily="50" charset="-128"/>
                 <a:ea typeface="ＭＳ Ｐゴシック" pitchFamily="50" charset="-128"/>
               </a:rPr>
-              <a:t>Kentarou</a:t>
-            </a:r>
-            <a:r>
-              <a:rPr kumimoji="1" lang="ja-JP" altLang="en-US" dirty="0">
+              <a:t>Kentaro</a:t>
+            </a:r>
+            <a:r>
+              <a:rPr kumimoji="1" lang="ja-JP" altLang="en-US" sz="2800" dirty="0">
                 <a:latin typeface="ＭＳ Ｐゴシック" pitchFamily="50" charset="-128"/>
                 <a:ea typeface="ＭＳ Ｐゴシック" pitchFamily="50" charset="-128"/>
               </a:rPr>
               <a:t>　</a:t>
             </a:r>
             <a:r>
-              <a:rPr kumimoji="1" lang="en-US" altLang="ja-JP" dirty="0" err="1">
+              <a:rPr kumimoji="1" lang="en-US" altLang="ja-JP" sz="2800" dirty="0" err="1">
                 <a:latin typeface="ＭＳ Ｐゴシック" pitchFamily="50" charset="-128"/>
                 <a:ea typeface="ＭＳ Ｐゴシック" pitchFamily="50" charset="-128"/>
               </a:rPr>
               <a:t>Narikawa</a:t>
             </a:r>
-            <a:endParaRPr kumimoji="1" lang="en-US" altLang="ja-JP" dirty="0">
+            <a:endParaRPr kumimoji="1" lang="en-US" altLang="ja-JP" sz="2800" dirty="0">
               <a:latin typeface="ＭＳ Ｐゴシック" pitchFamily="50" charset="-128"/>
               <a:ea typeface="ＭＳ Ｐゴシック" pitchFamily="50" charset="-128"/>
             </a:endParaRPr>
           </a:p>
           <a:p>
             <a:r>
-              <a:rPr lang="en-US" altLang="ja-JP" dirty="0" err="1">
+              <a:rPr lang="en-US" altLang="ja-JP" sz="2800" dirty="0" err="1">
                 <a:latin typeface="ＭＳ Ｐゴシック" pitchFamily="50" charset="-128"/>
                 <a:ea typeface="ＭＳ Ｐゴシック" pitchFamily="50" charset="-128"/>
               </a:rPr>
               <a:t>Toshinori</a:t>
             </a:r>
             <a:r>
-              <a:rPr lang="ja-JP" altLang="en-US" dirty="0">
+              <a:rPr lang="ja-JP" altLang="en-US" sz="2800" dirty="0">
                 <a:latin typeface="ＭＳ Ｐゴシック" pitchFamily="50" charset="-128"/>
                 <a:ea typeface="ＭＳ Ｐゴシック" pitchFamily="50" charset="-128"/>
               </a:rPr>
               <a:t> </a:t>
             </a:r>
             <a:r>
-              <a:rPr lang="en-US" altLang="ja-JP" dirty="0">
+              <a:rPr lang="en-US" altLang="ja-JP" sz="2800" dirty="0">
                 <a:latin typeface="ＭＳ Ｐゴシック" pitchFamily="50" charset="-128"/>
                 <a:ea typeface="ＭＳ Ｐゴシック" pitchFamily="50" charset="-128"/>
               </a:rPr>
-              <a:t>Hayashi</a:t>
+              <a:t>Hayashi(absence because of cold)</a:t>
             </a:r>
           </a:p>
           <a:p>
@@ -4580,6 +6537,44 @@
               <a:latin typeface="ＭＳ Ｐゴシック" pitchFamily="50" charset="-128"/>
               <a:ea typeface="ＭＳ Ｐゴシック" pitchFamily="50" charset="-128"/>
             </a:endParaRPr>
+          </a:p>
+        </p:txBody>
+      </p:sp>
+      <p:sp>
+        <p:nvSpPr>
+          <p:cNvPr id="4" name="正方形/長方形 3">
+            <a:extLst>
+              <a:ext uri="{FF2B5EF4-FFF2-40B4-BE49-F238E27FC236}">
+                <a16:creationId xmlns:a16="http://schemas.microsoft.com/office/drawing/2014/main" id="{1D3A4B19-283D-4868-9827-B1D179803A78}"/>
+              </a:ext>
+            </a:extLst>
+          </p:cNvPr>
+          <p:cNvSpPr/>
+          <p:nvPr/>
+        </p:nvSpPr>
+        <p:spPr>
+          <a:xfrm>
+            <a:off x="2459883" y="4005064"/>
+            <a:ext cx="4224233" cy="769441"/>
+          </a:xfrm>
+          <a:prstGeom prst="rect">
+            <a:avLst/>
+          </a:prstGeom>
+        </p:spPr>
+        <p:txBody>
+          <a:bodyPr wrap="none">
+            <a:spAutoFit/>
+          </a:bodyPr>
+          <a:lstStyle/>
+          <a:p>
+            <a:r>
+              <a:rPr lang="en-US" altLang="ja-JP" sz="4400" dirty="0">
+                <a:latin typeface="ＭＳ Ｐゴシック" pitchFamily="50" charset="-128"/>
+                <a:ea typeface="ＭＳ Ｐゴシック" pitchFamily="50" charset="-128"/>
+              </a:rPr>
+              <a:t>Team : SUMILAB</a:t>
+            </a:r>
+            <a:endParaRPr lang="ja-JP" altLang="en-US" sz="4400" dirty="0"/>
           </a:p>
         </p:txBody>
       </p:sp>
@@ -4610,57 +6605,10 @@
       </p:grpSpPr>
       <p:pic>
         <p:nvPicPr>
-          <p:cNvPr id="5122" name="Picture 2" descr="関連画像">
+          <p:cNvPr id="1026" name="Picture 2" descr="「街でのイベント」の画像検索結果">
             <a:extLst>
               <a:ext uri="{FF2B5EF4-FFF2-40B4-BE49-F238E27FC236}">
-                <a16:creationId xmlns:a16="http://schemas.microsoft.com/office/drawing/2014/main" id="{B6365854-7C55-4E12-9CB5-536266AF3033}"/>
-              </a:ext>
-            </a:extLst>
-          </p:cNvPr>
-          <p:cNvPicPr>
-            <a:picLocks noChangeAspect="1" noChangeArrowheads="1"/>
-          </p:cNvPicPr>
-          <p:nvPr/>
-        </p:nvPicPr>
-        <p:blipFill>
-          <a:blip r:embed="rId2">
-            <a:extLst>
-              <a:ext uri="{28A0092B-C50C-407E-A947-70E740481C1C}">
-                <a14:useLocalDpi xmlns:a14="http://schemas.microsoft.com/office/drawing/2010/main" val="0"/>
-              </a:ext>
-            </a:extLst>
-          </a:blip>
-          <a:srcRect/>
-          <a:stretch>
-            <a:fillRect/>
-          </a:stretch>
-        </p:blipFill>
-        <p:spPr bwMode="auto">
-          <a:xfrm>
-            <a:off x="3298504" y="0"/>
-            <a:ext cx="5839971" cy="3284984"/>
-          </a:xfrm>
-          <a:prstGeom prst="rect">
-            <a:avLst/>
-          </a:prstGeom>
-          <a:noFill/>
-          <a:extLst>
-            <a:ext uri="{909E8E84-426E-40DD-AFC4-6F175D3DCCD1}">
-              <a14:hiddenFill xmlns:a14="http://schemas.microsoft.com/office/drawing/2010/main">
-                <a:solidFill>
-                  <a:srgbClr val="FFFFFF"/>
-                </a:solidFill>
-              </a14:hiddenFill>
-            </a:ext>
-          </a:extLst>
-        </p:spPr>
-      </p:pic>
-      <p:pic>
-        <p:nvPicPr>
-          <p:cNvPr id="3" name="Picture 2" descr="関連画像">
-            <a:extLst>
-              <a:ext uri="{FF2B5EF4-FFF2-40B4-BE49-F238E27FC236}">
-                <a16:creationId xmlns:a16="http://schemas.microsoft.com/office/drawing/2014/main" id="{FF30060B-7478-4376-AF36-37FED27BE03D}"/>
+                <a16:creationId xmlns:a16="http://schemas.microsoft.com/office/drawing/2014/main" id="{73C0D5CB-A480-46B6-A07E-86BF7529C85D}"/>
               </a:ext>
             </a:extLst>
           </p:cNvPr>
@@ -4684,8 +6632,8 @@
         </p:blipFill>
         <p:spPr bwMode="auto">
           <a:xfrm>
-            <a:off x="0" y="3284984"/>
-            <a:ext cx="5511078" cy="3573015"/>
+            <a:off x="0" y="0"/>
+            <a:ext cx="9144000" cy="6858000"/>
           </a:xfrm>
           <a:prstGeom prst="rect">
             <a:avLst/>
@@ -4704,10 +6652,10 @@
       </p:pic>
       <p:sp>
         <p:nvSpPr>
-          <p:cNvPr id="2" name="テキスト ボックス 1">
+          <p:cNvPr id="3" name="テキスト ボックス 2">
             <a:extLst>
               <a:ext uri="{FF2B5EF4-FFF2-40B4-BE49-F238E27FC236}">
-                <a16:creationId xmlns:a16="http://schemas.microsoft.com/office/drawing/2014/main" id="{6B09DBA6-3AFA-4C78-B941-06089178CC8D}"/>
+                <a16:creationId xmlns:a16="http://schemas.microsoft.com/office/drawing/2014/main" id="{63DD69A8-773C-4A0C-AD82-B1F16C725C3D}"/>
               </a:ext>
             </a:extLst>
           </p:cNvPr>
@@ -4716,13 +6664,17 @@
         </p:nvSpPr>
         <p:spPr>
           <a:xfrm>
-            <a:off x="209092" y="732980"/>
-            <a:ext cx="2880320" cy="1815882"/>
+            <a:off x="0" y="-5672"/>
+            <a:ext cx="8388424" cy="923330"/>
           </a:xfrm>
           <a:prstGeom prst="rect">
             <a:avLst/>
           </a:prstGeom>
-          <a:noFill/>
+          <a:solidFill>
+            <a:schemeClr val="bg1">
+              <a:alpha val="70000"/>
+            </a:schemeClr>
+          </a:solidFill>
         </p:spPr>
         <p:txBody>
           <a:bodyPr wrap="square" rtlCol="0">
@@ -4731,80 +6683,17 @@
           <a:lstStyle/>
           <a:p>
             <a:r>
-              <a:rPr kumimoji="1" lang="en-US" altLang="ja-JP" sz="2800" dirty="0"/>
-              <a:t>Which way would you like </a:t>
-            </a:r>
-            <a:r>
-              <a:rPr lang="en-US" altLang="ja-JP" sz="2800" dirty="0"/>
-              <a:t>to choose for the way back home?</a:t>
-            </a:r>
-            <a:endParaRPr kumimoji="1" lang="en-US" altLang="ja-JP" sz="2800" dirty="0"/>
-          </a:p>
-        </p:txBody>
-      </p:sp>
-      <p:sp>
-        <p:nvSpPr>
-          <p:cNvPr id="4" name="テキスト ボックス 3">
-            <a:extLst>
-              <a:ext uri="{FF2B5EF4-FFF2-40B4-BE49-F238E27FC236}">
-                <a16:creationId xmlns:a16="http://schemas.microsoft.com/office/drawing/2014/main" id="{E6A9988D-D190-45FB-9C4B-4DF667434E85}"/>
-              </a:ext>
-            </a:extLst>
-          </p:cNvPr>
-          <p:cNvSpPr txBox="1"/>
-          <p:nvPr/>
-        </p:nvSpPr>
-        <p:spPr>
-          <a:xfrm>
-            <a:off x="5804136" y="4194328"/>
-            <a:ext cx="2993127" cy="1754326"/>
-          </a:xfrm>
-          <a:prstGeom prst="rect">
-            <a:avLst/>
-          </a:prstGeom>
-          <a:noFill/>
-        </p:spPr>
-        <p:txBody>
-          <a:bodyPr wrap="none" rtlCol="0">
-            <a:spAutoFit/>
-          </a:bodyPr>
-          <a:lstStyle/>
-          <a:p>
-            <a:pPr algn="ctr"/>
-            <a:r>
-              <a:rPr kumimoji="1" lang="en-US" altLang="ja-JP" sz="2400" dirty="0"/>
-              <a:t>Bright and lively way</a:t>
-            </a:r>
-          </a:p>
-          <a:p>
-            <a:pPr algn="ctr"/>
-            <a:endParaRPr lang="en-US" altLang="ja-JP" sz="1600" dirty="0"/>
-          </a:p>
-          <a:p>
-            <a:pPr algn="ctr"/>
-            <a:r>
-              <a:rPr lang="en-US" altLang="ja-JP" sz="2400" dirty="0"/>
-              <a:t>Or</a:t>
-            </a:r>
-          </a:p>
-          <a:p>
-            <a:pPr algn="ctr"/>
-            <a:endParaRPr kumimoji="1" lang="en-US" altLang="ja-JP" dirty="0"/>
-          </a:p>
-          <a:p>
-            <a:pPr algn="ctr"/>
-            <a:r>
-              <a:rPr lang="en-US" altLang="ja-JP" sz="2400" dirty="0"/>
-              <a:t>Dark and quiet way</a:t>
-            </a:r>
-            <a:endParaRPr kumimoji="1" lang="ja-JP" altLang="en-US" sz="2400" dirty="0"/>
+              <a:rPr kumimoji="1" lang="en-US" altLang="ja-JP" sz="5400" dirty="0"/>
+              <a:t>Do you like noisy place?</a:t>
+            </a:r>
+            <a:endParaRPr kumimoji="1" lang="ja-JP" altLang="en-US" sz="5400" dirty="0"/>
           </a:p>
         </p:txBody>
       </p:sp>
     </p:spTree>
     <p:extLst>
       <p:ext uri="{BB962C8B-B14F-4D97-AF65-F5344CB8AC3E}">
-        <p14:creationId xmlns:p14="http://schemas.microsoft.com/office/powerpoint/2010/main" val="3997273763"/>
+        <p14:creationId xmlns:p14="http://schemas.microsoft.com/office/powerpoint/2010/main" val="3273303089"/>
       </p:ext>
     </p:extLst>
   </p:cSld>
@@ -4831,62 +6720,12 @@
           <a:chExt cx="0" cy="0"/>
         </a:xfrm>
       </p:grpSpPr>
-      <p:sp>
-        <p:nvSpPr>
-          <p:cNvPr id="2" name="タイトル 1">
+      <p:pic>
+        <p:nvPicPr>
+          <p:cNvPr id="1026" name="Picture 2" descr="「街でのイベント」の画像検索結果">
             <a:extLst>
               <a:ext uri="{FF2B5EF4-FFF2-40B4-BE49-F238E27FC236}">
-                <a16:creationId xmlns:a16="http://schemas.microsoft.com/office/drawing/2014/main" id="{2C31835F-3528-4ADB-B8B6-2F55498CD265}"/>
-              </a:ext>
-            </a:extLst>
-          </p:cNvPr>
-          <p:cNvSpPr>
-            <a:spLocks noGrp="1"/>
-          </p:cNvSpPr>
-          <p:nvPr>
-            <p:ph type="title"/>
-          </p:nvPr>
-        </p:nvSpPr>
-        <p:spPr/>
-        <p:txBody>
-          <a:bodyPr/>
-          <a:lstStyle/>
-          <a:p>
-            <a:endParaRPr kumimoji="1" lang="ja-JP" altLang="en-US"/>
-          </a:p>
-        </p:txBody>
-      </p:sp>
-      <p:sp>
-        <p:nvSpPr>
-          <p:cNvPr id="3" name="コンテンツ プレースホルダー 2">
-            <a:extLst>
-              <a:ext uri="{FF2B5EF4-FFF2-40B4-BE49-F238E27FC236}">
-                <a16:creationId xmlns:a16="http://schemas.microsoft.com/office/drawing/2014/main" id="{88E6E80C-C342-417C-B208-1183C4EA430E}"/>
-              </a:ext>
-            </a:extLst>
-          </p:cNvPr>
-          <p:cNvSpPr>
-            <a:spLocks noGrp="1"/>
-          </p:cNvSpPr>
-          <p:nvPr>
-            <p:ph idx="1"/>
-          </p:nvPr>
-        </p:nvSpPr>
-        <p:spPr/>
-        <p:txBody>
-          <a:bodyPr/>
-          <a:lstStyle/>
-          <a:p>
-            <a:endParaRPr kumimoji="1" lang="ja-JP" altLang="en-US"/>
-          </a:p>
-        </p:txBody>
-      </p:sp>
-      <p:pic>
-        <p:nvPicPr>
-          <p:cNvPr id="4098" name="Picture 2" descr="関連画像">
-            <a:extLst>
-              <a:ext uri="{FF2B5EF4-FFF2-40B4-BE49-F238E27FC236}">
-                <a16:creationId xmlns:a16="http://schemas.microsoft.com/office/drawing/2014/main" id="{A6C7E6AC-D32F-4D32-B1D6-7704A1CBFEFA}"/>
+                <a16:creationId xmlns:a16="http://schemas.microsoft.com/office/drawing/2014/main" id="{73C0D5CB-A480-46B6-A07E-86BF7529C85D}"/>
               </a:ext>
             </a:extLst>
           </p:cNvPr>
@@ -4896,7 +6735,14 @@
           <p:nvPr/>
         </p:nvPicPr>
         <p:blipFill>
-          <a:blip r:embed="rId2">
+          <a:blip r:embed="rId3">
+            <a:duotone>
+              <a:schemeClr val="bg2">
+                <a:shade val="45000"/>
+                <a:satMod val="135000"/>
+              </a:schemeClr>
+              <a:prstClr val="white"/>
+            </a:duotone>
             <a:extLst>
               <a:ext uri="{28A0092B-C50C-407E-A947-70E740481C1C}">
                 <a14:useLocalDpi xmlns:a14="http://schemas.microsoft.com/office/drawing/2010/main" val="0"/>
@@ -4910,8 +6756,8 @@
         </p:blipFill>
         <p:spPr bwMode="auto">
           <a:xfrm>
-            <a:off x="-716946" y="-99392"/>
-            <a:ext cx="10577892" cy="6858000"/>
+            <a:off x="0" y="0"/>
+            <a:ext cx="9144000" cy="6858000"/>
           </a:xfrm>
           <a:prstGeom prst="rect">
             <a:avLst/>
@@ -4930,10 +6776,10 @@
       </p:pic>
       <p:sp>
         <p:nvSpPr>
-          <p:cNvPr id="5" name="テキスト ボックス 4">
+          <p:cNvPr id="3" name="テキスト ボックス 2">
             <a:extLst>
               <a:ext uri="{FF2B5EF4-FFF2-40B4-BE49-F238E27FC236}">
-                <a16:creationId xmlns:a16="http://schemas.microsoft.com/office/drawing/2014/main" id="{8149D325-7F3E-4D4B-8E70-7359C6B29C5F}"/>
+                <a16:creationId xmlns:a16="http://schemas.microsoft.com/office/drawing/2014/main" id="{A2CC0D93-9EFB-4B01-8564-C130A6BB3A93}"/>
               </a:ext>
             </a:extLst>
           </p:cNvPr>
@@ -4942,84 +6788,131 @@
         </p:nvSpPr>
         <p:spPr>
           <a:xfrm>
-            <a:off x="1691680" y="1195251"/>
-            <a:ext cx="5945858" cy="1077218"/>
+            <a:off x="539552" y="692696"/>
+            <a:ext cx="8136904" cy="1631216"/>
           </a:xfrm>
           <a:prstGeom prst="rect">
             <a:avLst/>
           </a:prstGeom>
-          <a:noFill/>
+          <a:solidFill>
+            <a:schemeClr val="bg1">
+              <a:alpha val="70000"/>
+            </a:schemeClr>
+          </a:solidFill>
         </p:spPr>
         <p:txBody>
-          <a:bodyPr wrap="none" rtlCol="0">
+          <a:bodyPr wrap="square" rtlCol="0">
             <a:spAutoFit/>
           </a:bodyPr>
           <a:lstStyle/>
           <a:p>
-            <a:pPr algn="ctr"/>
-            <a:r>
-              <a:rPr kumimoji="1" lang="en-US" altLang="ja-JP" sz="3200" dirty="0">
+            <a:r>
+              <a:rPr kumimoji="1" lang="en-US" altLang="ja-JP" sz="3600" dirty="0"/>
+              <a:t>Something </a:t>
+            </a:r>
+            <a:r>
+              <a:rPr kumimoji="1" lang="en-US" altLang="ja-JP" sz="3600" dirty="0">
                 <a:solidFill>
-                  <a:schemeClr val="bg1"/>
+                  <a:srgbClr val="FF0000"/>
                 </a:solidFill>
               </a:rPr>
-              <a:t>Goin</a:t>
-            </a:r>
-            <a:r>
-              <a:rPr lang="en-US" altLang="ja-JP" sz="3200" dirty="0">
+              <a:t>different</a:t>
+            </a:r>
+            <a:r>
+              <a:rPr kumimoji="1" lang="en-US" altLang="ja-JP" sz="3600" dirty="0"/>
+              <a:t> suddenly happen as </a:t>
+            </a:r>
+            <a:r>
+              <a:rPr kumimoji="1" lang="en-US" altLang="ja-JP" sz="3600" dirty="0">
                 <a:solidFill>
-                  <a:schemeClr val="bg1"/>
+                  <a:srgbClr val="FF0000"/>
                 </a:solidFill>
               </a:rPr>
-              <a:t>g home on the dark way</a:t>
-            </a:r>
-            <a:r>
-              <a:rPr lang="ja-JP" altLang="en-US" sz="3200" dirty="0">
+              <a:t>unusual</a:t>
+            </a:r>
+            <a:r>
+              <a:rPr kumimoji="1" lang="en-US" altLang="ja-JP" sz="3600" dirty="0"/>
+              <a:t> event </a:t>
+            </a:r>
+            <a:r>
+              <a:rPr lang="en-US" altLang="ja-JP" sz="3600" dirty="0"/>
+              <a:t>in the city</a:t>
+            </a:r>
+            <a:endParaRPr kumimoji="1" lang="en-US" altLang="ja-JP" sz="3600" dirty="0"/>
+          </a:p>
+          <a:p>
+            <a:r>
+              <a:rPr lang="en-US" altLang="ja-JP" sz="2800" dirty="0"/>
+              <a:t>  Ex) Street live show, Big accident, etc.</a:t>
+            </a:r>
+            <a:endParaRPr kumimoji="1" lang="ja-JP" altLang="en-US" sz="2800" dirty="0"/>
+          </a:p>
+        </p:txBody>
+      </p:sp>
+      <p:sp>
+        <p:nvSpPr>
+          <p:cNvPr id="7" name="テキスト ボックス 6">
+            <a:extLst>
+              <a:ext uri="{FF2B5EF4-FFF2-40B4-BE49-F238E27FC236}">
+                <a16:creationId xmlns:a16="http://schemas.microsoft.com/office/drawing/2014/main" id="{C80C53F6-A7D7-4CA6-9FC9-2DCC4A4A900B}"/>
+              </a:ext>
+            </a:extLst>
+          </p:cNvPr>
+          <p:cNvSpPr txBox="1"/>
+          <p:nvPr/>
+        </p:nvSpPr>
+        <p:spPr>
+          <a:xfrm>
+            <a:off x="539552" y="3429000"/>
+            <a:ext cx="8424936" cy="1200329"/>
+          </a:xfrm>
+          <a:prstGeom prst="rect">
+            <a:avLst/>
+          </a:prstGeom>
+          <a:solidFill>
+            <a:schemeClr val="bg1">
+              <a:alpha val="70000"/>
+            </a:schemeClr>
+          </a:solidFill>
+        </p:spPr>
+        <p:txBody>
+          <a:bodyPr wrap="square" rtlCol="0">
+            <a:spAutoFit/>
+          </a:bodyPr>
+          <a:lstStyle/>
+          <a:p>
+            <a:r>
+              <a:rPr kumimoji="1" lang="en-US" altLang="ja-JP" sz="3600" dirty="0"/>
+              <a:t>To detect </a:t>
+            </a:r>
+            <a:r>
+              <a:rPr kumimoji="1" lang="en-US" altLang="ja-JP" sz="3600" dirty="0">
                 <a:solidFill>
-                  <a:schemeClr val="bg1"/>
+                  <a:srgbClr val="0070C0"/>
                 </a:solidFill>
               </a:rPr>
-              <a:t> </a:t>
-            </a:r>
-            <a:r>
-              <a:rPr lang="en-US" altLang="ja-JP" sz="3200" dirty="0">
-                <a:solidFill>
-                  <a:schemeClr val="bg1"/>
-                </a:solidFill>
-              </a:rPr>
-              <a:t>is</a:t>
-            </a:r>
-            <a:r>
-              <a:rPr lang="ja-JP" altLang="en-US" sz="3200" dirty="0">
-                <a:solidFill>
-                  <a:schemeClr val="bg1"/>
-                </a:solidFill>
-              </a:rPr>
-              <a:t> </a:t>
-            </a:r>
-            <a:endParaRPr lang="en-US" altLang="ja-JP" sz="3200" dirty="0">
-              <a:solidFill>
-                <a:schemeClr val="bg1"/>
-              </a:solidFill>
-            </a:endParaRPr>
-          </a:p>
-          <a:p>
-            <a:pPr algn="ctr"/>
-            <a:r>
-              <a:rPr lang="en-US" altLang="ja-JP" sz="3200" dirty="0">
-                <a:solidFill>
-                  <a:schemeClr val="bg1"/>
-                </a:solidFill>
-              </a:rPr>
-              <a:t>Sometime dangerous</a:t>
-            </a:r>
+              <a:t>unusual signs</a:t>
+            </a:r>
+            <a:r>
+              <a:rPr kumimoji="1" lang="en-US" altLang="ja-JP" sz="3600" dirty="0"/>
+              <a:t>, </a:t>
+            </a:r>
+            <a:r>
+              <a:rPr lang="en-US" altLang="ja-JP" sz="3600" dirty="0"/>
+              <a:t>BUSAN system</a:t>
+            </a:r>
+            <a:r>
+              <a:rPr kumimoji="1" lang="en-US" altLang="ja-JP" sz="3600" dirty="0"/>
+              <a:t> needs several kinds of sensing data</a:t>
+            </a:r>
+            <a:endParaRPr kumimoji="1" lang="ja-JP" altLang="en-US" sz="2800" dirty="0"/>
           </a:p>
         </p:txBody>
       </p:sp>
     </p:spTree>
     <p:extLst>
       <p:ext uri="{BB962C8B-B14F-4D97-AF65-F5344CB8AC3E}">
-        <p14:creationId xmlns:p14="http://schemas.microsoft.com/office/powerpoint/2010/main" val="4207036751"/>
+        <p14:creationId xmlns:p14="http://schemas.microsoft.com/office/powerpoint/2010/main" val="1296548373"/>
       </p:ext>
     </p:extLst>
   </p:cSld>
@@ -5048,10 +6941,277 @@
       </p:grpSpPr>
       <p:pic>
         <p:nvPicPr>
-          <p:cNvPr id="6152" name="Picture 8" descr="「jeju map english」の画像検索結果">
+          <p:cNvPr id="7" name="図 6">
             <a:extLst>
               <a:ext uri="{FF2B5EF4-FFF2-40B4-BE49-F238E27FC236}">
-                <a16:creationId xmlns:a16="http://schemas.microsoft.com/office/drawing/2014/main" id="{BBEA6FF5-9379-4B82-8391-FAFC580E5145}"/>
+                <a16:creationId xmlns:a16="http://schemas.microsoft.com/office/drawing/2014/main" id="{7618AAFC-77D9-480F-99D2-CC1B1097E8D6}"/>
+              </a:ext>
+            </a:extLst>
+          </p:cNvPr>
+          <p:cNvPicPr>
+            <a:picLocks noChangeAspect="1"/>
+          </p:cNvPicPr>
+          <p:nvPr/>
+        </p:nvPicPr>
+        <p:blipFill rotWithShape="1">
+          <a:blip r:embed="rId3"/>
+          <a:srcRect l="21651" t="17421" r="8415" b="17421"/>
+          <a:stretch/>
+        </p:blipFill>
+        <p:spPr>
+          <a:xfrm>
+            <a:off x="3101839" y="722994"/>
+            <a:ext cx="5905948" cy="3908505"/>
+          </a:xfrm>
+          <a:prstGeom prst="rect">
+            <a:avLst/>
+          </a:prstGeom>
+        </p:spPr>
+      </p:pic>
+      <p:pic>
+        <p:nvPicPr>
+          <p:cNvPr id="4" name="図 3" descr="道 が含まれている画像&#10;&#10;高い精度で生成された説明">
+            <a:extLst>
+              <a:ext uri="{FF2B5EF4-FFF2-40B4-BE49-F238E27FC236}">
+                <a16:creationId xmlns:a16="http://schemas.microsoft.com/office/drawing/2014/main" id="{E09C47E1-4565-441A-988D-2B3DD9F9CDE0}"/>
+              </a:ext>
+            </a:extLst>
+          </p:cNvPr>
+          <p:cNvPicPr>
+            <a:picLocks noChangeAspect="1"/>
+          </p:cNvPicPr>
+          <p:nvPr/>
+        </p:nvPicPr>
+        <p:blipFill>
+          <a:blip r:embed="rId4" cstate="print">
+            <a:extLst>
+              <a:ext uri="{28A0092B-C50C-407E-A947-70E740481C1C}">
+                <a14:useLocalDpi xmlns:a14="http://schemas.microsoft.com/office/drawing/2010/main" val="0"/>
+              </a:ext>
+            </a:extLst>
+          </a:blip>
+          <a:stretch>
+            <a:fillRect/>
+          </a:stretch>
+        </p:blipFill>
+        <p:spPr>
+          <a:xfrm>
+            <a:off x="91344" y="1068644"/>
+            <a:ext cx="864096" cy="864096"/>
+          </a:xfrm>
+          <a:prstGeom prst="rect">
+            <a:avLst/>
+          </a:prstGeom>
+        </p:spPr>
+      </p:pic>
+      <p:sp>
+        <p:nvSpPr>
+          <p:cNvPr id="5" name="大かっこ 4">
+            <a:extLst>
+              <a:ext uri="{FF2B5EF4-FFF2-40B4-BE49-F238E27FC236}">
+                <a16:creationId xmlns:a16="http://schemas.microsoft.com/office/drawing/2014/main" id="{62A32D9C-DA2F-4415-AE44-2BB2FE2973A3}"/>
+              </a:ext>
+            </a:extLst>
+          </p:cNvPr>
+          <p:cNvSpPr/>
+          <p:nvPr/>
+        </p:nvSpPr>
+        <p:spPr>
+          <a:xfrm>
+            <a:off x="1047981" y="911898"/>
+            <a:ext cx="1587743" cy="1333300"/>
+          </a:xfrm>
+          <a:prstGeom prst="bracketPair">
+            <a:avLst/>
+          </a:prstGeom>
+        </p:spPr>
+        <p:style>
+          <a:lnRef idx="2">
+            <a:schemeClr val="accent1"/>
+          </a:lnRef>
+          <a:fillRef idx="0">
+            <a:schemeClr val="accent1"/>
+          </a:fillRef>
+          <a:effectRef idx="1">
+            <a:schemeClr val="accent1"/>
+          </a:effectRef>
+          <a:fontRef idx="minor">
+            <a:schemeClr val="tx1"/>
+          </a:fontRef>
+        </p:style>
+        <p:txBody>
+          <a:bodyPr rtlCol="0" anchor="ctr"/>
+          <a:lstStyle/>
+          <a:p>
+            <a:pPr algn="ctr"/>
+            <a:r>
+              <a:rPr lang="en-US" altLang="ja-JP" sz="2400" dirty="0"/>
+              <a:t>Latitude</a:t>
+            </a:r>
+          </a:p>
+          <a:p>
+            <a:pPr algn="ctr"/>
+            <a:r>
+              <a:rPr lang="en-US" altLang="ja-JP" sz="2400" dirty="0"/>
+              <a:t>Longitude</a:t>
+            </a:r>
+          </a:p>
+          <a:p>
+            <a:pPr algn="ctr"/>
+            <a:r>
+              <a:rPr lang="en-US" altLang="ja-JP" sz="2400" dirty="0"/>
+              <a:t>Time</a:t>
+            </a:r>
+          </a:p>
+          <a:p>
+            <a:pPr algn="ctr"/>
+            <a:r>
+              <a:rPr lang="en-US" altLang="ja-JP" sz="2400" dirty="0"/>
+              <a:t>Noise</a:t>
+            </a:r>
+            <a:endParaRPr kumimoji="1" lang="ja-JP" altLang="en-US" sz="2400" dirty="0"/>
+          </a:p>
+        </p:txBody>
+      </p:sp>
+      <p:sp>
+        <p:nvSpPr>
+          <p:cNvPr id="6" name="二等辺三角形 5">
+            <a:extLst>
+              <a:ext uri="{FF2B5EF4-FFF2-40B4-BE49-F238E27FC236}">
+                <a16:creationId xmlns:a16="http://schemas.microsoft.com/office/drawing/2014/main" id="{46921118-D7C5-4A35-9EC0-67FA5887E9CE}"/>
+              </a:ext>
+            </a:extLst>
+          </p:cNvPr>
+          <p:cNvSpPr/>
+          <p:nvPr/>
+        </p:nvSpPr>
+        <p:spPr>
+          <a:xfrm rot="16200000" flipV="1">
+            <a:off x="2433646" y="2533232"/>
+            <a:ext cx="864096" cy="288032"/>
+          </a:xfrm>
+          <a:prstGeom prst="triangle">
+            <a:avLst/>
+          </a:prstGeom>
+        </p:spPr>
+        <p:style>
+          <a:lnRef idx="1">
+            <a:schemeClr val="accent1"/>
+          </a:lnRef>
+          <a:fillRef idx="3">
+            <a:schemeClr val="accent1"/>
+          </a:fillRef>
+          <a:effectRef idx="2">
+            <a:schemeClr val="accent1"/>
+          </a:effectRef>
+          <a:fontRef idx="minor">
+            <a:schemeClr val="lt1"/>
+          </a:fontRef>
+        </p:style>
+        <p:txBody>
+          <a:bodyPr rtlCol="0" anchor="ctr"/>
+          <a:lstStyle/>
+          <a:p>
+            <a:pPr algn="ctr"/>
+            <a:endParaRPr kumimoji="1" lang="ja-JP" altLang="en-US"/>
+          </a:p>
+        </p:txBody>
+      </p:sp>
+      <p:sp>
+        <p:nvSpPr>
+          <p:cNvPr id="18" name="次の値と等しい 17">
+            <a:extLst>
+              <a:ext uri="{FF2B5EF4-FFF2-40B4-BE49-F238E27FC236}">
+                <a16:creationId xmlns:a16="http://schemas.microsoft.com/office/drawing/2014/main" id="{C325FE48-2053-484B-9B47-5D5FB5B633BC}"/>
+              </a:ext>
+            </a:extLst>
+          </p:cNvPr>
+          <p:cNvSpPr/>
+          <p:nvPr/>
+        </p:nvSpPr>
+        <p:spPr>
+          <a:xfrm>
+            <a:off x="1717987" y="5335042"/>
+            <a:ext cx="496465" cy="422910"/>
+          </a:xfrm>
+          <a:prstGeom prst="mathEqual">
+            <a:avLst>
+              <a:gd name="adj1" fmla="val 23520"/>
+              <a:gd name="adj2" fmla="val 26740"/>
+            </a:avLst>
+          </a:prstGeom>
+        </p:spPr>
+        <p:style>
+          <a:lnRef idx="2">
+            <a:schemeClr val="dk1">
+              <a:shade val="50000"/>
+            </a:schemeClr>
+          </a:lnRef>
+          <a:fillRef idx="1">
+            <a:schemeClr val="dk1"/>
+          </a:fillRef>
+          <a:effectRef idx="0">
+            <a:schemeClr val="dk1"/>
+          </a:effectRef>
+          <a:fontRef idx="minor">
+            <a:schemeClr val="lt1"/>
+          </a:fontRef>
+        </p:style>
+        <p:txBody>
+          <a:bodyPr rtlCol="0" anchor="ctr"/>
+          <a:lstStyle/>
+          <a:p>
+            <a:pPr algn="ctr"/>
+            <a:endParaRPr kumimoji="1" lang="ja-JP" altLang="en-US">
+              <a:solidFill>
+                <a:schemeClr val="tx1"/>
+              </a:solidFill>
+            </a:endParaRPr>
+          </a:p>
+        </p:txBody>
+      </p:sp>
+      <p:sp>
+        <p:nvSpPr>
+          <p:cNvPr id="19" name="テキスト ボックス 18">
+            <a:extLst>
+              <a:ext uri="{FF2B5EF4-FFF2-40B4-BE49-F238E27FC236}">
+                <a16:creationId xmlns:a16="http://schemas.microsoft.com/office/drawing/2014/main" id="{9C9480D4-872E-4FAF-9CD9-C9DE879EA152}"/>
+              </a:ext>
+            </a:extLst>
+          </p:cNvPr>
+          <p:cNvSpPr txBox="1"/>
+          <p:nvPr/>
+        </p:nvSpPr>
+        <p:spPr>
+          <a:xfrm>
+            <a:off x="2366871" y="5324812"/>
+            <a:ext cx="6021554" cy="461665"/>
+          </a:xfrm>
+          <a:prstGeom prst="rect">
+            <a:avLst/>
+          </a:prstGeom>
+          <a:noFill/>
+        </p:spPr>
+        <p:txBody>
+          <a:bodyPr wrap="square" rtlCol="0">
+            <a:spAutoFit/>
+          </a:bodyPr>
+          <a:lstStyle/>
+          <a:p>
+            <a:r>
+              <a:rPr lang="en-US" altLang="ja-JP" sz="2400" dirty="0"/>
+              <a:t>The place which noise is louder than usual</a:t>
+            </a:r>
+            <a:endParaRPr kumimoji="1" lang="ja-JP" altLang="en-US" sz="2400" dirty="0"/>
+          </a:p>
+        </p:txBody>
+      </p:sp>
+      <p:pic>
+        <p:nvPicPr>
+          <p:cNvPr id="2060" name="Picture 12" descr="「twitter」の画像検索結果">
+            <a:extLst>
+              <a:ext uri="{FF2B5EF4-FFF2-40B4-BE49-F238E27FC236}">
+                <a16:creationId xmlns:a16="http://schemas.microsoft.com/office/drawing/2014/main" id="{D59AC5D6-E111-4DB1-A980-23EE0FFF0C33}"/>
               </a:ext>
             </a:extLst>
           </p:cNvPr>
@@ -5060,21 +7220,23 @@
           </p:cNvPicPr>
           <p:nvPr/>
         </p:nvPicPr>
-        <p:blipFill rotWithShape="1">
-          <a:blip r:embed="rId2">
+        <p:blipFill>
+          <a:blip r:embed="rId5" cstate="print">
             <a:extLst>
               <a:ext uri="{28A0092B-C50C-407E-A947-70E740481C1C}">
                 <a14:useLocalDpi xmlns:a14="http://schemas.microsoft.com/office/drawing/2010/main" val="0"/>
               </a:ext>
             </a:extLst>
           </a:blip>
-          <a:srcRect b="9628"/>
-          <a:stretch/>
+          <a:srcRect/>
+          <a:stretch>
+            <a:fillRect/>
+          </a:stretch>
         </p:blipFill>
         <p:spPr bwMode="auto">
           <a:xfrm>
-            <a:off x="26556" y="-1"/>
-            <a:ext cx="9117443" cy="5887925"/>
+            <a:off x="137530" y="3332602"/>
+            <a:ext cx="783697" cy="783697"/>
           </a:xfrm>
           <a:prstGeom prst="rect">
             <a:avLst/>
@@ -5091,113 +7253,544 @@
           </a:extLst>
         </p:spPr>
       </p:pic>
+      <p:sp>
+        <p:nvSpPr>
+          <p:cNvPr id="22" name="大かっこ 21">
+            <a:extLst>
+              <a:ext uri="{FF2B5EF4-FFF2-40B4-BE49-F238E27FC236}">
+                <a16:creationId xmlns:a16="http://schemas.microsoft.com/office/drawing/2014/main" id="{1585AE30-8AA8-4718-92A8-6C7B6996E10D}"/>
+              </a:ext>
+            </a:extLst>
+          </p:cNvPr>
+          <p:cNvSpPr/>
+          <p:nvPr/>
+        </p:nvSpPr>
+        <p:spPr>
+          <a:xfrm>
+            <a:off x="1021738" y="3103313"/>
+            <a:ext cx="1587742" cy="1270776"/>
+          </a:xfrm>
+          <a:prstGeom prst="bracketPair">
+            <a:avLst/>
+          </a:prstGeom>
+        </p:spPr>
+        <p:style>
+          <a:lnRef idx="2">
+            <a:schemeClr val="accent1"/>
+          </a:lnRef>
+          <a:fillRef idx="0">
+            <a:schemeClr val="accent1"/>
+          </a:fillRef>
+          <a:effectRef idx="1">
+            <a:schemeClr val="accent1"/>
+          </a:effectRef>
+          <a:fontRef idx="minor">
+            <a:schemeClr val="tx1"/>
+          </a:fontRef>
+        </p:style>
+        <p:txBody>
+          <a:bodyPr rtlCol="0" anchor="ctr"/>
+          <a:lstStyle/>
+          <a:p>
+            <a:pPr algn="ctr"/>
+            <a:r>
+              <a:rPr lang="en-US" altLang="ja-JP" sz="2400" dirty="0"/>
+              <a:t>Latitude</a:t>
+            </a:r>
+          </a:p>
+          <a:p>
+            <a:pPr algn="ctr"/>
+            <a:r>
+              <a:rPr lang="en-US" altLang="ja-JP" sz="2400" dirty="0"/>
+              <a:t>Longitude</a:t>
+            </a:r>
+          </a:p>
+          <a:p>
+            <a:pPr algn="ctr"/>
+            <a:r>
+              <a:rPr lang="en-US" altLang="ja-JP" sz="2400" dirty="0"/>
+              <a:t>T</a:t>
+            </a:r>
+            <a:r>
+              <a:rPr kumimoji="1" lang="en-US" altLang="ja-JP" sz="2400" dirty="0"/>
+              <a:t>ime</a:t>
+            </a:r>
+          </a:p>
+          <a:p>
+            <a:pPr algn="ctr"/>
+            <a:r>
+              <a:rPr lang="en-US" altLang="ja-JP" sz="2400" dirty="0"/>
+              <a:t>Tweet</a:t>
+            </a:r>
+            <a:endParaRPr kumimoji="1" lang="ja-JP" altLang="en-US" sz="2400" dirty="0"/>
+          </a:p>
+        </p:txBody>
+      </p:sp>
+      <p:sp>
+        <p:nvSpPr>
+          <p:cNvPr id="20" name="テキスト ボックス 19">
+            <a:extLst>
+              <a:ext uri="{FF2B5EF4-FFF2-40B4-BE49-F238E27FC236}">
+                <a16:creationId xmlns:a16="http://schemas.microsoft.com/office/drawing/2014/main" id="{F21BE159-3881-4BD2-BBD4-D1C6A4176B5F}"/>
+              </a:ext>
+            </a:extLst>
+          </p:cNvPr>
+          <p:cNvSpPr txBox="1"/>
+          <p:nvPr/>
+        </p:nvSpPr>
+        <p:spPr>
+          <a:xfrm>
+            <a:off x="3539986" y="2040887"/>
+            <a:ext cx="1242138" cy="408623"/>
+          </a:xfrm>
+          <a:prstGeom prst="wedgeRoundRectCallout">
+            <a:avLst>
+              <a:gd name="adj1" fmla="val 36194"/>
+              <a:gd name="adj2" fmla="val -102388"/>
+              <a:gd name="adj3" fmla="val 16667"/>
+            </a:avLst>
+          </a:prstGeom>
+        </p:spPr>
+        <p:style>
+          <a:lnRef idx="2">
+            <a:schemeClr val="accent5"/>
+          </a:lnRef>
+          <a:fillRef idx="1">
+            <a:schemeClr val="lt1"/>
+          </a:fillRef>
+          <a:effectRef idx="0">
+            <a:schemeClr val="accent5"/>
+          </a:effectRef>
+          <a:fontRef idx="minor">
+            <a:schemeClr val="dk1"/>
+          </a:fontRef>
+        </p:style>
+        <p:txBody>
+          <a:bodyPr wrap="square" rtlCol="0">
+            <a:spAutoFit/>
+          </a:bodyPr>
+          <a:lstStyle/>
+          <a:p>
+            <a:pPr algn="ctr"/>
+            <a:r>
+              <a:rPr kumimoji="1" lang="en-US" altLang="ja-JP" dirty="0"/>
+              <a:t>On fire</a:t>
+            </a:r>
+            <a:endParaRPr kumimoji="1" lang="ja-JP" altLang="en-US" dirty="0"/>
+          </a:p>
+        </p:txBody>
+      </p:sp>
+      <p:sp>
+        <p:nvSpPr>
+          <p:cNvPr id="24" name="テキスト ボックス 23">
+            <a:extLst>
+              <a:ext uri="{FF2B5EF4-FFF2-40B4-BE49-F238E27FC236}">
+                <a16:creationId xmlns:a16="http://schemas.microsoft.com/office/drawing/2014/main" id="{D093EA56-F650-42A7-ABA8-890439CAC944}"/>
+              </a:ext>
+            </a:extLst>
+          </p:cNvPr>
+          <p:cNvSpPr txBox="1"/>
+          <p:nvPr/>
+        </p:nvSpPr>
+        <p:spPr>
+          <a:xfrm>
+            <a:off x="7292776" y="2979210"/>
+            <a:ext cx="1459221" cy="408623"/>
+          </a:xfrm>
+          <a:prstGeom prst="wedgeRoundRectCallout">
+            <a:avLst>
+              <a:gd name="adj1" fmla="val -52329"/>
+              <a:gd name="adj2" fmla="val -97153"/>
+              <a:gd name="adj3" fmla="val 16667"/>
+            </a:avLst>
+          </a:prstGeom>
+        </p:spPr>
+        <p:style>
+          <a:lnRef idx="2">
+            <a:schemeClr val="accent5"/>
+          </a:lnRef>
+          <a:fillRef idx="1">
+            <a:schemeClr val="lt1"/>
+          </a:fillRef>
+          <a:effectRef idx="0">
+            <a:schemeClr val="accent5"/>
+          </a:effectRef>
+          <a:fontRef idx="minor">
+            <a:schemeClr val="dk1"/>
+          </a:fontRef>
+        </p:style>
+        <p:txBody>
+          <a:bodyPr wrap="square" rtlCol="0">
+            <a:spAutoFit/>
+          </a:bodyPr>
+          <a:lstStyle/>
+          <a:p>
+            <a:pPr algn="ctr"/>
+            <a:r>
+              <a:rPr lang="en-US" altLang="ja-JP" dirty="0"/>
+              <a:t>Street show</a:t>
+            </a:r>
+            <a:endParaRPr kumimoji="1" lang="ja-JP" altLang="en-US" dirty="0"/>
+          </a:p>
+        </p:txBody>
+      </p:sp>
+      <p:sp>
+        <p:nvSpPr>
+          <p:cNvPr id="25" name="テキスト ボックス 24">
+            <a:extLst>
+              <a:ext uri="{FF2B5EF4-FFF2-40B4-BE49-F238E27FC236}">
+                <a16:creationId xmlns:a16="http://schemas.microsoft.com/office/drawing/2014/main" id="{01310A14-9DDD-489A-8002-A3F31CB4D1BA}"/>
+              </a:ext>
+            </a:extLst>
+          </p:cNvPr>
+          <p:cNvSpPr txBox="1"/>
+          <p:nvPr/>
+        </p:nvSpPr>
+        <p:spPr>
+          <a:xfrm>
+            <a:off x="5094257" y="2694690"/>
+            <a:ext cx="1459221" cy="408623"/>
+          </a:xfrm>
+          <a:prstGeom prst="wedgeRoundRectCallout">
+            <a:avLst>
+              <a:gd name="adj1" fmla="val 56783"/>
+              <a:gd name="adj2" fmla="val -11110"/>
+              <a:gd name="adj3" fmla="val 16667"/>
+            </a:avLst>
+          </a:prstGeom>
+        </p:spPr>
+        <p:style>
+          <a:lnRef idx="2">
+            <a:schemeClr val="accent5"/>
+          </a:lnRef>
+          <a:fillRef idx="1">
+            <a:schemeClr val="lt1"/>
+          </a:fillRef>
+          <a:effectRef idx="0">
+            <a:schemeClr val="accent5"/>
+          </a:effectRef>
+          <a:fontRef idx="minor">
+            <a:schemeClr val="dk1"/>
+          </a:fontRef>
+        </p:style>
+        <p:txBody>
+          <a:bodyPr wrap="square" rtlCol="0">
+            <a:spAutoFit/>
+          </a:bodyPr>
+          <a:lstStyle/>
+          <a:p>
+            <a:pPr algn="ctr"/>
+            <a:r>
+              <a:rPr kumimoji="1" lang="en-US" altLang="ja-JP" dirty="0"/>
+              <a:t>Car accident</a:t>
+            </a:r>
+            <a:endParaRPr kumimoji="1" lang="ja-JP" altLang="en-US" dirty="0"/>
+          </a:p>
+        </p:txBody>
+      </p:sp>
+      <p:sp>
+        <p:nvSpPr>
+          <p:cNvPr id="26" name="テキスト ボックス 25">
+            <a:extLst>
+              <a:ext uri="{FF2B5EF4-FFF2-40B4-BE49-F238E27FC236}">
+                <a16:creationId xmlns:a16="http://schemas.microsoft.com/office/drawing/2014/main" id="{5D5FC931-DF27-47BA-B303-5742B2D50018}"/>
+              </a:ext>
+            </a:extLst>
+          </p:cNvPr>
+          <p:cNvSpPr txBox="1"/>
+          <p:nvPr/>
+        </p:nvSpPr>
+        <p:spPr>
+          <a:xfrm>
+            <a:off x="3534914" y="3363549"/>
+            <a:ext cx="1449813" cy="715089"/>
+          </a:xfrm>
+          <a:prstGeom prst="wedgeRoundRectCallout">
+            <a:avLst>
+              <a:gd name="adj1" fmla="val 57608"/>
+              <a:gd name="adj2" fmla="val 36001"/>
+              <a:gd name="adj3" fmla="val 16667"/>
+            </a:avLst>
+          </a:prstGeom>
+        </p:spPr>
+        <p:style>
+          <a:lnRef idx="2">
+            <a:schemeClr val="accent5"/>
+          </a:lnRef>
+          <a:fillRef idx="1">
+            <a:schemeClr val="lt1"/>
+          </a:fillRef>
+          <a:effectRef idx="0">
+            <a:schemeClr val="accent5"/>
+          </a:effectRef>
+          <a:fontRef idx="minor">
+            <a:schemeClr val="dk1"/>
+          </a:fontRef>
+        </p:style>
+        <p:txBody>
+          <a:bodyPr wrap="square" rtlCol="0">
+            <a:spAutoFit/>
+          </a:bodyPr>
+          <a:lstStyle/>
+          <a:p>
+            <a:pPr algn="ctr"/>
+            <a:r>
+              <a:rPr lang="en-US" altLang="ja-JP" dirty="0"/>
+              <a:t>Song Ji-Hyo is walking</a:t>
+            </a:r>
+            <a:endParaRPr kumimoji="1" lang="ja-JP" altLang="en-US" dirty="0"/>
+          </a:p>
+        </p:txBody>
+      </p:sp>
       <p:pic>
         <p:nvPicPr>
-          <p:cNvPr id="6148" name="Picture 4" descr="「パワポマン」の画像検索結果">
+          <p:cNvPr id="3" name="図 2">
             <a:extLst>
               <a:ext uri="{FF2B5EF4-FFF2-40B4-BE49-F238E27FC236}">
-                <a16:creationId xmlns:a16="http://schemas.microsoft.com/office/drawing/2014/main" id="{6B17F61C-C55E-4F52-93F2-CC0864CEA565}"/>
+                <a16:creationId xmlns:a16="http://schemas.microsoft.com/office/drawing/2014/main" id="{7E9391FC-22FA-4773-A529-0F114E94A51F}"/>
               </a:ext>
             </a:extLst>
           </p:cNvPr>
           <p:cNvPicPr>
-            <a:picLocks noChangeAspect="1" noChangeArrowheads="1"/>
+            <a:picLocks noChangeAspect="1"/>
           </p:cNvPicPr>
           <p:nvPr/>
         </p:nvPicPr>
         <p:blipFill>
-          <a:blip r:embed="rId3" cstate="print">
+          <a:blip r:embed="rId6" cstate="print">
             <a:extLst>
+              <a:ext uri="{BEBA8EAE-BF5A-486C-A8C5-ECC9F3942E4B}">
+                <a14:imgProps xmlns:a14="http://schemas.microsoft.com/office/drawing/2010/main">
+                  <a14:imgLayer r:embed="rId7">
+                    <a14:imgEffect>
+                      <a14:backgroundRemoval t="6045" b="89673" l="7407" r="95062">
+                        <a14:foregroundMark x1="31687" y1="7809" x2="69959" y2="6549"/>
+                        <a14:foregroundMark x1="91358" y1="18388" x2="95062" y2="42317"/>
+                        <a14:foregroundMark x1="7407" y1="22418" x2="7407" y2="42569"/>
+                      </a14:backgroundRemoval>
+                    </a14:imgEffect>
+                  </a14:imgLayer>
+                </a14:imgProps>
+              </a:ext>
               <a:ext uri="{28A0092B-C50C-407E-A947-70E740481C1C}">
                 <a14:useLocalDpi xmlns:a14="http://schemas.microsoft.com/office/drawing/2010/main" val="0"/>
               </a:ext>
             </a:extLst>
           </a:blip>
-          <a:srcRect/>
           <a:stretch>
             <a:fillRect/>
           </a:stretch>
         </p:blipFill>
-        <p:spPr bwMode="auto">
+        <p:spPr>
           <a:xfrm>
-            <a:off x="467544" y="5013176"/>
-            <a:ext cx="505427" cy="1534864"/>
+            <a:off x="4387835" y="1054175"/>
+            <a:ext cx="437699" cy="806896"/>
           </a:xfrm>
           <a:prstGeom prst="rect">
             <a:avLst/>
           </a:prstGeom>
-          <a:noFill/>
-          <a:extLst>
-            <a:ext uri="{909E8E84-426E-40DD-AFC4-6F175D3DCCD1}">
-              <a14:hiddenFill xmlns:a14="http://schemas.microsoft.com/office/drawing/2010/main">
-                <a:solidFill>
-                  <a:srgbClr val="FFFFFF"/>
-                </a:solidFill>
-              </a14:hiddenFill>
-            </a:ext>
-          </a:extLst>
         </p:spPr>
       </p:pic>
-      <p:sp>
-        <p:nvSpPr>
-          <p:cNvPr id="2" name="テキスト ボックス 1">
+      <p:pic>
+        <p:nvPicPr>
+          <p:cNvPr id="21" name="図 20">
             <a:extLst>
               <a:ext uri="{FF2B5EF4-FFF2-40B4-BE49-F238E27FC236}">
-                <a16:creationId xmlns:a16="http://schemas.microsoft.com/office/drawing/2014/main" id="{54FF82B2-603D-4B12-99A0-B3F071202DDE}"/>
+                <a16:creationId xmlns:a16="http://schemas.microsoft.com/office/drawing/2014/main" id="{AAEA39AD-9BDA-4C31-BA3B-7F2DD736B3E1}"/>
               </a:ext>
             </a:extLst>
           </p:cNvPr>
-          <p:cNvSpPr txBox="1"/>
+          <p:cNvPicPr>
+            <a:picLocks noChangeAspect="1"/>
+          </p:cNvPicPr>
           <p:nvPr/>
-        </p:nvSpPr>
+        </p:nvPicPr>
+        <p:blipFill>
+          <a:blip r:embed="rId6" cstate="print">
+            <a:extLst>
+              <a:ext uri="{BEBA8EAE-BF5A-486C-A8C5-ECC9F3942E4B}">
+                <a14:imgProps xmlns:a14="http://schemas.microsoft.com/office/drawing/2010/main">
+                  <a14:imgLayer r:embed="rId7">
+                    <a14:imgEffect>
+                      <a14:backgroundRemoval t="6045" b="89673" l="7407" r="95062">
+                        <a14:foregroundMark x1="31687" y1="7809" x2="69959" y2="6549"/>
+                        <a14:foregroundMark x1="91358" y1="18388" x2="95062" y2="42317"/>
+                        <a14:foregroundMark x1="7407" y1="22418" x2="7407" y2="42569"/>
+                      </a14:backgroundRemoval>
+                    </a14:imgEffect>
+                  </a14:imgLayer>
+                </a14:imgProps>
+              </a:ext>
+              <a:ext uri="{28A0092B-C50C-407E-A947-70E740481C1C}">
+                <a14:useLocalDpi xmlns:a14="http://schemas.microsoft.com/office/drawing/2010/main" val="0"/>
+              </a:ext>
+            </a:extLst>
+          </a:blip>
+          <a:stretch>
+            <a:fillRect/>
+          </a:stretch>
+        </p:blipFill>
         <p:spPr>
           <a:xfrm>
-            <a:off x="2483768" y="4957963"/>
-            <a:ext cx="4536504" cy="1077218"/>
+            <a:off x="7045917" y="2088956"/>
+            <a:ext cx="437699" cy="806896"/>
           </a:xfrm>
-          <a:prstGeom prst="wedgeRectCallout">
-            <a:avLst>
-              <a:gd name="adj1" fmla="val -76316"/>
-              <a:gd name="adj2" fmla="val 460"/>
-            </a:avLst>
+          <a:prstGeom prst="rect">
+            <a:avLst/>
           </a:prstGeom>
         </p:spPr>
-        <p:style>
-          <a:lnRef idx="2">
-            <a:schemeClr val="accent2"/>
-          </a:lnRef>
-          <a:fillRef idx="1">
-            <a:schemeClr val="lt1"/>
-          </a:fillRef>
-          <a:effectRef idx="0">
-            <a:schemeClr val="accent2"/>
-          </a:effectRef>
-          <a:fontRef idx="minor">
-            <a:schemeClr val="dk1"/>
-          </a:fontRef>
-        </p:style>
-        <p:txBody>
-          <a:bodyPr wrap="square" rtlCol="0">
-            <a:spAutoFit/>
-          </a:bodyPr>
-          <a:lstStyle/>
-          <a:p>
-            <a:r>
-              <a:rPr kumimoji="1" lang="en-US" altLang="ja-JP" sz="3200" dirty="0"/>
-              <a:t>We will make the System that shows safe ways</a:t>
-            </a:r>
-            <a:r>
-              <a:rPr lang="en-US" altLang="ja-JP" sz="3200" dirty="0"/>
-              <a:t>.</a:t>
-            </a:r>
-            <a:endParaRPr kumimoji="1" lang="ja-JP" altLang="en-US" sz="3200" dirty="0"/>
-          </a:p>
-        </p:txBody>
-      </p:sp>
+      </p:pic>
+      <p:pic>
+        <p:nvPicPr>
+          <p:cNvPr id="23" name="図 22">
+            <a:extLst>
+              <a:ext uri="{FF2B5EF4-FFF2-40B4-BE49-F238E27FC236}">
+                <a16:creationId xmlns:a16="http://schemas.microsoft.com/office/drawing/2014/main" id="{252C953C-096D-4290-BFCD-68A97226E974}"/>
+              </a:ext>
+            </a:extLst>
+          </p:cNvPr>
+          <p:cNvPicPr>
+            <a:picLocks noChangeAspect="1"/>
+          </p:cNvPicPr>
+          <p:nvPr/>
+        </p:nvPicPr>
+        <p:blipFill>
+          <a:blip r:embed="rId6" cstate="print">
+            <a:extLst>
+              <a:ext uri="{BEBA8EAE-BF5A-486C-A8C5-ECC9F3942E4B}">
+                <a14:imgProps xmlns:a14="http://schemas.microsoft.com/office/drawing/2010/main">
+                  <a14:imgLayer r:embed="rId7">
+                    <a14:imgEffect>
+                      <a14:backgroundRemoval t="6045" b="89673" l="7407" r="95062">
+                        <a14:foregroundMark x1="31687" y1="7809" x2="69959" y2="6549"/>
+                        <a14:foregroundMark x1="91358" y1="18388" x2="95062" y2="42317"/>
+                        <a14:foregroundMark x1="7407" y1="22418" x2="7407" y2="42569"/>
+                      </a14:backgroundRemoval>
+                    </a14:imgEffect>
+                  </a14:imgLayer>
+                </a14:imgProps>
+              </a:ext>
+              <a:ext uri="{28A0092B-C50C-407E-A947-70E740481C1C}">
+                <a14:useLocalDpi xmlns:a14="http://schemas.microsoft.com/office/drawing/2010/main" val="0"/>
+              </a:ext>
+            </a:extLst>
+          </a:blip>
+          <a:stretch>
+            <a:fillRect/>
+          </a:stretch>
+        </p:blipFill>
+        <p:spPr>
+          <a:xfrm>
+            <a:off x="6462409" y="2095713"/>
+            <a:ext cx="437699" cy="806896"/>
+          </a:xfrm>
+          <a:prstGeom prst="rect">
+            <a:avLst/>
+          </a:prstGeom>
+        </p:spPr>
+      </p:pic>
+      <p:pic>
+        <p:nvPicPr>
+          <p:cNvPr id="27" name="図 26">
+            <a:extLst>
+              <a:ext uri="{FF2B5EF4-FFF2-40B4-BE49-F238E27FC236}">
+                <a16:creationId xmlns:a16="http://schemas.microsoft.com/office/drawing/2014/main" id="{C2F4FDC7-485F-4B59-9856-2FE804A12E2C}"/>
+              </a:ext>
+            </a:extLst>
+          </p:cNvPr>
+          <p:cNvPicPr>
+            <a:picLocks noChangeAspect="1"/>
+          </p:cNvPicPr>
+          <p:nvPr/>
+        </p:nvPicPr>
+        <p:blipFill>
+          <a:blip r:embed="rId6" cstate="print">
+            <a:extLst>
+              <a:ext uri="{BEBA8EAE-BF5A-486C-A8C5-ECC9F3942E4B}">
+                <a14:imgProps xmlns:a14="http://schemas.microsoft.com/office/drawing/2010/main">
+                  <a14:imgLayer r:embed="rId7">
+                    <a14:imgEffect>
+                      <a14:backgroundRemoval t="6045" b="89673" l="7407" r="95062">
+                        <a14:foregroundMark x1="31687" y1="7809" x2="69959" y2="6549"/>
+                        <a14:foregroundMark x1="91358" y1="18388" x2="95062" y2="42317"/>
+                        <a14:foregroundMark x1="7407" y1="22418" x2="7407" y2="42569"/>
+                      </a14:backgroundRemoval>
+                    </a14:imgEffect>
+                  </a14:imgLayer>
+                </a14:imgProps>
+              </a:ext>
+              <a:ext uri="{28A0092B-C50C-407E-A947-70E740481C1C}">
+                <a14:useLocalDpi xmlns:a14="http://schemas.microsoft.com/office/drawing/2010/main" val="0"/>
+              </a:ext>
+            </a:extLst>
+          </a:blip>
+          <a:stretch>
+            <a:fillRect/>
+          </a:stretch>
+        </p:blipFill>
+        <p:spPr>
+          <a:xfrm>
+            <a:off x="4978458" y="3213159"/>
+            <a:ext cx="437699" cy="806896"/>
+          </a:xfrm>
+          <a:prstGeom prst="rect">
+            <a:avLst/>
+          </a:prstGeom>
+        </p:spPr>
+      </p:pic>
+      <p:pic>
+        <p:nvPicPr>
+          <p:cNvPr id="28" name="図 27">
+            <a:extLst>
+              <a:ext uri="{FF2B5EF4-FFF2-40B4-BE49-F238E27FC236}">
+                <a16:creationId xmlns:a16="http://schemas.microsoft.com/office/drawing/2014/main" id="{0BFB2445-1FC0-40CD-84E8-FEB8E3A5AF84}"/>
+              </a:ext>
+            </a:extLst>
+          </p:cNvPr>
+          <p:cNvPicPr>
+            <a:picLocks noChangeAspect="1"/>
+          </p:cNvPicPr>
+          <p:nvPr/>
+        </p:nvPicPr>
+        <p:blipFill>
+          <a:blip r:embed="rId6" cstate="print">
+            <a:extLst>
+              <a:ext uri="{BEBA8EAE-BF5A-486C-A8C5-ECC9F3942E4B}">
+                <a14:imgProps xmlns:a14="http://schemas.microsoft.com/office/drawing/2010/main">
+                  <a14:imgLayer r:embed="rId7">
+                    <a14:imgEffect>
+                      <a14:backgroundRemoval t="6045" b="89673" l="7407" r="95062">
+                        <a14:foregroundMark x1="31687" y1="7809" x2="69959" y2="6549"/>
+                        <a14:foregroundMark x1="91358" y1="18388" x2="95062" y2="42317"/>
+                        <a14:foregroundMark x1="7407" y1="22418" x2="7407" y2="42569"/>
+                      </a14:backgroundRemoval>
+                    </a14:imgEffect>
+                  </a14:imgLayer>
+                </a14:imgProps>
+              </a:ext>
+              <a:ext uri="{28A0092B-C50C-407E-A947-70E740481C1C}">
+                <a14:useLocalDpi xmlns:a14="http://schemas.microsoft.com/office/drawing/2010/main" val="0"/>
+              </a:ext>
+            </a:extLst>
+          </a:blip>
+          <a:stretch>
+            <a:fillRect/>
+          </a:stretch>
+        </p:blipFill>
+        <p:spPr>
+          <a:xfrm>
+            <a:off x="1114494" y="5143049"/>
+            <a:ext cx="437699" cy="806896"/>
+          </a:xfrm>
+          <a:prstGeom prst="rect">
+            <a:avLst/>
+          </a:prstGeom>
+        </p:spPr>
+      </p:pic>
     </p:spTree>
     <p:extLst>
       <p:ext uri="{BB962C8B-B14F-4D97-AF65-F5344CB8AC3E}">
-        <p14:creationId xmlns:p14="http://schemas.microsoft.com/office/powerpoint/2010/main" val="830389878"/>
+        <p14:creationId xmlns:p14="http://schemas.microsoft.com/office/powerpoint/2010/main" val="1213994864"/>
       </p:ext>
     </p:extLst>
   </p:cSld>
@@ -5224,59 +7817,355 @@
           <a:chExt cx="0" cy="0"/>
         </a:xfrm>
       </p:grpSpPr>
+      <p:sp>
+        <p:nvSpPr>
+          <p:cNvPr id="6" name="二等辺三角形 5">
+            <a:extLst>
+              <a:ext uri="{FF2B5EF4-FFF2-40B4-BE49-F238E27FC236}">
+                <a16:creationId xmlns:a16="http://schemas.microsoft.com/office/drawing/2014/main" id="{46921118-D7C5-4A35-9EC0-67FA5887E9CE}"/>
+              </a:ext>
+            </a:extLst>
+          </p:cNvPr>
+          <p:cNvSpPr/>
+          <p:nvPr/>
+        </p:nvSpPr>
+        <p:spPr>
+          <a:xfrm rot="16200000" flipV="1">
+            <a:off x="1455123" y="1850746"/>
+            <a:ext cx="864096" cy="288032"/>
+          </a:xfrm>
+          <a:prstGeom prst="triangle">
+            <a:avLst/>
+          </a:prstGeom>
+        </p:spPr>
+        <p:style>
+          <a:lnRef idx="1">
+            <a:schemeClr val="accent1"/>
+          </a:lnRef>
+          <a:fillRef idx="3">
+            <a:schemeClr val="accent1"/>
+          </a:fillRef>
+          <a:effectRef idx="2">
+            <a:schemeClr val="accent1"/>
+          </a:effectRef>
+          <a:fontRef idx="minor">
+            <a:schemeClr val="lt1"/>
+          </a:fontRef>
+        </p:style>
+        <p:txBody>
+          <a:bodyPr rtlCol="0" anchor="ctr"/>
+          <a:lstStyle/>
+          <a:p>
+            <a:pPr algn="ctr"/>
+            <a:endParaRPr kumimoji="1" lang="ja-JP" altLang="en-US"/>
+          </a:p>
+        </p:txBody>
+      </p:sp>
+      <p:sp>
+        <p:nvSpPr>
+          <p:cNvPr id="28" name="テキスト ボックス 27">
+            <a:extLst>
+              <a:ext uri="{FF2B5EF4-FFF2-40B4-BE49-F238E27FC236}">
+                <a16:creationId xmlns:a16="http://schemas.microsoft.com/office/drawing/2014/main" id="{E4248F75-7ED9-48CD-9D20-C6C4D1A10CAE}"/>
+              </a:ext>
+            </a:extLst>
+          </p:cNvPr>
+          <p:cNvSpPr txBox="1"/>
+          <p:nvPr/>
+        </p:nvSpPr>
+        <p:spPr>
+          <a:xfrm>
+            <a:off x="2177890" y="1517707"/>
+            <a:ext cx="5494020" cy="954107"/>
+          </a:xfrm>
+          <a:prstGeom prst="rect">
+            <a:avLst/>
+          </a:prstGeom>
+          <a:noFill/>
+        </p:spPr>
+        <p:txBody>
+          <a:bodyPr wrap="square" rtlCol="0">
+            <a:spAutoFit/>
+          </a:bodyPr>
+          <a:lstStyle/>
+          <a:p>
+            <a:r>
+              <a:rPr kumimoji="1" lang="en-US" altLang="ja-JP" sz="2800" dirty="0"/>
+              <a:t>Pick the sensing data and tweets which noise is louder than usual</a:t>
+            </a:r>
+          </a:p>
+        </p:txBody>
+      </p:sp>
+      <p:graphicFrame>
+        <p:nvGraphicFramePr>
+          <p:cNvPr id="26" name="グラフ 25">
+            <a:extLst>
+              <a:ext uri="{FF2B5EF4-FFF2-40B4-BE49-F238E27FC236}">
+                <a16:creationId xmlns:a16="http://schemas.microsoft.com/office/drawing/2014/main" id="{BFB4FFE5-C615-43CC-9054-843E14E77354}"/>
+              </a:ext>
+            </a:extLst>
+          </p:cNvPr>
+          <p:cNvGraphicFramePr>
+            <a:graphicFrameLocks/>
+          </p:cNvGraphicFramePr>
+          <p:nvPr>
+            <p:extLst>
+              <p:ext uri="{D42A27DB-BD31-4B8C-83A1-F6EECF244321}">
+                <p14:modId xmlns:p14="http://schemas.microsoft.com/office/powerpoint/2010/main" val="273891883"/>
+              </p:ext>
+            </p:extLst>
+          </p:nvPr>
+        </p:nvGraphicFramePr>
+        <p:xfrm>
+          <a:off x="926781" y="3159246"/>
+          <a:ext cx="7290438" cy="3156199"/>
+        </p:xfrm>
+        <a:graphic>
+          <a:graphicData uri="http://schemas.openxmlformats.org/drawingml/2006/chart">
+            <c:chart xmlns:c="http://schemas.openxmlformats.org/drawingml/2006/chart" xmlns:r="http://schemas.openxmlformats.org/officeDocument/2006/relationships" r:id="rId3"/>
+          </a:graphicData>
+        </a:graphic>
+      </p:graphicFrame>
+      <p:sp>
+        <p:nvSpPr>
+          <p:cNvPr id="21" name="爆発: 14 pt 20">
+            <a:extLst>
+              <a:ext uri="{FF2B5EF4-FFF2-40B4-BE49-F238E27FC236}">
+                <a16:creationId xmlns:a16="http://schemas.microsoft.com/office/drawing/2014/main" id="{B142A513-7B31-4D76-836F-ACA7F4559360}"/>
+              </a:ext>
+            </a:extLst>
+          </p:cNvPr>
+          <p:cNvSpPr/>
+          <p:nvPr/>
+        </p:nvSpPr>
+        <p:spPr>
+          <a:xfrm>
+            <a:off x="5862233" y="3653203"/>
+            <a:ext cx="3159938" cy="1843190"/>
+          </a:xfrm>
+          <a:prstGeom prst="irregularSeal2">
+            <a:avLst/>
+          </a:prstGeom>
+        </p:spPr>
+        <p:style>
+          <a:lnRef idx="1">
+            <a:schemeClr val="accent2"/>
+          </a:lnRef>
+          <a:fillRef idx="3">
+            <a:schemeClr val="accent2"/>
+          </a:fillRef>
+          <a:effectRef idx="2">
+            <a:schemeClr val="accent2"/>
+          </a:effectRef>
+          <a:fontRef idx="minor">
+            <a:schemeClr val="lt1"/>
+          </a:fontRef>
+        </p:style>
+        <p:txBody>
+          <a:bodyPr rtlCol="0" anchor="ctr"/>
+          <a:lstStyle/>
+          <a:p>
+            <a:pPr algn="ctr"/>
+            <a:r>
+              <a:rPr kumimoji="1" lang="en-US" altLang="ja-JP" sz="2000" b="1" dirty="0"/>
+              <a:t>Something unusual is happening</a:t>
+            </a:r>
+            <a:endParaRPr kumimoji="1" lang="ja-JP" altLang="en-US" sz="2000" b="1" dirty="0"/>
+          </a:p>
+        </p:txBody>
+      </p:sp>
+      <p:sp>
+        <p:nvSpPr>
+          <p:cNvPr id="2" name="楕円 1">
+            <a:extLst>
+              <a:ext uri="{FF2B5EF4-FFF2-40B4-BE49-F238E27FC236}">
+                <a16:creationId xmlns:a16="http://schemas.microsoft.com/office/drawing/2014/main" id="{1210C85A-FBB7-4FC7-AEB8-E070CB3A4EF8}"/>
+              </a:ext>
+            </a:extLst>
+          </p:cNvPr>
+          <p:cNvSpPr/>
+          <p:nvPr/>
+        </p:nvSpPr>
+        <p:spPr>
+          <a:xfrm>
+            <a:off x="2709843" y="3969269"/>
+            <a:ext cx="387229" cy="387229"/>
+          </a:xfrm>
+          <a:prstGeom prst="ellipse">
+            <a:avLst/>
+          </a:prstGeom>
+          <a:noFill/>
+          <a:ln w="76200">
+            <a:solidFill>
+              <a:srgbClr val="FF0000"/>
+            </a:solidFill>
+          </a:ln>
+        </p:spPr>
+        <p:style>
+          <a:lnRef idx="1">
+            <a:schemeClr val="accent1"/>
+          </a:lnRef>
+          <a:fillRef idx="3">
+            <a:schemeClr val="accent1"/>
+          </a:fillRef>
+          <a:effectRef idx="2">
+            <a:schemeClr val="accent1"/>
+          </a:effectRef>
+          <a:fontRef idx="minor">
+            <a:schemeClr val="lt1"/>
+          </a:fontRef>
+        </p:style>
+        <p:txBody>
+          <a:bodyPr rtlCol="0" anchor="ctr"/>
+          <a:lstStyle/>
+          <a:p>
+            <a:pPr algn="ctr"/>
+            <a:endParaRPr kumimoji="1" lang="ja-JP" altLang="en-US"/>
+          </a:p>
+        </p:txBody>
+      </p:sp>
+      <p:sp>
+        <p:nvSpPr>
+          <p:cNvPr id="39" name="楕円 38">
+            <a:extLst>
+              <a:ext uri="{FF2B5EF4-FFF2-40B4-BE49-F238E27FC236}">
+                <a16:creationId xmlns:a16="http://schemas.microsoft.com/office/drawing/2014/main" id="{50CA8ACF-103F-4E44-AA6A-3D4304A28CE0}"/>
+              </a:ext>
+            </a:extLst>
+          </p:cNvPr>
+          <p:cNvSpPr/>
+          <p:nvPr/>
+        </p:nvSpPr>
+        <p:spPr>
+          <a:xfrm>
+            <a:off x="4659377" y="4123110"/>
+            <a:ext cx="387229" cy="387229"/>
+          </a:xfrm>
+          <a:prstGeom prst="ellipse">
+            <a:avLst/>
+          </a:prstGeom>
+          <a:noFill/>
+          <a:ln w="76200">
+            <a:solidFill>
+              <a:srgbClr val="FF0000"/>
+            </a:solidFill>
+          </a:ln>
+        </p:spPr>
+        <p:style>
+          <a:lnRef idx="1">
+            <a:schemeClr val="accent1"/>
+          </a:lnRef>
+          <a:fillRef idx="3">
+            <a:schemeClr val="accent1"/>
+          </a:fillRef>
+          <a:effectRef idx="2">
+            <a:schemeClr val="accent1"/>
+          </a:effectRef>
+          <a:fontRef idx="minor">
+            <a:schemeClr val="lt1"/>
+          </a:fontRef>
+        </p:style>
+        <p:txBody>
+          <a:bodyPr rtlCol="0" anchor="ctr"/>
+          <a:lstStyle/>
+          <a:p>
+            <a:pPr algn="ctr"/>
+            <a:endParaRPr kumimoji="1" lang="ja-JP" altLang="en-US"/>
+          </a:p>
+        </p:txBody>
+      </p:sp>
+      <p:sp>
+        <p:nvSpPr>
+          <p:cNvPr id="40" name="楕円 39">
+            <a:extLst>
+              <a:ext uri="{FF2B5EF4-FFF2-40B4-BE49-F238E27FC236}">
+                <a16:creationId xmlns:a16="http://schemas.microsoft.com/office/drawing/2014/main" id="{C961000E-E644-4A92-A536-630543F952F6}"/>
+              </a:ext>
+            </a:extLst>
+          </p:cNvPr>
+          <p:cNvSpPr/>
+          <p:nvPr/>
+        </p:nvSpPr>
+        <p:spPr>
+          <a:xfrm>
+            <a:off x="5962561" y="3735881"/>
+            <a:ext cx="387229" cy="387229"/>
+          </a:xfrm>
+          <a:prstGeom prst="ellipse">
+            <a:avLst/>
+          </a:prstGeom>
+          <a:noFill/>
+          <a:ln w="76200">
+            <a:solidFill>
+              <a:srgbClr val="FF0000"/>
+            </a:solidFill>
+          </a:ln>
+        </p:spPr>
+        <p:style>
+          <a:lnRef idx="1">
+            <a:schemeClr val="accent1"/>
+          </a:lnRef>
+          <a:fillRef idx="3">
+            <a:schemeClr val="accent1"/>
+          </a:fillRef>
+          <a:effectRef idx="2">
+            <a:schemeClr val="accent1"/>
+          </a:effectRef>
+          <a:fontRef idx="minor">
+            <a:schemeClr val="lt1"/>
+          </a:fontRef>
+        </p:style>
+        <p:txBody>
+          <a:bodyPr rtlCol="0" anchor="ctr"/>
+          <a:lstStyle/>
+          <a:p>
+            <a:pPr algn="ctr"/>
+            <a:endParaRPr kumimoji="1" lang="ja-JP" altLang="en-US"/>
+          </a:p>
+        </p:txBody>
+      </p:sp>
       <p:pic>
         <p:nvPicPr>
-          <p:cNvPr id="2" name="Picture 2" descr="「taxi icon」の画像検索結果">
+          <p:cNvPr id="42" name="図 41" descr="道 が含まれている画像&#10;&#10;高い精度で生成された説明">
             <a:extLst>
               <a:ext uri="{FF2B5EF4-FFF2-40B4-BE49-F238E27FC236}">
-                <a16:creationId xmlns:a16="http://schemas.microsoft.com/office/drawing/2014/main" id="{D85A522A-C271-4BB9-890D-52273AF68099}"/>
+                <a16:creationId xmlns:a16="http://schemas.microsoft.com/office/drawing/2014/main" id="{393E08CF-EB30-4CDD-8551-6A9F044B2125}"/>
               </a:ext>
             </a:extLst>
           </p:cNvPr>
           <p:cNvPicPr>
-            <a:picLocks noChangeAspect="1" noChangeArrowheads="1"/>
+            <a:picLocks noChangeAspect="1"/>
           </p:cNvPicPr>
           <p:nvPr/>
         </p:nvPicPr>
         <p:blipFill>
-          <a:blip r:embed="rId2" cstate="print">
+          <a:blip r:embed="rId4" cstate="print">
             <a:extLst>
               <a:ext uri="{28A0092B-C50C-407E-A947-70E740481C1C}">
                 <a14:useLocalDpi xmlns:a14="http://schemas.microsoft.com/office/drawing/2010/main" val="0"/>
               </a:ext>
             </a:extLst>
           </a:blip>
-          <a:srcRect/>
           <a:stretch>
             <a:fillRect/>
           </a:stretch>
         </p:blipFill>
-        <p:spPr bwMode="auto">
+        <p:spPr>
           <a:xfrm>
-            <a:off x="872289" y="1296679"/>
-            <a:ext cx="967519" cy="967519"/>
+            <a:off x="1399661" y="260648"/>
+            <a:ext cx="864096" cy="864096"/>
           </a:xfrm>
           <a:prstGeom prst="rect">
             <a:avLst/>
           </a:prstGeom>
-          <a:noFill/>
-          <a:extLst>
-            <a:ext uri="{909E8E84-426E-40DD-AFC4-6F175D3DCCD1}">
-              <a14:hiddenFill xmlns:a14="http://schemas.microsoft.com/office/drawing/2010/main">
-                <a:solidFill>
-                  <a:srgbClr val="FFFFFF"/>
-                </a:solidFill>
-              </a14:hiddenFill>
-            </a:ext>
-          </a:extLst>
         </p:spPr>
       </p:pic>
       <p:sp>
         <p:nvSpPr>
-          <p:cNvPr id="3" name="左中かっこ 2">
+          <p:cNvPr id="43" name="大かっこ 42">
             <a:extLst>
               <a:ext uri="{FF2B5EF4-FFF2-40B4-BE49-F238E27FC236}">
-                <a16:creationId xmlns:a16="http://schemas.microsoft.com/office/drawing/2014/main" id="{BF191152-2807-4D80-B7C9-E357C00B3975}"/>
+                <a16:creationId xmlns:a16="http://schemas.microsoft.com/office/drawing/2014/main" id="{F3A49930-3CC0-4A4E-BAA2-7A50C58A382B}"/>
               </a:ext>
             </a:extLst>
           </p:cNvPr>
@@ -5285,10 +8174,10 @@
         </p:nvSpPr>
         <p:spPr>
           <a:xfrm>
-            <a:off x="2217840" y="756006"/>
-            <a:ext cx="583951" cy="1200329"/>
+            <a:off x="2356298" y="103902"/>
+            <a:ext cx="1587743" cy="1333300"/>
           </a:xfrm>
-          <a:prstGeom prst="leftBrace">
+          <a:prstGeom prst="bracketPair">
             <a:avLst/>
           </a:prstGeom>
         </p:spPr>
@@ -5311,399 +8200,41 @@
           <a:lstStyle/>
           <a:p>
             <a:pPr algn="ctr"/>
-            <a:endParaRPr kumimoji="1" lang="ja-JP" altLang="en-US" dirty="0"/>
-          </a:p>
-        </p:txBody>
-      </p:sp>
-      <p:sp>
-        <p:nvSpPr>
-          <p:cNvPr id="4" name="テキスト ボックス 3">
+            <a:r>
+              <a:rPr lang="en-US" altLang="ja-JP" sz="2400" dirty="0"/>
+              <a:t>Latitude</a:t>
+            </a:r>
+          </a:p>
+          <a:p>
+            <a:pPr algn="ctr"/>
+            <a:r>
+              <a:rPr lang="en-US" altLang="ja-JP" sz="2400" dirty="0"/>
+              <a:t>Longitude</a:t>
+            </a:r>
+          </a:p>
+          <a:p>
+            <a:pPr algn="ctr"/>
+            <a:r>
+              <a:rPr lang="en-US" altLang="ja-JP" sz="2400" dirty="0"/>
+              <a:t>Time</a:t>
+            </a:r>
+          </a:p>
+          <a:p>
+            <a:pPr algn="ctr"/>
+            <a:r>
+              <a:rPr lang="en-US" altLang="ja-JP" sz="2400" dirty="0"/>
+              <a:t>Noise</a:t>
+            </a:r>
+            <a:endParaRPr kumimoji="1" lang="ja-JP" altLang="en-US" sz="2400" dirty="0"/>
+          </a:p>
+        </p:txBody>
+      </p:sp>
+      <p:pic>
+        <p:nvPicPr>
+          <p:cNvPr id="44" name="Picture 12" descr="「twitter」の画像検索結果">
             <a:extLst>
               <a:ext uri="{FF2B5EF4-FFF2-40B4-BE49-F238E27FC236}">
-                <a16:creationId xmlns:a16="http://schemas.microsoft.com/office/drawing/2014/main" id="{19B5BBF6-90C7-4A01-85A1-C77966D7834B}"/>
-              </a:ext>
-            </a:extLst>
-          </p:cNvPr>
-          <p:cNvSpPr txBox="1"/>
-          <p:nvPr/>
-        </p:nvSpPr>
-        <p:spPr>
-          <a:xfrm>
-            <a:off x="2801791" y="824734"/>
-            <a:ext cx="2217274" cy="1200329"/>
-          </a:xfrm>
-          <a:prstGeom prst="rect">
-            <a:avLst/>
-          </a:prstGeom>
-          <a:noFill/>
-        </p:spPr>
-        <p:txBody>
-          <a:bodyPr wrap="none" rtlCol="0">
-            <a:spAutoFit/>
-          </a:bodyPr>
-          <a:lstStyle/>
-          <a:p>
-            <a:pPr marL="285750" indent="-285750">
-              <a:buFont typeface="Arial" panose="020B0604020202020204" pitchFamily="34" charset="0"/>
-              <a:buChar char="•"/>
-            </a:pPr>
-            <a:r>
-              <a:rPr kumimoji="1" lang="en-US" altLang="ja-JP" sz="3600" dirty="0"/>
-              <a:t>Location</a:t>
-            </a:r>
-          </a:p>
-          <a:p>
-            <a:pPr marL="285750" indent="-285750">
-              <a:buFont typeface="Arial" panose="020B0604020202020204" pitchFamily="34" charset="0"/>
-              <a:buChar char="•"/>
-            </a:pPr>
-            <a:r>
-              <a:rPr lang="en-US" altLang="ja-JP" sz="3600" dirty="0">
-                <a:solidFill>
-                  <a:srgbClr val="FF0000"/>
-                </a:solidFill>
-              </a:rPr>
-              <a:t>LUX</a:t>
-            </a:r>
-          </a:p>
-        </p:txBody>
-      </p:sp>
-      <p:pic>
-        <p:nvPicPr>
-          <p:cNvPr id="6" name="図 5" descr="道 が含まれている画像&#10;&#10;高い精度で生成された説明">
-            <a:extLst>
-              <a:ext uri="{FF2B5EF4-FFF2-40B4-BE49-F238E27FC236}">
-                <a16:creationId xmlns:a16="http://schemas.microsoft.com/office/drawing/2014/main" id="{3E831F39-AE20-43DB-9D12-63A3AF91DF22}"/>
-              </a:ext>
-            </a:extLst>
-          </p:cNvPr>
-          <p:cNvPicPr>
-            <a:picLocks noChangeAspect="1"/>
-          </p:cNvPicPr>
-          <p:nvPr/>
-        </p:nvPicPr>
-        <p:blipFill>
-          <a:blip r:embed="rId3" cstate="print">
-            <a:extLst>
-              <a:ext uri="{28A0092B-C50C-407E-A947-70E740481C1C}">
-                <a14:useLocalDpi xmlns:a14="http://schemas.microsoft.com/office/drawing/2010/main" val="0"/>
-              </a:ext>
-            </a:extLst>
-          </a:blip>
-          <a:stretch>
-            <a:fillRect/>
-          </a:stretch>
-        </p:blipFill>
-        <p:spPr>
-          <a:xfrm>
-            <a:off x="929583" y="443522"/>
-            <a:ext cx="864096" cy="864096"/>
-          </a:xfrm>
-          <a:prstGeom prst="rect">
-            <a:avLst/>
-          </a:prstGeom>
-        </p:spPr>
-      </p:pic>
-      <p:graphicFrame>
-        <p:nvGraphicFramePr>
-          <p:cNvPr id="7" name="コンテンツ プレースホルダー 3">
-            <a:extLst>
-              <a:ext uri="{FF2B5EF4-FFF2-40B4-BE49-F238E27FC236}">
-                <a16:creationId xmlns:a16="http://schemas.microsoft.com/office/drawing/2014/main" id="{7E9EF4E4-5D49-48E6-BA33-E447EFA41FCA}"/>
-              </a:ext>
-            </a:extLst>
-          </p:cNvPr>
-          <p:cNvGraphicFramePr>
-            <a:graphicFrameLocks/>
-          </p:cNvGraphicFramePr>
-          <p:nvPr>
-            <p:extLst>
-              <p:ext uri="{D42A27DB-BD31-4B8C-83A1-F6EECF244321}">
-                <p14:modId xmlns:p14="http://schemas.microsoft.com/office/powerpoint/2010/main" val="3728940603"/>
-              </p:ext>
-            </p:extLst>
-          </p:nvPr>
-        </p:nvGraphicFramePr>
-        <p:xfrm>
-          <a:off x="1979712" y="2924944"/>
-          <a:ext cx="4973721" cy="2940325"/>
-        </p:xfrm>
-        <a:graphic>
-          <a:graphicData uri="http://schemas.openxmlformats.org/drawingml/2006/table">
-            <a:tbl>
-              <a:tblPr firstRow="1" bandRow="1">
-                <a:tableStyleId>{5C22544A-7EE6-4342-B048-85BDC9FD1C3A}</a:tableStyleId>
-              </a:tblPr>
-              <a:tblGrid>
-                <a:gridCol w="1657907">
-                  <a:extLst>
-                    <a:ext uri="{9D8B030D-6E8A-4147-A177-3AD203B41FA5}">
-                      <a16:colId xmlns:a16="http://schemas.microsoft.com/office/drawing/2014/main" val="1492122347"/>
-                    </a:ext>
-                  </a:extLst>
-                </a:gridCol>
-                <a:gridCol w="1657907">
-                  <a:extLst>
-                    <a:ext uri="{9D8B030D-6E8A-4147-A177-3AD203B41FA5}">
-                      <a16:colId xmlns:a16="http://schemas.microsoft.com/office/drawing/2014/main" val="2244517410"/>
-                    </a:ext>
-                  </a:extLst>
-                </a:gridCol>
-                <a:gridCol w="1657907">
-                  <a:extLst>
-                    <a:ext uri="{9D8B030D-6E8A-4147-A177-3AD203B41FA5}">
-                      <a16:colId xmlns:a16="http://schemas.microsoft.com/office/drawing/2014/main" val="3739539817"/>
-                    </a:ext>
-                  </a:extLst>
-                </a:gridCol>
-              </a:tblGrid>
-              <a:tr h="698320">
-                <a:tc>
-                  <a:txBody>
-                    <a:bodyPr/>
-                    <a:lstStyle/>
-                    <a:p>
-                      <a:endParaRPr kumimoji="1" lang="ja-JP" altLang="en-US" sz="3600" dirty="0"/>
-                    </a:p>
-                  </a:txBody>
-                  <a:tcPr/>
-                </a:tc>
-                <a:tc>
-                  <a:txBody>
-                    <a:bodyPr/>
-                    <a:lstStyle/>
-                    <a:p>
-                      <a:r>
-                        <a:rPr kumimoji="1" lang="en-US" altLang="ja-JP" sz="3600" dirty="0"/>
-                        <a:t>Noisy</a:t>
-                      </a:r>
-                      <a:endParaRPr kumimoji="1" lang="ja-JP" altLang="en-US" sz="3600" dirty="0"/>
-                    </a:p>
-                  </a:txBody>
-                  <a:tcPr/>
-                </a:tc>
-                <a:tc>
-                  <a:txBody>
-                    <a:bodyPr/>
-                    <a:lstStyle/>
-                    <a:p>
-                      <a:r>
-                        <a:rPr kumimoji="1" lang="en-US" altLang="ja-JP" sz="3600" dirty="0"/>
-                        <a:t>Quiet</a:t>
-                      </a:r>
-                      <a:endParaRPr kumimoji="1" lang="ja-JP" altLang="en-US" sz="3600" dirty="0"/>
-                    </a:p>
-                  </a:txBody>
-                  <a:tcPr/>
-                </a:tc>
-                <a:extLst>
-                  <a:ext uri="{0D108BD9-81ED-4DB2-BD59-A6C34878D82A}">
-                    <a16:rowId xmlns:a16="http://schemas.microsoft.com/office/drawing/2014/main" val="875169081"/>
-                  </a:ext>
-                </a:extLst>
-              </a:tr>
-              <a:tr h="1053285">
-                <a:tc>
-                  <a:txBody>
-                    <a:bodyPr/>
-                    <a:lstStyle/>
-                    <a:p>
-                      <a:r>
-                        <a:rPr kumimoji="1" lang="en-US" altLang="ja-JP" sz="3600" dirty="0"/>
-                        <a:t>Bright</a:t>
-                      </a:r>
-                    </a:p>
-                  </a:txBody>
-                  <a:tcPr/>
-                </a:tc>
-                <a:tc>
-                  <a:txBody>
-                    <a:bodyPr/>
-                    <a:lstStyle/>
-                    <a:p>
-                      <a:endParaRPr kumimoji="1" lang="ja-JP" altLang="en-US" sz="3600" dirty="0"/>
-                    </a:p>
-                  </a:txBody>
-                  <a:tcPr/>
-                </a:tc>
-                <a:tc>
-                  <a:txBody>
-                    <a:bodyPr/>
-                    <a:lstStyle/>
-                    <a:p>
-                      <a:endParaRPr kumimoji="1" lang="ja-JP" altLang="en-US" sz="3600" dirty="0"/>
-                    </a:p>
-                  </a:txBody>
-                  <a:tcPr/>
-                </a:tc>
-                <a:extLst>
-                  <a:ext uri="{0D108BD9-81ED-4DB2-BD59-A6C34878D82A}">
-                    <a16:rowId xmlns:a16="http://schemas.microsoft.com/office/drawing/2014/main" val="2987468077"/>
-                  </a:ext>
-                </a:extLst>
-              </a:tr>
-              <a:tr h="698320">
-                <a:tc>
-                  <a:txBody>
-                    <a:bodyPr/>
-                    <a:lstStyle/>
-                    <a:p>
-                      <a:r>
-                        <a:rPr kumimoji="1" lang="en-US" altLang="ja-JP" sz="3600" dirty="0"/>
-                        <a:t>Dark</a:t>
-                      </a:r>
-                      <a:endParaRPr kumimoji="1" lang="ja-JP" altLang="en-US" sz="3600" dirty="0"/>
-                    </a:p>
-                  </a:txBody>
-                  <a:tcPr/>
-                </a:tc>
-                <a:tc>
-                  <a:txBody>
-                    <a:bodyPr/>
-                    <a:lstStyle/>
-                    <a:p>
-                      <a:endParaRPr kumimoji="1" lang="en-US" altLang="ja-JP" sz="3600" dirty="0"/>
-                    </a:p>
-                    <a:p>
-                      <a:endParaRPr kumimoji="1" lang="ja-JP" altLang="en-US" sz="3600" dirty="0"/>
-                    </a:p>
-                  </a:txBody>
-                  <a:tcPr/>
-                </a:tc>
-                <a:tc>
-                  <a:txBody>
-                    <a:bodyPr/>
-                    <a:lstStyle/>
-                    <a:p>
-                      <a:endParaRPr kumimoji="1" lang="ja-JP" altLang="en-US" sz="3600" dirty="0"/>
-                    </a:p>
-                  </a:txBody>
-                  <a:tcPr/>
-                </a:tc>
-                <a:extLst>
-                  <a:ext uri="{0D108BD9-81ED-4DB2-BD59-A6C34878D82A}">
-                    <a16:rowId xmlns:a16="http://schemas.microsoft.com/office/drawing/2014/main" val="2584927251"/>
-                  </a:ext>
-                </a:extLst>
-              </a:tr>
-            </a:tbl>
-          </a:graphicData>
-        </a:graphic>
-      </p:graphicFrame>
-      <p:pic>
-        <p:nvPicPr>
-          <p:cNvPr id="8" name="図 7">
-            <a:extLst>
-              <a:ext uri="{FF2B5EF4-FFF2-40B4-BE49-F238E27FC236}">
-                <a16:creationId xmlns:a16="http://schemas.microsoft.com/office/drawing/2014/main" id="{23836595-A01B-4EAF-A7B4-C84E852B5935}"/>
-              </a:ext>
-            </a:extLst>
-          </p:cNvPr>
-          <p:cNvPicPr>
-            <a:picLocks noChangeAspect="1"/>
-          </p:cNvPicPr>
-          <p:nvPr/>
-        </p:nvPicPr>
-        <p:blipFill>
-          <a:blip r:embed="rId4">
-            <a:extLst>
-              <a:ext uri="{28A0092B-C50C-407E-A947-70E740481C1C}">
-                <a14:useLocalDpi xmlns:a14="http://schemas.microsoft.com/office/drawing/2010/main" val="0"/>
-              </a:ext>
-            </a:extLst>
-          </a:blip>
-          <a:stretch>
-            <a:fillRect/>
-          </a:stretch>
-        </p:blipFill>
-        <p:spPr>
-          <a:xfrm>
-            <a:off x="3842400" y="3518326"/>
-            <a:ext cx="1248343" cy="1248343"/>
-          </a:xfrm>
-          <a:prstGeom prst="rect">
-            <a:avLst/>
-          </a:prstGeom>
-        </p:spPr>
-      </p:pic>
-      <p:pic>
-        <p:nvPicPr>
-          <p:cNvPr id="9" name="図 8">
-            <a:extLst>
-              <a:ext uri="{FF2B5EF4-FFF2-40B4-BE49-F238E27FC236}">
-                <a16:creationId xmlns:a16="http://schemas.microsoft.com/office/drawing/2014/main" id="{B2203A0F-2A80-4F15-A025-E143927A641E}"/>
-              </a:ext>
-            </a:extLst>
-          </p:cNvPr>
-          <p:cNvPicPr>
-            <a:picLocks noChangeAspect="1"/>
-          </p:cNvPicPr>
-          <p:nvPr/>
-        </p:nvPicPr>
-        <p:blipFill>
-          <a:blip r:embed="rId5" cstate="print">
-            <a:extLst>
-              <a:ext uri="{28A0092B-C50C-407E-A947-70E740481C1C}">
-                <a14:useLocalDpi xmlns:a14="http://schemas.microsoft.com/office/drawing/2010/main" val="0"/>
-              </a:ext>
-            </a:extLst>
-          </a:blip>
-          <a:stretch>
-            <a:fillRect/>
-          </a:stretch>
-        </p:blipFill>
-        <p:spPr>
-          <a:xfrm>
-            <a:off x="5749347" y="3717032"/>
-            <a:ext cx="754280" cy="754280"/>
-          </a:xfrm>
-          <a:prstGeom prst="rect">
-            <a:avLst/>
-          </a:prstGeom>
-        </p:spPr>
-      </p:pic>
-      <p:pic>
-        <p:nvPicPr>
-          <p:cNvPr id="10" name="図 9">
-            <a:extLst>
-              <a:ext uri="{FF2B5EF4-FFF2-40B4-BE49-F238E27FC236}">
-                <a16:creationId xmlns:a16="http://schemas.microsoft.com/office/drawing/2014/main" id="{B336E7E1-2EDE-41F5-BC69-1D75A3BA9255}"/>
-              </a:ext>
-            </a:extLst>
-          </p:cNvPr>
-          <p:cNvPicPr>
-            <a:picLocks noChangeAspect="1"/>
-          </p:cNvPicPr>
-          <p:nvPr/>
-        </p:nvPicPr>
-        <p:blipFill>
-          <a:blip r:embed="rId6" cstate="print">
-            <a:extLst>
-              <a:ext uri="{28A0092B-C50C-407E-A947-70E740481C1C}">
-                <a14:useLocalDpi xmlns:a14="http://schemas.microsoft.com/office/drawing/2010/main" val="0"/>
-              </a:ext>
-            </a:extLst>
-          </a:blip>
-          <a:stretch>
-            <a:fillRect/>
-          </a:stretch>
-        </p:blipFill>
-        <p:spPr>
-          <a:xfrm>
-            <a:off x="4061363" y="4910761"/>
-            <a:ext cx="810416" cy="810416"/>
-          </a:xfrm>
-          <a:prstGeom prst="rect">
-            <a:avLst/>
-          </a:prstGeom>
-        </p:spPr>
-      </p:pic>
-      <p:pic>
-        <p:nvPicPr>
-          <p:cNvPr id="11" name="Picture 4" descr="「星空　アイコン」の画像検索結果">
-            <a:extLst>
-              <a:ext uri="{FF2B5EF4-FFF2-40B4-BE49-F238E27FC236}">
-                <a16:creationId xmlns:a16="http://schemas.microsoft.com/office/drawing/2014/main" id="{70B0722B-86A7-4DDE-A799-7FD3C3DC1428}"/>
+                <a16:creationId xmlns:a16="http://schemas.microsoft.com/office/drawing/2014/main" id="{FD42C78C-2B59-459D-BE45-CAFDD4B8C932}"/>
               </a:ext>
             </a:extLst>
           </p:cNvPr>
@@ -5713,7 +8244,7 @@
           <p:nvPr/>
         </p:nvPicPr>
         <p:blipFill>
-          <a:blip r:embed="rId7" cstate="print">
+          <a:blip r:embed="rId5" cstate="print">
             <a:extLst>
               <a:ext uri="{28A0092B-C50C-407E-A947-70E740481C1C}">
                 <a14:useLocalDpi xmlns:a14="http://schemas.microsoft.com/office/drawing/2010/main" val="0"/>
@@ -5727,8 +8258,8 @@
         </p:blipFill>
         <p:spPr bwMode="auto">
           <a:xfrm>
-            <a:off x="5749347" y="4910761"/>
-            <a:ext cx="754280" cy="754280"/>
+            <a:off x="4690583" y="333191"/>
+            <a:ext cx="783697" cy="822256"/>
           </a:xfrm>
           <a:prstGeom prst="rect">
             <a:avLst/>
@@ -5747,71 +8278,10 @@
       </p:pic>
       <p:sp>
         <p:nvSpPr>
-          <p:cNvPr id="12" name="テキスト ボックス 11">
+          <p:cNvPr id="45" name="大かっこ 44">
             <a:extLst>
               <a:ext uri="{FF2B5EF4-FFF2-40B4-BE49-F238E27FC236}">
-                <a16:creationId xmlns:a16="http://schemas.microsoft.com/office/drawing/2014/main" id="{43DB84E0-884A-4BD4-ACC3-267C62315E8B}"/>
-              </a:ext>
-            </a:extLst>
-          </p:cNvPr>
-          <p:cNvSpPr txBox="1"/>
-          <p:nvPr/>
-        </p:nvSpPr>
-        <p:spPr>
-          <a:xfrm>
-            <a:off x="5292080" y="817857"/>
-            <a:ext cx="2961067" cy="1200329"/>
-          </a:xfrm>
-          <a:prstGeom prst="rect">
-            <a:avLst/>
-          </a:prstGeom>
-          <a:noFill/>
-        </p:spPr>
-        <p:txBody>
-          <a:bodyPr wrap="none" rtlCol="0">
-            <a:spAutoFit/>
-          </a:bodyPr>
-          <a:lstStyle/>
-          <a:p>
-            <a:pPr marL="285750" indent="-285750">
-              <a:buFont typeface="Arial" panose="020B0604020202020204" pitchFamily="34" charset="0"/>
-              <a:buChar char="•"/>
-            </a:pPr>
-            <a:r>
-              <a:rPr kumimoji="1" lang="en-US" altLang="ja-JP" sz="3600" dirty="0">
-                <a:solidFill>
-                  <a:srgbClr val="FF0000"/>
-                </a:solidFill>
-              </a:rPr>
-              <a:t>No</a:t>
-            </a:r>
-            <a:r>
-              <a:rPr lang="en-US" altLang="ja-JP" sz="3600" dirty="0">
-                <a:solidFill>
-                  <a:srgbClr val="FF0000"/>
-                </a:solidFill>
-              </a:rPr>
-              <a:t>ise</a:t>
-            </a:r>
-          </a:p>
-          <a:p>
-            <a:pPr marL="285750" indent="-285750">
-              <a:buFont typeface="Arial" panose="020B0604020202020204" pitchFamily="34" charset="0"/>
-              <a:buChar char="•"/>
-            </a:pPr>
-            <a:r>
-              <a:rPr lang="en-US" altLang="ja-JP" sz="3600" dirty="0"/>
-              <a:t>temperature</a:t>
-            </a:r>
-          </a:p>
-        </p:txBody>
-      </p:sp>
-      <p:sp>
-        <p:nvSpPr>
-          <p:cNvPr id="13" name="右大かっこ 12">
-            <a:extLst>
-              <a:ext uri="{FF2B5EF4-FFF2-40B4-BE49-F238E27FC236}">
-                <a16:creationId xmlns:a16="http://schemas.microsoft.com/office/drawing/2014/main" id="{09C4A70A-B93C-4608-930B-C1604BE0BD74}"/>
+                <a16:creationId xmlns:a16="http://schemas.microsoft.com/office/drawing/2014/main" id="{8B0CF139-3296-4751-9575-49E5EB18479A}"/>
               </a:ext>
             </a:extLst>
           </p:cNvPr>
@@ -5820,10 +8290,10 @@
         </p:nvSpPr>
         <p:spPr>
           <a:xfrm>
-            <a:off x="8172400" y="756006"/>
-            <a:ext cx="216023" cy="1269057"/>
+            <a:off x="5574791" y="103902"/>
+            <a:ext cx="1587742" cy="1333300"/>
           </a:xfrm>
-          <a:prstGeom prst="rightBracket">
+          <a:prstGeom prst="bracketPair">
             <a:avLst/>
           </a:prstGeom>
         </p:spPr>
@@ -5846,14 +8316,83 @@
           <a:lstStyle/>
           <a:p>
             <a:pPr algn="ctr"/>
-            <a:endParaRPr kumimoji="1" lang="ja-JP" altLang="en-US"/>
+            <a:r>
+              <a:rPr lang="en-US" altLang="ja-JP" sz="2400" dirty="0"/>
+              <a:t>Latitude</a:t>
+            </a:r>
+          </a:p>
+          <a:p>
+            <a:pPr algn="ctr"/>
+            <a:r>
+              <a:rPr lang="en-US" altLang="ja-JP" sz="2400" dirty="0"/>
+              <a:t>Longitude</a:t>
+            </a:r>
+          </a:p>
+          <a:p>
+            <a:pPr algn="ctr"/>
+            <a:r>
+              <a:rPr lang="en-US" altLang="ja-JP" sz="2400" dirty="0"/>
+              <a:t>T</a:t>
+            </a:r>
+            <a:r>
+              <a:rPr kumimoji="1" lang="en-US" altLang="ja-JP" sz="2400" dirty="0"/>
+              <a:t>ime</a:t>
+            </a:r>
+          </a:p>
+          <a:p>
+            <a:pPr algn="ctr"/>
+            <a:r>
+              <a:rPr lang="en-US" altLang="ja-JP" sz="2400" dirty="0"/>
+              <a:t>Tweet</a:t>
+            </a:r>
+            <a:endParaRPr kumimoji="1" lang="ja-JP" altLang="en-US" sz="2400" dirty="0"/>
+          </a:p>
+        </p:txBody>
+      </p:sp>
+      <p:sp>
+        <p:nvSpPr>
+          <p:cNvPr id="46" name="テキスト ボックス 45">
+            <a:extLst>
+              <a:ext uri="{FF2B5EF4-FFF2-40B4-BE49-F238E27FC236}">
+                <a16:creationId xmlns:a16="http://schemas.microsoft.com/office/drawing/2014/main" id="{A73063CC-7B5D-4E0B-903E-526A801BD993}"/>
+              </a:ext>
+            </a:extLst>
+          </p:cNvPr>
+          <p:cNvSpPr txBox="1"/>
+          <p:nvPr/>
+        </p:nvSpPr>
+        <p:spPr>
+          <a:xfrm>
+            <a:off x="60241" y="2510514"/>
+            <a:ext cx="9023518" cy="523220"/>
+          </a:xfrm>
+          <a:prstGeom prst="rect">
+            <a:avLst/>
+          </a:prstGeom>
+          <a:noFill/>
+        </p:spPr>
+        <p:txBody>
+          <a:bodyPr wrap="square" rtlCol="0">
+            <a:spAutoFit/>
+          </a:bodyPr>
+          <a:lstStyle/>
+          <a:p>
+            <a:pPr algn="ctr"/>
+            <a:r>
+              <a:rPr kumimoji="1" lang="en-US" altLang="ja-JP" sz="2800" u="sng" dirty="0">
+                <a:solidFill>
+                  <a:srgbClr val="FF0000"/>
+                </a:solidFill>
+              </a:rPr>
+              <a:t>We can get to know what happened at the noisy area</a:t>
+            </a:r>
           </a:p>
         </p:txBody>
       </p:sp>
     </p:spTree>
     <p:extLst>
       <p:ext uri="{BB962C8B-B14F-4D97-AF65-F5344CB8AC3E}">
-        <p14:creationId xmlns:p14="http://schemas.microsoft.com/office/powerpoint/2010/main" val="3786055120"/>
+        <p14:creationId xmlns:p14="http://schemas.microsoft.com/office/powerpoint/2010/main" val="1277102155"/>
       </p:ext>
     </p:extLst>
   </p:cSld>
@@ -5882,55 +8421,10 @@
       </p:grpSpPr>
       <p:pic>
         <p:nvPicPr>
-          <p:cNvPr id="15" name="Picture 8" descr="「jeju map english」の画像検索結果">
+          <p:cNvPr id="4" name="図 3">
             <a:extLst>
               <a:ext uri="{FF2B5EF4-FFF2-40B4-BE49-F238E27FC236}">
-                <a16:creationId xmlns:a16="http://schemas.microsoft.com/office/drawing/2014/main" id="{69979DD1-0EA5-497F-989B-6E5409184675}"/>
-              </a:ext>
-            </a:extLst>
-          </p:cNvPr>
-          <p:cNvPicPr>
-            <a:picLocks noChangeAspect="1" noChangeArrowheads="1"/>
-          </p:cNvPicPr>
-          <p:nvPr/>
-        </p:nvPicPr>
-        <p:blipFill rotWithShape="1">
-          <a:blip r:embed="rId2">
-            <a:extLst>
-              <a:ext uri="{28A0092B-C50C-407E-A947-70E740481C1C}">
-                <a14:useLocalDpi xmlns:a14="http://schemas.microsoft.com/office/drawing/2010/main" val="0"/>
-              </a:ext>
-            </a:extLst>
-          </a:blip>
-          <a:srcRect b="9628"/>
-          <a:stretch/>
-        </p:blipFill>
-        <p:spPr bwMode="auto">
-          <a:xfrm>
-            <a:off x="-1058966" y="-414808"/>
-            <a:ext cx="11261932" cy="7272808"/>
-          </a:xfrm>
-          <a:prstGeom prst="rect">
-            <a:avLst/>
-          </a:prstGeom>
-          <a:noFill/>
-          <a:extLst>
-            <a:ext uri="{909E8E84-426E-40DD-AFC4-6F175D3DCCD1}">
-              <a14:hiddenFill xmlns:a14="http://schemas.microsoft.com/office/drawing/2010/main">
-                <a:solidFill>
-                  <a:srgbClr val="FFFFFF"/>
-                </a:solidFill>
-              </a14:hiddenFill>
-            </a:ext>
-          </a:extLst>
-        </p:spPr>
-      </p:pic>
-      <p:pic>
-        <p:nvPicPr>
-          <p:cNvPr id="16" name="図 15">
-            <a:extLst>
-              <a:ext uri="{FF2B5EF4-FFF2-40B4-BE49-F238E27FC236}">
-                <a16:creationId xmlns:a16="http://schemas.microsoft.com/office/drawing/2014/main" id="{F9DEB05D-3612-4CEA-A8C2-0CC8B297660C}"/>
+                <a16:creationId xmlns:a16="http://schemas.microsoft.com/office/drawing/2014/main" id="{660C2114-8EC8-449E-833C-30946CC184FD}"/>
               </a:ext>
             </a:extLst>
           </p:cNvPr>
@@ -5940,7 +8434,7 @@
           <p:nvPr/>
         </p:nvPicPr>
         <p:blipFill>
-          <a:blip r:embed="rId3" cstate="print">
+          <a:blip r:embed="rId3">
             <a:extLst>
               <a:ext uri="{28A0092B-C50C-407E-A947-70E740481C1C}">
                 <a14:useLocalDpi xmlns:a14="http://schemas.microsoft.com/office/drawing/2010/main" val="0"/>
@@ -5953,1491 +8447,20 @@
         </p:blipFill>
         <p:spPr>
           <a:xfrm>
-            <a:off x="2987824" y="836712"/>
-            <a:ext cx="864096" cy="864096"/>
+            <a:off x="0" y="0"/>
+            <a:ext cx="9144000" cy="6858000"/>
           </a:xfrm>
           <a:prstGeom prst="rect">
             <a:avLst/>
           </a:prstGeom>
         </p:spPr>
       </p:pic>
-      <p:pic>
-        <p:nvPicPr>
-          <p:cNvPr id="17" name="図 16">
-            <a:extLst>
-              <a:ext uri="{FF2B5EF4-FFF2-40B4-BE49-F238E27FC236}">
-                <a16:creationId xmlns:a16="http://schemas.microsoft.com/office/drawing/2014/main" id="{997DDDCC-9426-4C94-A6F8-58FBDE73990D}"/>
-              </a:ext>
-            </a:extLst>
-          </p:cNvPr>
-          <p:cNvPicPr>
-            <a:picLocks noChangeAspect="1"/>
-          </p:cNvPicPr>
-          <p:nvPr/>
-        </p:nvPicPr>
-        <p:blipFill>
-          <a:blip r:embed="rId3" cstate="print">
-            <a:extLst>
-              <a:ext uri="{28A0092B-C50C-407E-A947-70E740481C1C}">
-                <a14:useLocalDpi xmlns:a14="http://schemas.microsoft.com/office/drawing/2010/main" val="0"/>
-              </a:ext>
-            </a:extLst>
-          </a:blip>
-          <a:stretch>
-            <a:fillRect/>
-          </a:stretch>
-        </p:blipFill>
-        <p:spPr>
-          <a:xfrm>
-            <a:off x="3563888" y="404664"/>
-            <a:ext cx="864096" cy="864096"/>
-          </a:xfrm>
-          <a:prstGeom prst="rect">
-            <a:avLst/>
-          </a:prstGeom>
-        </p:spPr>
-      </p:pic>
-      <p:pic>
-        <p:nvPicPr>
-          <p:cNvPr id="18" name="図 17">
-            <a:extLst>
-              <a:ext uri="{FF2B5EF4-FFF2-40B4-BE49-F238E27FC236}">
-                <a16:creationId xmlns:a16="http://schemas.microsoft.com/office/drawing/2014/main" id="{E6BC8308-7307-42D3-8F52-F696779F9EC6}"/>
-              </a:ext>
-            </a:extLst>
-          </p:cNvPr>
-          <p:cNvPicPr>
-            <a:picLocks noChangeAspect="1"/>
-          </p:cNvPicPr>
-          <p:nvPr/>
-        </p:nvPicPr>
-        <p:blipFill>
-          <a:blip r:embed="rId3" cstate="print">
-            <a:extLst>
-              <a:ext uri="{28A0092B-C50C-407E-A947-70E740481C1C}">
-                <a14:useLocalDpi xmlns:a14="http://schemas.microsoft.com/office/drawing/2010/main" val="0"/>
-              </a:ext>
-            </a:extLst>
-          </a:blip>
-          <a:stretch>
-            <a:fillRect/>
-          </a:stretch>
-        </p:blipFill>
-        <p:spPr>
-          <a:xfrm>
-            <a:off x="3826272" y="1052736"/>
-            <a:ext cx="864096" cy="864096"/>
-          </a:xfrm>
-          <a:prstGeom prst="rect">
-            <a:avLst/>
-          </a:prstGeom>
-        </p:spPr>
-      </p:pic>
-      <p:pic>
-        <p:nvPicPr>
-          <p:cNvPr id="19" name="図 18">
-            <a:extLst>
-              <a:ext uri="{FF2B5EF4-FFF2-40B4-BE49-F238E27FC236}">
-                <a16:creationId xmlns:a16="http://schemas.microsoft.com/office/drawing/2014/main" id="{3400E589-0B41-4331-84E4-C22A93290333}"/>
-              </a:ext>
-            </a:extLst>
-          </p:cNvPr>
-          <p:cNvPicPr>
-            <a:picLocks noChangeAspect="1"/>
-          </p:cNvPicPr>
-          <p:nvPr/>
-        </p:nvPicPr>
-        <p:blipFill>
-          <a:blip r:embed="rId4" cstate="print">
-            <a:extLst>
-              <a:ext uri="{28A0092B-C50C-407E-A947-70E740481C1C}">
-                <a14:useLocalDpi xmlns:a14="http://schemas.microsoft.com/office/drawing/2010/main" val="0"/>
-              </a:ext>
-            </a:extLst>
-          </a:blip>
-          <a:stretch>
-            <a:fillRect/>
-          </a:stretch>
-        </p:blipFill>
-        <p:spPr>
-          <a:xfrm>
-            <a:off x="1979712" y="2780928"/>
-            <a:ext cx="648072" cy="648072"/>
-          </a:xfrm>
-          <a:prstGeom prst="rect">
-            <a:avLst/>
-          </a:prstGeom>
-        </p:spPr>
-      </p:pic>
-      <p:pic>
-        <p:nvPicPr>
-          <p:cNvPr id="20" name="図 19">
-            <a:extLst>
-              <a:ext uri="{FF2B5EF4-FFF2-40B4-BE49-F238E27FC236}">
-                <a16:creationId xmlns:a16="http://schemas.microsoft.com/office/drawing/2014/main" id="{9B5491E5-8AF7-4C54-AD08-0463EBECD823}"/>
-              </a:ext>
-            </a:extLst>
-          </p:cNvPr>
-          <p:cNvPicPr>
-            <a:picLocks noChangeAspect="1"/>
-          </p:cNvPicPr>
-          <p:nvPr/>
-        </p:nvPicPr>
-        <p:blipFill>
-          <a:blip r:embed="rId4" cstate="print">
-            <a:extLst>
-              <a:ext uri="{28A0092B-C50C-407E-A947-70E740481C1C}">
-                <a14:useLocalDpi xmlns:a14="http://schemas.microsoft.com/office/drawing/2010/main" val="0"/>
-              </a:ext>
-            </a:extLst>
-          </a:blip>
-          <a:stretch>
-            <a:fillRect/>
-          </a:stretch>
-        </p:blipFill>
-        <p:spPr>
-          <a:xfrm>
-            <a:off x="5580112" y="2132856"/>
-            <a:ext cx="648072" cy="648072"/>
-          </a:xfrm>
-          <a:prstGeom prst="rect">
-            <a:avLst/>
-          </a:prstGeom>
-        </p:spPr>
-      </p:pic>
-      <p:pic>
-        <p:nvPicPr>
-          <p:cNvPr id="21" name="図 20">
-            <a:extLst>
-              <a:ext uri="{FF2B5EF4-FFF2-40B4-BE49-F238E27FC236}">
-                <a16:creationId xmlns:a16="http://schemas.microsoft.com/office/drawing/2014/main" id="{26666C90-35FA-4392-8C06-37D46FA80D5A}"/>
-              </a:ext>
-            </a:extLst>
-          </p:cNvPr>
-          <p:cNvPicPr>
-            <a:picLocks noChangeAspect="1"/>
-          </p:cNvPicPr>
-          <p:nvPr/>
-        </p:nvPicPr>
-        <p:blipFill>
-          <a:blip r:embed="rId4" cstate="print">
-            <a:extLst>
-              <a:ext uri="{28A0092B-C50C-407E-A947-70E740481C1C}">
-                <a14:useLocalDpi xmlns:a14="http://schemas.microsoft.com/office/drawing/2010/main" val="0"/>
-              </a:ext>
-            </a:extLst>
-          </a:blip>
-          <a:stretch>
-            <a:fillRect/>
-          </a:stretch>
-        </p:blipFill>
-        <p:spPr>
-          <a:xfrm>
-            <a:off x="7250638" y="1592796"/>
-            <a:ext cx="648072" cy="648072"/>
-          </a:xfrm>
-          <a:prstGeom prst="rect">
-            <a:avLst/>
-          </a:prstGeom>
-        </p:spPr>
-      </p:pic>
-      <p:pic>
-        <p:nvPicPr>
-          <p:cNvPr id="22" name="図 21">
-            <a:extLst>
-              <a:ext uri="{FF2B5EF4-FFF2-40B4-BE49-F238E27FC236}">
-                <a16:creationId xmlns:a16="http://schemas.microsoft.com/office/drawing/2014/main" id="{34E02C06-89D0-46F8-B43D-2E1E25F493A1}"/>
-              </a:ext>
-            </a:extLst>
-          </p:cNvPr>
-          <p:cNvPicPr>
-            <a:picLocks noChangeAspect="1"/>
-          </p:cNvPicPr>
-          <p:nvPr/>
-        </p:nvPicPr>
-        <p:blipFill>
-          <a:blip r:embed="rId5" cstate="print">
-            <a:extLst>
-              <a:ext uri="{28A0092B-C50C-407E-A947-70E740481C1C}">
-                <a14:useLocalDpi xmlns:a14="http://schemas.microsoft.com/office/drawing/2010/main" val="0"/>
-              </a:ext>
-            </a:extLst>
-          </a:blip>
-          <a:stretch>
-            <a:fillRect/>
-          </a:stretch>
-        </p:blipFill>
-        <p:spPr>
-          <a:xfrm>
-            <a:off x="6516216" y="480283"/>
-            <a:ext cx="572453" cy="572453"/>
-          </a:xfrm>
-          <a:prstGeom prst="rect">
-            <a:avLst/>
-          </a:prstGeom>
-        </p:spPr>
-      </p:pic>
-      <p:pic>
-        <p:nvPicPr>
-          <p:cNvPr id="23" name="図 22">
-            <a:extLst>
-              <a:ext uri="{FF2B5EF4-FFF2-40B4-BE49-F238E27FC236}">
-                <a16:creationId xmlns:a16="http://schemas.microsoft.com/office/drawing/2014/main" id="{D849C8D0-715E-4966-BFE2-938FE4926B37}"/>
-              </a:ext>
-            </a:extLst>
-          </p:cNvPr>
-          <p:cNvPicPr>
-            <a:picLocks noChangeAspect="1"/>
-          </p:cNvPicPr>
-          <p:nvPr/>
-        </p:nvPicPr>
-        <p:blipFill>
-          <a:blip r:embed="rId5" cstate="print">
-            <a:extLst>
-              <a:ext uri="{28A0092B-C50C-407E-A947-70E740481C1C}">
-                <a14:useLocalDpi xmlns:a14="http://schemas.microsoft.com/office/drawing/2010/main" val="0"/>
-              </a:ext>
-            </a:extLst>
-          </a:blip>
-          <a:stretch>
-            <a:fillRect/>
-          </a:stretch>
-        </p:blipFill>
-        <p:spPr>
-          <a:xfrm>
-            <a:off x="1127665" y="2160960"/>
-            <a:ext cx="572453" cy="572453"/>
-          </a:xfrm>
-          <a:prstGeom prst="rect">
-            <a:avLst/>
-          </a:prstGeom>
-        </p:spPr>
-      </p:pic>
-      <p:pic>
-        <p:nvPicPr>
-          <p:cNvPr id="24" name="図 23">
-            <a:extLst>
-              <a:ext uri="{FF2B5EF4-FFF2-40B4-BE49-F238E27FC236}">
-                <a16:creationId xmlns:a16="http://schemas.microsoft.com/office/drawing/2014/main" id="{5DC0E2A5-4FD9-421E-9470-FAC85E311EBF}"/>
-              </a:ext>
-            </a:extLst>
-          </p:cNvPr>
-          <p:cNvPicPr>
-            <a:picLocks noChangeAspect="1"/>
-          </p:cNvPicPr>
-          <p:nvPr/>
-        </p:nvPicPr>
-        <p:blipFill>
-          <a:blip r:embed="rId3" cstate="print">
-            <a:extLst>
-              <a:ext uri="{28A0092B-C50C-407E-A947-70E740481C1C}">
-                <a14:useLocalDpi xmlns:a14="http://schemas.microsoft.com/office/drawing/2010/main" val="0"/>
-              </a:ext>
-            </a:extLst>
-          </a:blip>
-          <a:stretch>
-            <a:fillRect/>
-          </a:stretch>
-        </p:blipFill>
-        <p:spPr>
-          <a:xfrm>
-            <a:off x="1819397" y="1484784"/>
-            <a:ext cx="864096" cy="864096"/>
-          </a:xfrm>
-          <a:prstGeom prst="rect">
-            <a:avLst/>
-          </a:prstGeom>
-        </p:spPr>
-      </p:pic>
-      <p:pic>
-        <p:nvPicPr>
-          <p:cNvPr id="25" name="Picture 4" descr="「星空　アイコン」の画像検索結果">
-            <a:extLst>
-              <a:ext uri="{FF2B5EF4-FFF2-40B4-BE49-F238E27FC236}">
-                <a16:creationId xmlns:a16="http://schemas.microsoft.com/office/drawing/2014/main" id="{950ACC9D-F163-4999-BAE7-D1195A277693}"/>
-              </a:ext>
-            </a:extLst>
-          </p:cNvPr>
-          <p:cNvPicPr>
-            <a:picLocks noChangeAspect="1" noChangeArrowheads="1"/>
-          </p:cNvPicPr>
-          <p:nvPr/>
-        </p:nvPicPr>
-        <p:blipFill>
-          <a:blip r:embed="rId6" cstate="print">
-            <a:extLst>
-              <a:ext uri="{28A0092B-C50C-407E-A947-70E740481C1C}">
-                <a14:useLocalDpi xmlns:a14="http://schemas.microsoft.com/office/drawing/2010/main" val="0"/>
-              </a:ext>
-            </a:extLst>
-          </a:blip>
-          <a:srcRect/>
-          <a:stretch>
-            <a:fillRect/>
-          </a:stretch>
-        </p:blipFill>
-        <p:spPr bwMode="auto">
-          <a:xfrm>
-            <a:off x="3898166" y="2630096"/>
-            <a:ext cx="754280" cy="754280"/>
-          </a:xfrm>
-          <a:prstGeom prst="rect">
-            <a:avLst/>
-          </a:prstGeom>
-          <a:noFill/>
-          <a:extLst>
-            <a:ext uri="{909E8E84-426E-40DD-AFC4-6F175D3DCCD1}">
-              <a14:hiddenFill xmlns:a14="http://schemas.microsoft.com/office/drawing/2010/main">
-                <a:solidFill>
-                  <a:srgbClr val="FFFFFF"/>
-                </a:solidFill>
-              </a14:hiddenFill>
-            </a:ext>
-          </a:extLst>
-        </p:spPr>
-      </p:pic>
-      <p:pic>
-        <p:nvPicPr>
-          <p:cNvPr id="30" name="図 29">
-            <a:extLst>
-              <a:ext uri="{FF2B5EF4-FFF2-40B4-BE49-F238E27FC236}">
-                <a16:creationId xmlns:a16="http://schemas.microsoft.com/office/drawing/2014/main" id="{8919DDB2-A1B9-499D-8545-1E1C260A5F13}"/>
-              </a:ext>
-            </a:extLst>
-          </p:cNvPr>
-          <p:cNvPicPr>
-            <a:picLocks noChangeAspect="1"/>
-          </p:cNvPicPr>
-          <p:nvPr/>
-        </p:nvPicPr>
-        <p:blipFill>
-          <a:blip r:embed="rId4" cstate="print">
-            <a:extLst>
-              <a:ext uri="{28A0092B-C50C-407E-A947-70E740481C1C}">
-                <a14:useLocalDpi xmlns:a14="http://schemas.microsoft.com/office/drawing/2010/main" val="0"/>
-              </a:ext>
-            </a:extLst>
-          </a:blip>
-          <a:stretch>
-            <a:fillRect/>
-          </a:stretch>
-        </p:blipFill>
-        <p:spPr>
-          <a:xfrm>
-            <a:off x="2915816" y="4365104"/>
-            <a:ext cx="648072" cy="648072"/>
-          </a:xfrm>
-          <a:prstGeom prst="rect">
-            <a:avLst/>
-          </a:prstGeom>
-        </p:spPr>
-      </p:pic>
-      <p:pic>
-        <p:nvPicPr>
-          <p:cNvPr id="31" name="図 30">
-            <a:extLst>
-              <a:ext uri="{FF2B5EF4-FFF2-40B4-BE49-F238E27FC236}">
-                <a16:creationId xmlns:a16="http://schemas.microsoft.com/office/drawing/2014/main" id="{278CCE97-30CA-4ED7-8D5C-5DC4BF5A6B92}"/>
-              </a:ext>
-            </a:extLst>
-          </p:cNvPr>
-          <p:cNvPicPr>
-            <a:picLocks noChangeAspect="1"/>
-          </p:cNvPicPr>
-          <p:nvPr/>
-        </p:nvPicPr>
-        <p:blipFill>
-          <a:blip r:embed="rId4" cstate="print">
-            <a:extLst>
-              <a:ext uri="{28A0092B-C50C-407E-A947-70E740481C1C}">
-                <a14:useLocalDpi xmlns:a14="http://schemas.microsoft.com/office/drawing/2010/main" val="0"/>
-              </a:ext>
-            </a:extLst>
-          </a:blip>
-          <a:stretch>
-            <a:fillRect/>
-          </a:stretch>
-        </p:blipFill>
-        <p:spPr>
-          <a:xfrm>
-            <a:off x="2912935" y="4365104"/>
-            <a:ext cx="648072" cy="648072"/>
-          </a:xfrm>
-          <a:prstGeom prst="rect">
-            <a:avLst/>
-          </a:prstGeom>
-        </p:spPr>
-      </p:pic>
-      <p:pic>
-        <p:nvPicPr>
-          <p:cNvPr id="32" name="図 31">
-            <a:extLst>
-              <a:ext uri="{FF2B5EF4-FFF2-40B4-BE49-F238E27FC236}">
-                <a16:creationId xmlns:a16="http://schemas.microsoft.com/office/drawing/2014/main" id="{4A915434-D2CB-403A-9B91-5192A07B594B}"/>
-              </a:ext>
-            </a:extLst>
-          </p:cNvPr>
-          <p:cNvPicPr>
-            <a:picLocks noChangeAspect="1"/>
-          </p:cNvPicPr>
-          <p:nvPr/>
-        </p:nvPicPr>
-        <p:blipFill>
-          <a:blip r:embed="rId5" cstate="print">
-            <a:extLst>
-              <a:ext uri="{28A0092B-C50C-407E-A947-70E740481C1C}">
-                <a14:useLocalDpi xmlns:a14="http://schemas.microsoft.com/office/drawing/2010/main" val="0"/>
-              </a:ext>
-            </a:extLst>
-          </a:blip>
-          <a:stretch>
-            <a:fillRect/>
-          </a:stretch>
-        </p:blipFill>
-        <p:spPr>
-          <a:xfrm>
-            <a:off x="1819397" y="4222894"/>
-            <a:ext cx="572453" cy="572453"/>
-          </a:xfrm>
-          <a:prstGeom prst="rect">
-            <a:avLst/>
-          </a:prstGeom>
-        </p:spPr>
-      </p:pic>
-      <p:pic>
-        <p:nvPicPr>
-          <p:cNvPr id="33" name="図 32">
-            <a:extLst>
-              <a:ext uri="{FF2B5EF4-FFF2-40B4-BE49-F238E27FC236}">
-                <a16:creationId xmlns:a16="http://schemas.microsoft.com/office/drawing/2014/main" id="{FE58DC40-8283-45EA-AC63-A9AFAE4CD8B6}"/>
-              </a:ext>
-            </a:extLst>
-          </p:cNvPr>
-          <p:cNvPicPr>
-            <a:picLocks noChangeAspect="1"/>
-          </p:cNvPicPr>
-          <p:nvPr/>
-        </p:nvPicPr>
-        <p:blipFill>
-          <a:blip r:embed="rId5" cstate="print">
-            <a:extLst>
-              <a:ext uri="{28A0092B-C50C-407E-A947-70E740481C1C}">
-                <a14:useLocalDpi xmlns:a14="http://schemas.microsoft.com/office/drawing/2010/main" val="0"/>
-              </a:ext>
-            </a:extLst>
-          </a:blip>
-          <a:stretch>
-            <a:fillRect/>
-          </a:stretch>
-        </p:blipFill>
-        <p:spPr>
-          <a:xfrm>
-            <a:off x="1043608" y="4941168"/>
-            <a:ext cx="572453" cy="572453"/>
-          </a:xfrm>
-          <a:prstGeom prst="rect">
-            <a:avLst/>
-          </a:prstGeom>
-        </p:spPr>
-      </p:pic>
-      <p:pic>
-        <p:nvPicPr>
-          <p:cNvPr id="34" name="図 33">
-            <a:extLst>
-              <a:ext uri="{FF2B5EF4-FFF2-40B4-BE49-F238E27FC236}">
-                <a16:creationId xmlns:a16="http://schemas.microsoft.com/office/drawing/2014/main" id="{8067BEEE-E21F-4FEF-9C80-E38CFB0A34C2}"/>
-              </a:ext>
-            </a:extLst>
-          </p:cNvPr>
-          <p:cNvPicPr>
-            <a:picLocks noChangeAspect="1"/>
-          </p:cNvPicPr>
-          <p:nvPr/>
-        </p:nvPicPr>
-        <p:blipFill>
-          <a:blip r:embed="rId3" cstate="print">
-            <a:extLst>
-              <a:ext uri="{28A0092B-C50C-407E-A947-70E740481C1C}">
-                <a14:useLocalDpi xmlns:a14="http://schemas.microsoft.com/office/drawing/2010/main" val="0"/>
-              </a:ext>
-            </a:extLst>
-          </a:blip>
-          <a:stretch>
-            <a:fillRect/>
-          </a:stretch>
-        </p:blipFill>
-        <p:spPr>
-          <a:xfrm>
-            <a:off x="6370394" y="3523320"/>
-            <a:ext cx="864096" cy="864096"/>
-          </a:xfrm>
-          <a:prstGeom prst="rect">
-            <a:avLst/>
-          </a:prstGeom>
-        </p:spPr>
-      </p:pic>
-      <p:pic>
-        <p:nvPicPr>
-          <p:cNvPr id="35" name="図 34">
-            <a:extLst>
-              <a:ext uri="{FF2B5EF4-FFF2-40B4-BE49-F238E27FC236}">
-                <a16:creationId xmlns:a16="http://schemas.microsoft.com/office/drawing/2014/main" id="{3642CBC5-7FBD-4381-9610-9DEC65AC2286}"/>
-              </a:ext>
-            </a:extLst>
-          </p:cNvPr>
-          <p:cNvPicPr>
-            <a:picLocks noChangeAspect="1"/>
-          </p:cNvPicPr>
-          <p:nvPr/>
-        </p:nvPicPr>
-        <p:blipFill>
-          <a:blip r:embed="rId3" cstate="print">
-            <a:extLst>
-              <a:ext uri="{28A0092B-C50C-407E-A947-70E740481C1C}">
-                <a14:useLocalDpi xmlns:a14="http://schemas.microsoft.com/office/drawing/2010/main" val="0"/>
-              </a:ext>
-            </a:extLst>
-          </a:blip>
-          <a:stretch>
-            <a:fillRect/>
-          </a:stretch>
-        </p:blipFill>
-        <p:spPr>
-          <a:xfrm>
-            <a:off x="7466662" y="2816229"/>
-            <a:ext cx="864096" cy="864096"/>
-          </a:xfrm>
-          <a:prstGeom prst="rect">
-            <a:avLst/>
-          </a:prstGeom>
-        </p:spPr>
-      </p:pic>
-      <p:pic>
-        <p:nvPicPr>
-          <p:cNvPr id="37" name="図 36">
-            <a:extLst>
-              <a:ext uri="{FF2B5EF4-FFF2-40B4-BE49-F238E27FC236}">
-                <a16:creationId xmlns:a16="http://schemas.microsoft.com/office/drawing/2014/main" id="{C7364DF3-9F0E-4F74-AA7B-EAEE8AC42837}"/>
-              </a:ext>
-            </a:extLst>
-          </p:cNvPr>
-          <p:cNvPicPr>
-            <a:picLocks noChangeAspect="1"/>
-          </p:cNvPicPr>
-          <p:nvPr/>
-        </p:nvPicPr>
-        <p:blipFill>
-          <a:blip r:embed="rId5" cstate="print">
-            <a:extLst>
-              <a:ext uri="{28A0092B-C50C-407E-A947-70E740481C1C}">
-                <a14:useLocalDpi xmlns:a14="http://schemas.microsoft.com/office/drawing/2010/main" val="0"/>
-              </a:ext>
-            </a:extLst>
-          </a:blip>
-          <a:stretch>
-            <a:fillRect/>
-          </a:stretch>
-        </p:blipFill>
-        <p:spPr>
-          <a:xfrm>
-            <a:off x="4574177" y="4509120"/>
-            <a:ext cx="572453" cy="572453"/>
-          </a:xfrm>
-          <a:prstGeom prst="rect">
-            <a:avLst/>
-          </a:prstGeom>
-        </p:spPr>
-      </p:pic>
-    </p:spTree>
-    <p:extLst>
-      <p:ext uri="{BB962C8B-B14F-4D97-AF65-F5344CB8AC3E}">
-        <p14:creationId xmlns:p14="http://schemas.microsoft.com/office/powerpoint/2010/main" val="2822326062"/>
-      </p:ext>
-    </p:extLst>
-  </p:cSld>
-  <p:clrMapOvr>
-    <a:masterClrMapping/>
-  </p:clrMapOvr>
-</p:sld>
-</file>
-
-<file path=ppt/slides/slide7.xml><?xml version="1.0" encoding="utf-8"?>
-<p:sld xmlns:a="http://schemas.openxmlformats.org/drawingml/2006/main" xmlns:r="http://schemas.openxmlformats.org/officeDocument/2006/relationships" xmlns:p="http://schemas.openxmlformats.org/presentationml/2006/main">
-  <p:cSld>
-    <p:spTree>
-      <p:nvGrpSpPr>
-        <p:cNvPr id="1" name=""/>
-        <p:cNvGrpSpPr/>
-        <p:nvPr/>
-      </p:nvGrpSpPr>
-      <p:grpSpPr>
-        <a:xfrm>
-          <a:off x="0" y="0"/>
-          <a:ext cx="0" cy="0"/>
-          <a:chOff x="0" y="0"/>
-          <a:chExt cx="0" cy="0"/>
-        </a:xfrm>
-      </p:grpSpPr>
-      <p:pic>
-        <p:nvPicPr>
-          <p:cNvPr id="15" name="Picture 8" descr="「jeju map english」の画像検索結果">
-            <a:extLst>
-              <a:ext uri="{FF2B5EF4-FFF2-40B4-BE49-F238E27FC236}">
-                <a16:creationId xmlns:a16="http://schemas.microsoft.com/office/drawing/2014/main" id="{69979DD1-0EA5-497F-989B-6E5409184675}"/>
-              </a:ext>
-            </a:extLst>
-          </p:cNvPr>
-          <p:cNvPicPr>
-            <a:picLocks noChangeAspect="1" noChangeArrowheads="1"/>
-          </p:cNvPicPr>
-          <p:nvPr/>
-        </p:nvPicPr>
-        <p:blipFill rotWithShape="1">
-          <a:blip r:embed="rId2">
-            <a:duotone>
-              <a:schemeClr val="bg2">
-                <a:shade val="45000"/>
-                <a:satMod val="135000"/>
-              </a:schemeClr>
-              <a:prstClr val="white"/>
-            </a:duotone>
-            <a:extLst>
-              <a:ext uri="{28A0092B-C50C-407E-A947-70E740481C1C}">
-                <a14:useLocalDpi xmlns:a14="http://schemas.microsoft.com/office/drawing/2010/main" val="0"/>
-              </a:ext>
-            </a:extLst>
-          </a:blip>
-          <a:srcRect b="9628"/>
-          <a:stretch/>
-        </p:blipFill>
-        <p:spPr bwMode="auto">
-          <a:xfrm>
-            <a:off x="-1058966" y="-414808"/>
-            <a:ext cx="11261932" cy="7272808"/>
-          </a:xfrm>
-          <a:prstGeom prst="rect">
-            <a:avLst/>
-          </a:prstGeom>
-          <a:noFill/>
-          <a:extLst>
-            <a:ext uri="{909E8E84-426E-40DD-AFC4-6F175D3DCCD1}">
-              <a14:hiddenFill xmlns:a14="http://schemas.microsoft.com/office/drawing/2010/main">
-                <a:solidFill>
-                  <a:srgbClr val="FFFFFF"/>
-                </a:solidFill>
-              </a14:hiddenFill>
-            </a:ext>
-          </a:extLst>
-        </p:spPr>
-      </p:pic>
-      <p:pic>
-        <p:nvPicPr>
-          <p:cNvPr id="16" name="図 15">
-            <a:extLst>
-              <a:ext uri="{FF2B5EF4-FFF2-40B4-BE49-F238E27FC236}">
-                <a16:creationId xmlns:a16="http://schemas.microsoft.com/office/drawing/2014/main" id="{F9DEB05D-3612-4CEA-A8C2-0CC8B297660C}"/>
-              </a:ext>
-            </a:extLst>
-          </p:cNvPr>
-          <p:cNvPicPr>
-            <a:picLocks noChangeAspect="1"/>
-          </p:cNvPicPr>
-          <p:nvPr/>
-        </p:nvPicPr>
-        <p:blipFill>
-          <a:blip r:embed="rId3" cstate="print">
-            <a:lum bright="70000" contrast="-70000"/>
-            <a:extLst>
-              <a:ext uri="{28A0092B-C50C-407E-A947-70E740481C1C}">
-                <a14:useLocalDpi xmlns:a14="http://schemas.microsoft.com/office/drawing/2010/main" val="0"/>
-              </a:ext>
-            </a:extLst>
-          </a:blip>
-          <a:stretch>
-            <a:fillRect/>
-          </a:stretch>
-        </p:blipFill>
-        <p:spPr>
-          <a:xfrm>
-            <a:off x="2987824" y="836712"/>
-            <a:ext cx="864096" cy="864096"/>
-          </a:xfrm>
-          <a:prstGeom prst="rect">
-            <a:avLst/>
-          </a:prstGeom>
-        </p:spPr>
-      </p:pic>
-      <p:pic>
-        <p:nvPicPr>
-          <p:cNvPr id="17" name="図 16">
-            <a:extLst>
-              <a:ext uri="{FF2B5EF4-FFF2-40B4-BE49-F238E27FC236}">
-                <a16:creationId xmlns:a16="http://schemas.microsoft.com/office/drawing/2014/main" id="{997DDDCC-9426-4C94-A6F8-58FBDE73990D}"/>
-              </a:ext>
-            </a:extLst>
-          </p:cNvPr>
-          <p:cNvPicPr>
-            <a:picLocks noChangeAspect="1"/>
-          </p:cNvPicPr>
-          <p:nvPr/>
-        </p:nvPicPr>
-        <p:blipFill>
-          <a:blip r:embed="rId3" cstate="print">
-            <a:lum bright="70000" contrast="-70000"/>
-            <a:extLst>
-              <a:ext uri="{28A0092B-C50C-407E-A947-70E740481C1C}">
-                <a14:useLocalDpi xmlns:a14="http://schemas.microsoft.com/office/drawing/2010/main" val="0"/>
-              </a:ext>
-            </a:extLst>
-          </a:blip>
-          <a:stretch>
-            <a:fillRect/>
-          </a:stretch>
-        </p:blipFill>
-        <p:spPr>
-          <a:xfrm>
-            <a:off x="3563888" y="404664"/>
-            <a:ext cx="864096" cy="864096"/>
-          </a:xfrm>
-          <a:prstGeom prst="rect">
-            <a:avLst/>
-          </a:prstGeom>
-        </p:spPr>
-      </p:pic>
-      <p:pic>
-        <p:nvPicPr>
-          <p:cNvPr id="18" name="図 17">
-            <a:extLst>
-              <a:ext uri="{FF2B5EF4-FFF2-40B4-BE49-F238E27FC236}">
-                <a16:creationId xmlns:a16="http://schemas.microsoft.com/office/drawing/2014/main" id="{E6BC8308-7307-42D3-8F52-F696779F9EC6}"/>
-              </a:ext>
-            </a:extLst>
-          </p:cNvPr>
-          <p:cNvPicPr>
-            <a:picLocks noChangeAspect="1"/>
-          </p:cNvPicPr>
-          <p:nvPr/>
-        </p:nvPicPr>
-        <p:blipFill>
-          <a:blip r:embed="rId3" cstate="print">
-            <a:lum bright="70000" contrast="-70000"/>
-            <a:extLst>
-              <a:ext uri="{28A0092B-C50C-407E-A947-70E740481C1C}">
-                <a14:useLocalDpi xmlns:a14="http://schemas.microsoft.com/office/drawing/2010/main" val="0"/>
-              </a:ext>
-            </a:extLst>
-          </a:blip>
-          <a:stretch>
-            <a:fillRect/>
-          </a:stretch>
-        </p:blipFill>
-        <p:spPr>
-          <a:xfrm>
-            <a:off x="3826272" y="1052736"/>
-            <a:ext cx="864096" cy="864096"/>
-          </a:xfrm>
-          <a:prstGeom prst="rect">
-            <a:avLst/>
-          </a:prstGeom>
-        </p:spPr>
-      </p:pic>
-      <p:pic>
-        <p:nvPicPr>
-          <p:cNvPr id="19" name="図 18">
-            <a:extLst>
-              <a:ext uri="{FF2B5EF4-FFF2-40B4-BE49-F238E27FC236}">
-                <a16:creationId xmlns:a16="http://schemas.microsoft.com/office/drawing/2014/main" id="{3400E589-0B41-4331-84E4-C22A93290333}"/>
-              </a:ext>
-            </a:extLst>
-          </p:cNvPr>
-          <p:cNvPicPr>
-            <a:picLocks noChangeAspect="1"/>
-          </p:cNvPicPr>
-          <p:nvPr/>
-        </p:nvPicPr>
-        <p:blipFill>
-          <a:blip r:embed="rId4" cstate="print">
-            <a:lum bright="70000" contrast="-70000"/>
-            <a:extLst>
-              <a:ext uri="{28A0092B-C50C-407E-A947-70E740481C1C}">
-                <a14:useLocalDpi xmlns:a14="http://schemas.microsoft.com/office/drawing/2010/main" val="0"/>
-              </a:ext>
-            </a:extLst>
-          </a:blip>
-          <a:stretch>
-            <a:fillRect/>
-          </a:stretch>
-        </p:blipFill>
-        <p:spPr>
-          <a:xfrm>
-            <a:off x="1979712" y="2780928"/>
-            <a:ext cx="648072" cy="648072"/>
-          </a:xfrm>
-          <a:prstGeom prst="rect">
-            <a:avLst/>
-          </a:prstGeom>
-        </p:spPr>
-      </p:pic>
-      <p:pic>
-        <p:nvPicPr>
-          <p:cNvPr id="20" name="図 19">
-            <a:extLst>
-              <a:ext uri="{FF2B5EF4-FFF2-40B4-BE49-F238E27FC236}">
-                <a16:creationId xmlns:a16="http://schemas.microsoft.com/office/drawing/2014/main" id="{9B5491E5-8AF7-4C54-AD08-0463EBECD823}"/>
-              </a:ext>
-            </a:extLst>
-          </p:cNvPr>
-          <p:cNvPicPr>
-            <a:picLocks noChangeAspect="1"/>
-          </p:cNvPicPr>
-          <p:nvPr/>
-        </p:nvPicPr>
-        <p:blipFill>
-          <a:blip r:embed="rId4" cstate="print">
-            <a:lum bright="70000" contrast="-70000"/>
-            <a:extLst>
-              <a:ext uri="{28A0092B-C50C-407E-A947-70E740481C1C}">
-                <a14:useLocalDpi xmlns:a14="http://schemas.microsoft.com/office/drawing/2010/main" val="0"/>
-              </a:ext>
-            </a:extLst>
-          </a:blip>
-          <a:stretch>
-            <a:fillRect/>
-          </a:stretch>
-        </p:blipFill>
-        <p:spPr>
-          <a:xfrm>
-            <a:off x="5580112" y="2132856"/>
-            <a:ext cx="648072" cy="648072"/>
-          </a:xfrm>
-          <a:prstGeom prst="rect">
-            <a:avLst/>
-          </a:prstGeom>
-        </p:spPr>
-      </p:pic>
-      <p:pic>
-        <p:nvPicPr>
-          <p:cNvPr id="21" name="図 20">
-            <a:extLst>
-              <a:ext uri="{FF2B5EF4-FFF2-40B4-BE49-F238E27FC236}">
-                <a16:creationId xmlns:a16="http://schemas.microsoft.com/office/drawing/2014/main" id="{26666C90-35FA-4392-8C06-37D46FA80D5A}"/>
-              </a:ext>
-            </a:extLst>
-          </p:cNvPr>
-          <p:cNvPicPr>
-            <a:picLocks noChangeAspect="1"/>
-          </p:cNvPicPr>
-          <p:nvPr/>
-        </p:nvPicPr>
-        <p:blipFill>
-          <a:blip r:embed="rId4" cstate="print">
-            <a:lum bright="70000" contrast="-70000"/>
-            <a:extLst>
-              <a:ext uri="{28A0092B-C50C-407E-A947-70E740481C1C}">
-                <a14:useLocalDpi xmlns:a14="http://schemas.microsoft.com/office/drawing/2010/main" val="0"/>
-              </a:ext>
-            </a:extLst>
-          </a:blip>
-          <a:stretch>
-            <a:fillRect/>
-          </a:stretch>
-        </p:blipFill>
-        <p:spPr>
-          <a:xfrm>
-            <a:off x="7250638" y="1592796"/>
-            <a:ext cx="648072" cy="648072"/>
-          </a:xfrm>
-          <a:prstGeom prst="rect">
-            <a:avLst/>
-          </a:prstGeom>
-        </p:spPr>
-      </p:pic>
-      <p:pic>
-        <p:nvPicPr>
-          <p:cNvPr id="22" name="図 21">
-            <a:extLst>
-              <a:ext uri="{FF2B5EF4-FFF2-40B4-BE49-F238E27FC236}">
-                <a16:creationId xmlns:a16="http://schemas.microsoft.com/office/drawing/2014/main" id="{34E02C06-89D0-46F8-B43D-2E1E25F493A1}"/>
-              </a:ext>
-            </a:extLst>
-          </p:cNvPr>
-          <p:cNvPicPr>
-            <a:picLocks noChangeAspect="1"/>
-          </p:cNvPicPr>
-          <p:nvPr/>
-        </p:nvPicPr>
-        <p:blipFill>
-          <a:blip r:embed="rId5" cstate="print">
-            <a:lum bright="70000" contrast="-70000"/>
-            <a:extLst>
-              <a:ext uri="{28A0092B-C50C-407E-A947-70E740481C1C}">
-                <a14:useLocalDpi xmlns:a14="http://schemas.microsoft.com/office/drawing/2010/main" val="0"/>
-              </a:ext>
-            </a:extLst>
-          </a:blip>
-          <a:stretch>
-            <a:fillRect/>
-          </a:stretch>
-        </p:blipFill>
-        <p:spPr>
-          <a:xfrm>
-            <a:off x="6516216" y="480283"/>
-            <a:ext cx="572453" cy="572453"/>
-          </a:xfrm>
-          <a:prstGeom prst="rect">
-            <a:avLst/>
-          </a:prstGeom>
-        </p:spPr>
-      </p:pic>
-      <p:pic>
-        <p:nvPicPr>
-          <p:cNvPr id="23" name="図 22">
-            <a:extLst>
-              <a:ext uri="{FF2B5EF4-FFF2-40B4-BE49-F238E27FC236}">
-                <a16:creationId xmlns:a16="http://schemas.microsoft.com/office/drawing/2014/main" id="{D849C8D0-715E-4966-BFE2-938FE4926B37}"/>
-              </a:ext>
-            </a:extLst>
-          </p:cNvPr>
-          <p:cNvPicPr>
-            <a:picLocks noChangeAspect="1"/>
-          </p:cNvPicPr>
-          <p:nvPr/>
-        </p:nvPicPr>
-        <p:blipFill>
-          <a:blip r:embed="rId5" cstate="print">
-            <a:lum bright="70000" contrast="-70000"/>
-            <a:extLst>
-              <a:ext uri="{28A0092B-C50C-407E-A947-70E740481C1C}">
-                <a14:useLocalDpi xmlns:a14="http://schemas.microsoft.com/office/drawing/2010/main" val="0"/>
-              </a:ext>
-            </a:extLst>
-          </a:blip>
-          <a:stretch>
-            <a:fillRect/>
-          </a:stretch>
-        </p:blipFill>
-        <p:spPr>
-          <a:xfrm>
-            <a:off x="1127665" y="2160960"/>
-            <a:ext cx="572453" cy="572453"/>
-          </a:xfrm>
-          <a:prstGeom prst="rect">
-            <a:avLst/>
-          </a:prstGeom>
-        </p:spPr>
-      </p:pic>
-      <p:pic>
-        <p:nvPicPr>
-          <p:cNvPr id="24" name="図 23">
-            <a:extLst>
-              <a:ext uri="{FF2B5EF4-FFF2-40B4-BE49-F238E27FC236}">
-                <a16:creationId xmlns:a16="http://schemas.microsoft.com/office/drawing/2014/main" id="{5DC0E2A5-4FD9-421E-9470-FAC85E311EBF}"/>
-              </a:ext>
-            </a:extLst>
-          </p:cNvPr>
-          <p:cNvPicPr>
-            <a:picLocks noChangeAspect="1"/>
-          </p:cNvPicPr>
-          <p:nvPr/>
-        </p:nvPicPr>
-        <p:blipFill>
-          <a:blip r:embed="rId3" cstate="print">
-            <a:lum bright="70000" contrast="-70000"/>
-            <a:extLst>
-              <a:ext uri="{28A0092B-C50C-407E-A947-70E740481C1C}">
-                <a14:useLocalDpi xmlns:a14="http://schemas.microsoft.com/office/drawing/2010/main" val="0"/>
-              </a:ext>
-            </a:extLst>
-          </a:blip>
-          <a:stretch>
-            <a:fillRect/>
-          </a:stretch>
-        </p:blipFill>
-        <p:spPr>
-          <a:xfrm>
-            <a:off x="1819397" y="1484784"/>
-            <a:ext cx="864096" cy="864096"/>
-          </a:xfrm>
-          <a:prstGeom prst="rect">
-            <a:avLst/>
-          </a:prstGeom>
-        </p:spPr>
-      </p:pic>
-      <p:pic>
-        <p:nvPicPr>
-          <p:cNvPr id="25" name="Picture 4" descr="「星空　アイコン」の画像検索結果">
-            <a:extLst>
-              <a:ext uri="{FF2B5EF4-FFF2-40B4-BE49-F238E27FC236}">
-                <a16:creationId xmlns:a16="http://schemas.microsoft.com/office/drawing/2014/main" id="{950ACC9D-F163-4999-BAE7-D1195A277693}"/>
-              </a:ext>
-            </a:extLst>
-          </p:cNvPr>
-          <p:cNvPicPr>
-            <a:picLocks noChangeAspect="1" noChangeArrowheads="1"/>
-          </p:cNvPicPr>
-          <p:nvPr/>
-        </p:nvPicPr>
-        <p:blipFill>
-          <a:blip r:embed="rId6" cstate="print">
-            <a:lum bright="70000" contrast="-70000"/>
-            <a:extLst>
-              <a:ext uri="{28A0092B-C50C-407E-A947-70E740481C1C}">
-                <a14:useLocalDpi xmlns:a14="http://schemas.microsoft.com/office/drawing/2010/main" val="0"/>
-              </a:ext>
-            </a:extLst>
-          </a:blip>
-          <a:srcRect/>
-          <a:stretch>
-            <a:fillRect/>
-          </a:stretch>
-        </p:blipFill>
-        <p:spPr bwMode="auto">
-          <a:xfrm>
-            <a:off x="3898166" y="2924944"/>
-            <a:ext cx="459432" cy="459432"/>
-          </a:xfrm>
-          <a:prstGeom prst="rect">
-            <a:avLst/>
-          </a:prstGeom>
-          <a:noFill/>
-          <a:extLst>
-            <a:ext uri="{909E8E84-426E-40DD-AFC4-6F175D3DCCD1}">
-              <a14:hiddenFill xmlns:a14="http://schemas.microsoft.com/office/drawing/2010/main">
-                <a:solidFill>
-                  <a:srgbClr val="FFFFFF"/>
-                </a:solidFill>
-              </a14:hiddenFill>
-            </a:ext>
-          </a:extLst>
-        </p:spPr>
-      </p:pic>
-      <p:pic>
-        <p:nvPicPr>
-          <p:cNvPr id="30" name="図 29">
-            <a:extLst>
-              <a:ext uri="{FF2B5EF4-FFF2-40B4-BE49-F238E27FC236}">
-                <a16:creationId xmlns:a16="http://schemas.microsoft.com/office/drawing/2014/main" id="{8919DDB2-A1B9-499D-8545-1E1C260A5F13}"/>
-              </a:ext>
-            </a:extLst>
-          </p:cNvPr>
-          <p:cNvPicPr>
-            <a:picLocks noChangeAspect="1"/>
-          </p:cNvPicPr>
-          <p:nvPr/>
-        </p:nvPicPr>
-        <p:blipFill>
-          <a:blip r:embed="rId4" cstate="print">
-            <a:lum bright="70000" contrast="-70000"/>
-            <a:extLst>
-              <a:ext uri="{28A0092B-C50C-407E-A947-70E740481C1C}">
-                <a14:useLocalDpi xmlns:a14="http://schemas.microsoft.com/office/drawing/2010/main" val="0"/>
-              </a:ext>
-            </a:extLst>
-          </a:blip>
-          <a:stretch>
-            <a:fillRect/>
-          </a:stretch>
-        </p:blipFill>
-        <p:spPr>
-          <a:xfrm>
-            <a:off x="2915816" y="4365104"/>
-            <a:ext cx="648072" cy="648072"/>
-          </a:xfrm>
-          <a:prstGeom prst="rect">
-            <a:avLst/>
-          </a:prstGeom>
-        </p:spPr>
-      </p:pic>
-      <p:pic>
-        <p:nvPicPr>
-          <p:cNvPr id="31" name="図 30">
-            <a:extLst>
-              <a:ext uri="{FF2B5EF4-FFF2-40B4-BE49-F238E27FC236}">
-                <a16:creationId xmlns:a16="http://schemas.microsoft.com/office/drawing/2014/main" id="{278CCE97-30CA-4ED7-8D5C-5DC4BF5A6B92}"/>
-              </a:ext>
-            </a:extLst>
-          </p:cNvPr>
-          <p:cNvPicPr>
-            <a:picLocks noChangeAspect="1"/>
-          </p:cNvPicPr>
-          <p:nvPr/>
-        </p:nvPicPr>
-        <p:blipFill>
-          <a:blip r:embed="rId4" cstate="print">
-            <a:lum bright="70000" contrast="-70000"/>
-            <a:extLst>
-              <a:ext uri="{28A0092B-C50C-407E-A947-70E740481C1C}">
-                <a14:useLocalDpi xmlns:a14="http://schemas.microsoft.com/office/drawing/2010/main" val="0"/>
-              </a:ext>
-            </a:extLst>
-          </a:blip>
-          <a:stretch>
-            <a:fillRect/>
-          </a:stretch>
-        </p:blipFill>
-        <p:spPr>
-          <a:xfrm>
-            <a:off x="2912935" y="4365104"/>
-            <a:ext cx="648072" cy="648072"/>
-          </a:xfrm>
-          <a:prstGeom prst="rect">
-            <a:avLst/>
-          </a:prstGeom>
-        </p:spPr>
-      </p:pic>
-      <p:pic>
-        <p:nvPicPr>
-          <p:cNvPr id="32" name="図 31">
-            <a:extLst>
-              <a:ext uri="{FF2B5EF4-FFF2-40B4-BE49-F238E27FC236}">
-                <a16:creationId xmlns:a16="http://schemas.microsoft.com/office/drawing/2014/main" id="{4A915434-D2CB-403A-9B91-5192A07B594B}"/>
-              </a:ext>
-            </a:extLst>
-          </p:cNvPr>
-          <p:cNvPicPr>
-            <a:picLocks noChangeAspect="1"/>
-          </p:cNvPicPr>
-          <p:nvPr/>
-        </p:nvPicPr>
-        <p:blipFill>
-          <a:blip r:embed="rId5" cstate="print">
-            <a:lum bright="70000" contrast="-70000"/>
-            <a:extLst>
-              <a:ext uri="{28A0092B-C50C-407E-A947-70E740481C1C}">
-                <a14:useLocalDpi xmlns:a14="http://schemas.microsoft.com/office/drawing/2010/main" val="0"/>
-              </a:ext>
-            </a:extLst>
-          </a:blip>
-          <a:stretch>
-            <a:fillRect/>
-          </a:stretch>
-        </p:blipFill>
-        <p:spPr>
-          <a:xfrm>
-            <a:off x="1819397" y="4222894"/>
-            <a:ext cx="572453" cy="572453"/>
-          </a:xfrm>
-          <a:prstGeom prst="rect">
-            <a:avLst/>
-          </a:prstGeom>
-        </p:spPr>
-      </p:pic>
-      <p:pic>
-        <p:nvPicPr>
-          <p:cNvPr id="33" name="図 32">
-            <a:extLst>
-              <a:ext uri="{FF2B5EF4-FFF2-40B4-BE49-F238E27FC236}">
-                <a16:creationId xmlns:a16="http://schemas.microsoft.com/office/drawing/2014/main" id="{FE58DC40-8283-45EA-AC63-A9AFAE4CD8B6}"/>
-              </a:ext>
-            </a:extLst>
-          </p:cNvPr>
-          <p:cNvPicPr>
-            <a:picLocks noChangeAspect="1"/>
-          </p:cNvPicPr>
-          <p:nvPr/>
-        </p:nvPicPr>
-        <p:blipFill>
-          <a:blip r:embed="rId5" cstate="print">
-            <a:lum bright="70000" contrast="-70000"/>
-            <a:extLst>
-              <a:ext uri="{28A0092B-C50C-407E-A947-70E740481C1C}">
-                <a14:useLocalDpi xmlns:a14="http://schemas.microsoft.com/office/drawing/2010/main" val="0"/>
-              </a:ext>
-            </a:extLst>
-          </a:blip>
-          <a:stretch>
-            <a:fillRect/>
-          </a:stretch>
-        </p:blipFill>
-        <p:spPr>
-          <a:xfrm>
-            <a:off x="1043608" y="4941168"/>
-            <a:ext cx="572453" cy="572453"/>
-          </a:xfrm>
-          <a:prstGeom prst="rect">
-            <a:avLst/>
-          </a:prstGeom>
-        </p:spPr>
-      </p:pic>
-      <p:pic>
-        <p:nvPicPr>
-          <p:cNvPr id="34" name="図 33">
-            <a:extLst>
-              <a:ext uri="{FF2B5EF4-FFF2-40B4-BE49-F238E27FC236}">
-                <a16:creationId xmlns:a16="http://schemas.microsoft.com/office/drawing/2014/main" id="{8067BEEE-E21F-4FEF-9C80-E38CFB0A34C2}"/>
-              </a:ext>
-            </a:extLst>
-          </p:cNvPr>
-          <p:cNvPicPr>
-            <a:picLocks noChangeAspect="1"/>
-          </p:cNvPicPr>
-          <p:nvPr/>
-        </p:nvPicPr>
-        <p:blipFill>
-          <a:blip r:embed="rId3" cstate="print">
-            <a:lum bright="70000" contrast="-70000"/>
-            <a:extLst>
-              <a:ext uri="{28A0092B-C50C-407E-A947-70E740481C1C}">
-                <a14:useLocalDpi xmlns:a14="http://schemas.microsoft.com/office/drawing/2010/main" val="0"/>
-              </a:ext>
-            </a:extLst>
-          </a:blip>
-          <a:stretch>
-            <a:fillRect/>
-          </a:stretch>
-        </p:blipFill>
-        <p:spPr>
-          <a:xfrm>
-            <a:off x="6370394" y="3523320"/>
-            <a:ext cx="864096" cy="864096"/>
-          </a:xfrm>
-          <a:prstGeom prst="rect">
-            <a:avLst/>
-          </a:prstGeom>
-        </p:spPr>
-      </p:pic>
-      <p:pic>
-        <p:nvPicPr>
-          <p:cNvPr id="35" name="図 34">
-            <a:extLst>
-              <a:ext uri="{FF2B5EF4-FFF2-40B4-BE49-F238E27FC236}">
-                <a16:creationId xmlns:a16="http://schemas.microsoft.com/office/drawing/2014/main" id="{3642CBC5-7FBD-4381-9610-9DEC65AC2286}"/>
-              </a:ext>
-            </a:extLst>
-          </p:cNvPr>
-          <p:cNvPicPr>
-            <a:picLocks noChangeAspect="1"/>
-          </p:cNvPicPr>
-          <p:nvPr/>
-        </p:nvPicPr>
-        <p:blipFill>
-          <a:blip r:embed="rId3" cstate="print">
-            <a:lum bright="70000" contrast="-70000"/>
-            <a:extLst>
-              <a:ext uri="{28A0092B-C50C-407E-A947-70E740481C1C}">
-                <a14:useLocalDpi xmlns:a14="http://schemas.microsoft.com/office/drawing/2010/main" val="0"/>
-              </a:ext>
-            </a:extLst>
-          </a:blip>
-          <a:stretch>
-            <a:fillRect/>
-          </a:stretch>
-        </p:blipFill>
-        <p:spPr>
-          <a:xfrm>
-            <a:off x="7466662" y="2816229"/>
-            <a:ext cx="864096" cy="864096"/>
-          </a:xfrm>
-          <a:prstGeom prst="rect">
-            <a:avLst/>
-          </a:prstGeom>
-        </p:spPr>
-      </p:pic>
-      <p:pic>
-        <p:nvPicPr>
-          <p:cNvPr id="37" name="図 36">
-            <a:extLst>
-              <a:ext uri="{FF2B5EF4-FFF2-40B4-BE49-F238E27FC236}">
-                <a16:creationId xmlns:a16="http://schemas.microsoft.com/office/drawing/2014/main" id="{C7364DF3-9F0E-4F74-AA7B-EAEE8AC42837}"/>
-              </a:ext>
-            </a:extLst>
-          </p:cNvPr>
-          <p:cNvPicPr>
-            <a:picLocks noChangeAspect="1"/>
-          </p:cNvPicPr>
-          <p:nvPr/>
-        </p:nvPicPr>
-        <p:blipFill>
-          <a:blip r:embed="rId5" cstate="print">
-            <a:lum bright="70000" contrast="-70000"/>
-            <a:extLst>
-              <a:ext uri="{28A0092B-C50C-407E-A947-70E740481C1C}">
-                <a14:useLocalDpi xmlns:a14="http://schemas.microsoft.com/office/drawing/2010/main" val="0"/>
-              </a:ext>
-            </a:extLst>
-          </a:blip>
-          <a:stretch>
-            <a:fillRect/>
-          </a:stretch>
-        </p:blipFill>
-        <p:spPr>
-          <a:xfrm>
-            <a:off x="4574177" y="4509120"/>
-            <a:ext cx="572453" cy="572453"/>
-          </a:xfrm>
-          <a:prstGeom prst="rect">
-            <a:avLst/>
-          </a:prstGeom>
-        </p:spPr>
-      </p:pic>
-      <p:pic>
-        <p:nvPicPr>
-          <p:cNvPr id="26" name="Picture 4" descr="「星空　アイコン」の画像検索結果">
-            <a:extLst>
-              <a:ext uri="{FF2B5EF4-FFF2-40B4-BE49-F238E27FC236}">
-                <a16:creationId xmlns:a16="http://schemas.microsoft.com/office/drawing/2014/main" id="{A3BFB497-3F9A-45EC-BE45-7D6298C60864}"/>
-              </a:ext>
-            </a:extLst>
-          </p:cNvPr>
-          <p:cNvPicPr>
-            <a:picLocks noChangeAspect="1" noChangeArrowheads="1"/>
-          </p:cNvPicPr>
-          <p:nvPr/>
-        </p:nvPicPr>
-        <p:blipFill>
-          <a:blip r:embed="rId7" cstate="print">
-            <a:duotone>
-              <a:schemeClr val="accent6">
-                <a:shade val="45000"/>
-                <a:satMod val="135000"/>
-              </a:schemeClr>
-              <a:prstClr val="white"/>
-            </a:duotone>
-            <a:extLst>
-              <a:ext uri="{28A0092B-C50C-407E-A947-70E740481C1C}">
-                <a14:useLocalDpi xmlns:a14="http://schemas.microsoft.com/office/drawing/2010/main" val="0"/>
-              </a:ext>
-            </a:extLst>
-          </a:blip>
-          <a:srcRect/>
-          <a:stretch>
-            <a:fillRect/>
-          </a:stretch>
-        </p:blipFill>
-        <p:spPr bwMode="auto">
-          <a:xfrm>
-            <a:off x="3035002" y="2088233"/>
-            <a:ext cx="864095" cy="864095"/>
-          </a:xfrm>
-          <a:prstGeom prst="rect">
-            <a:avLst/>
-          </a:prstGeom>
-          <a:noFill/>
-          <a:extLst>
-            <a:ext uri="{909E8E84-426E-40DD-AFC4-6F175D3DCCD1}">
-              <a14:hiddenFill xmlns:a14="http://schemas.microsoft.com/office/drawing/2010/main">
-                <a:solidFill>
-                  <a:srgbClr val="FFFFFF"/>
-                </a:solidFill>
-              </a14:hiddenFill>
-            </a:ext>
-          </a:extLst>
-        </p:spPr>
-      </p:pic>
-      <p:pic>
-        <p:nvPicPr>
-          <p:cNvPr id="27" name="Picture 4" descr="「星空　アイコン」の画像検索結果">
-            <a:extLst>
-              <a:ext uri="{FF2B5EF4-FFF2-40B4-BE49-F238E27FC236}">
-                <a16:creationId xmlns:a16="http://schemas.microsoft.com/office/drawing/2014/main" id="{B44A6620-1387-4315-9A9A-5898240DEDD1}"/>
-              </a:ext>
-            </a:extLst>
-          </p:cNvPr>
-          <p:cNvPicPr>
-            <a:picLocks noChangeAspect="1" noChangeArrowheads="1"/>
-          </p:cNvPicPr>
-          <p:nvPr/>
-        </p:nvPicPr>
-        <p:blipFill>
-          <a:blip r:embed="rId8" cstate="print">
-            <a:duotone>
-              <a:schemeClr val="accent6">
-                <a:shade val="45000"/>
-                <a:satMod val="135000"/>
-              </a:schemeClr>
-              <a:prstClr val="white"/>
-            </a:duotone>
-            <a:extLst>
-              <a:ext uri="{28A0092B-C50C-407E-A947-70E740481C1C}">
-                <a14:useLocalDpi xmlns:a14="http://schemas.microsoft.com/office/drawing/2010/main" val="0"/>
-              </a:ext>
-            </a:extLst>
-          </a:blip>
-          <a:srcRect/>
-          <a:stretch>
-            <a:fillRect/>
-          </a:stretch>
-        </p:blipFill>
-        <p:spPr bwMode="auto">
-          <a:xfrm>
-            <a:off x="8193507" y="1092997"/>
-            <a:ext cx="806055" cy="806055"/>
-          </a:xfrm>
-          <a:prstGeom prst="rect">
-            <a:avLst/>
-          </a:prstGeom>
-          <a:noFill/>
-          <a:extLst>
-            <a:ext uri="{909E8E84-426E-40DD-AFC4-6F175D3DCCD1}">
-              <a14:hiddenFill xmlns:a14="http://schemas.microsoft.com/office/drawing/2010/main">
-                <a:solidFill>
-                  <a:srgbClr val="FFFFFF"/>
-                </a:solidFill>
-              </a14:hiddenFill>
-            </a:ext>
-          </a:extLst>
-        </p:spPr>
-      </p:pic>
-      <p:pic>
-        <p:nvPicPr>
-          <p:cNvPr id="28" name="Picture 4" descr="「星空　アイコン」の画像検索結果">
-            <a:extLst>
-              <a:ext uri="{FF2B5EF4-FFF2-40B4-BE49-F238E27FC236}">
-                <a16:creationId xmlns:a16="http://schemas.microsoft.com/office/drawing/2014/main" id="{89F0F3CF-5748-45A2-AA5A-E9F0804AC0F8}"/>
-              </a:ext>
-            </a:extLst>
-          </p:cNvPr>
-          <p:cNvPicPr>
-            <a:picLocks noChangeAspect="1" noChangeArrowheads="1"/>
-          </p:cNvPicPr>
-          <p:nvPr/>
-        </p:nvPicPr>
-        <p:blipFill>
-          <a:blip r:embed="rId8" cstate="print">
-            <a:duotone>
-              <a:schemeClr val="accent6">
-                <a:shade val="45000"/>
-                <a:satMod val="135000"/>
-              </a:schemeClr>
-              <a:prstClr val="white"/>
-            </a:duotone>
-            <a:extLst>
-              <a:ext uri="{28A0092B-C50C-407E-A947-70E740481C1C}">
-                <a14:useLocalDpi xmlns:a14="http://schemas.microsoft.com/office/drawing/2010/main" val="0"/>
-              </a:ext>
-            </a:extLst>
-          </a:blip>
-          <a:srcRect/>
-          <a:stretch>
-            <a:fillRect/>
-          </a:stretch>
-        </p:blipFill>
-        <p:spPr bwMode="auto">
-          <a:xfrm>
-            <a:off x="0" y="3432035"/>
-            <a:ext cx="806055" cy="806055"/>
-          </a:xfrm>
-          <a:prstGeom prst="rect">
-            <a:avLst/>
-          </a:prstGeom>
-          <a:noFill/>
-          <a:extLst>
-            <a:ext uri="{909E8E84-426E-40DD-AFC4-6F175D3DCCD1}">
-              <a14:hiddenFill xmlns:a14="http://schemas.microsoft.com/office/drawing/2010/main">
-                <a:solidFill>
-                  <a:srgbClr val="FFFFFF"/>
-                </a:solidFill>
-              </a14:hiddenFill>
-            </a:ext>
-          </a:extLst>
-        </p:spPr>
-      </p:pic>
       <p:sp>
         <p:nvSpPr>
           <p:cNvPr id="2" name="テキスト ボックス 1">
             <a:extLst>
               <a:ext uri="{FF2B5EF4-FFF2-40B4-BE49-F238E27FC236}">
-                <a16:creationId xmlns:a16="http://schemas.microsoft.com/office/drawing/2014/main" id="{75C8F0AC-F9F7-4391-9F8D-E1E5660E1F86}"/>
+                <a16:creationId xmlns:a16="http://schemas.microsoft.com/office/drawing/2014/main" id="{B3C67714-CBBB-429C-9EB4-81C338796D83}"/>
               </a:ext>
             </a:extLst>
           </p:cNvPr>
@@ -7446,14 +8469,16 @@
         </p:nvSpPr>
         <p:spPr>
           <a:xfrm>
-            <a:off x="3898166" y="3667928"/>
-            <a:ext cx="5455036" cy="1569660"/>
+            <a:off x="1" y="2705725"/>
+            <a:ext cx="9144000" cy="1446550"/>
           </a:xfrm>
           <a:prstGeom prst="rect">
             <a:avLst/>
           </a:prstGeom>
           <a:solidFill>
-            <a:schemeClr val="tx1"/>
+            <a:schemeClr val="bg1">
+              <a:alpha val="70000"/>
+            </a:schemeClr>
           </a:solidFill>
         </p:spPr>
         <p:txBody>
@@ -7462,135 +8487,25 @@
           </a:bodyPr>
           <a:lstStyle/>
           <a:p>
-            <a:r>
-              <a:rPr kumimoji="1" lang="en-US" altLang="ja-JP" sz="3200" dirty="0">
-                <a:solidFill>
-                  <a:schemeClr val="bg1"/>
-                </a:solidFill>
-              </a:rPr>
-              <a:t>For the place where people can watch </a:t>
-            </a:r>
-            <a:r>
-              <a:rPr kumimoji="1" lang="en-US" altLang="ja-JP" sz="3200" dirty="0">
-                <a:solidFill>
-                  <a:srgbClr val="FFFF00"/>
-                </a:solidFill>
-              </a:rPr>
-              <a:t>beautiful stars</a:t>
-            </a:r>
-            <a:r>
-              <a:rPr kumimoji="1" lang="en-US" altLang="ja-JP" sz="3200" dirty="0">
-                <a:solidFill>
-                  <a:schemeClr val="bg1"/>
-                </a:solidFill>
-              </a:rPr>
-              <a:t>, t</a:t>
-            </a:r>
-            <a:r>
-              <a:rPr lang="en-US" altLang="ja-JP" sz="3200" dirty="0">
-                <a:solidFill>
-                  <a:schemeClr val="bg1"/>
-                </a:solidFill>
-              </a:rPr>
-              <a:t>his maps shows special icon</a:t>
-            </a:r>
-            <a:endParaRPr kumimoji="1" lang="ja-JP" altLang="en-US" sz="3200" dirty="0">
-              <a:solidFill>
-                <a:schemeClr val="bg1"/>
-              </a:solidFill>
-            </a:endParaRPr>
+            <a:pPr algn="ctr"/>
+            <a:r>
+              <a:rPr kumimoji="1" lang="en-US" altLang="ja-JP" sz="4400" b="1" dirty="0"/>
+              <a:t>From now, </a:t>
+            </a:r>
+          </a:p>
+          <a:p>
+            <a:pPr algn="ctr"/>
+            <a:r>
+              <a:rPr kumimoji="1" lang="en-US" altLang="ja-JP" sz="4400" b="1" dirty="0"/>
+              <a:t>BUSAN program works actually</a:t>
+            </a:r>
           </a:p>
         </p:txBody>
       </p:sp>
     </p:spTree>
     <p:extLst>
       <p:ext uri="{BB962C8B-B14F-4D97-AF65-F5344CB8AC3E}">
-        <p14:creationId xmlns:p14="http://schemas.microsoft.com/office/powerpoint/2010/main" val="3752547486"/>
-      </p:ext>
-    </p:extLst>
-  </p:cSld>
-  <p:clrMapOvr>
-    <a:masterClrMapping/>
-  </p:clrMapOvr>
-</p:sld>
-</file>
-
-<file path=ppt/slides/slide8.xml><?xml version="1.0" encoding="utf-8"?>
-<p:sld xmlns:a="http://schemas.openxmlformats.org/drawingml/2006/main" xmlns:r="http://schemas.openxmlformats.org/officeDocument/2006/relationships" xmlns:p="http://schemas.openxmlformats.org/presentationml/2006/main">
-  <p:cSld>
-    <p:spTree>
-      <p:nvGrpSpPr>
-        <p:cNvPr id="1" name=""/>
-        <p:cNvGrpSpPr/>
-        <p:nvPr/>
-      </p:nvGrpSpPr>
-      <p:grpSpPr>
-        <a:xfrm>
-          <a:off x="0" y="0"/>
-          <a:ext cx="0" cy="0"/>
-          <a:chOff x="0" y="0"/>
-          <a:chExt cx="0" cy="0"/>
-        </a:xfrm>
-      </p:grpSpPr>
-      <p:sp>
-        <p:nvSpPr>
-          <p:cNvPr id="2" name="テキスト ボックス 1">
-            <a:extLst>
-              <a:ext uri="{FF2B5EF4-FFF2-40B4-BE49-F238E27FC236}">
-                <a16:creationId xmlns:a16="http://schemas.microsoft.com/office/drawing/2014/main" id="{17E55B60-948F-4CAE-93D8-D69C270BAD53}"/>
-              </a:ext>
-            </a:extLst>
-          </p:cNvPr>
-          <p:cNvSpPr txBox="1"/>
-          <p:nvPr/>
-        </p:nvSpPr>
-        <p:spPr>
-          <a:xfrm>
-            <a:off x="971600" y="1412776"/>
-            <a:ext cx="6408712" cy="3416320"/>
-          </a:xfrm>
-          <a:prstGeom prst="rect">
-            <a:avLst/>
-          </a:prstGeom>
-          <a:noFill/>
-        </p:spPr>
-        <p:txBody>
-          <a:bodyPr wrap="square" rtlCol="0">
-            <a:spAutoFit/>
-          </a:bodyPr>
-          <a:lstStyle/>
-          <a:p>
-            <a:r>
-              <a:rPr kumimoji="1" lang="en-US" altLang="ja-JP" sz="5400" dirty="0"/>
-              <a:t>Now, </a:t>
-            </a:r>
-          </a:p>
-          <a:p>
-            <a:r>
-              <a:rPr lang="en-US" altLang="ja-JP" sz="5400" dirty="0"/>
-              <a:t>Still on Process</a:t>
-            </a:r>
-          </a:p>
-          <a:p>
-            <a:endParaRPr lang="en-US" altLang="ja-JP" sz="5400" dirty="0"/>
-          </a:p>
-          <a:p>
-            <a:r>
-              <a:rPr kumimoji="1" lang="en-US" altLang="ja-JP" sz="5400" dirty="0"/>
-              <a:t>Thank you</a:t>
-            </a:r>
-            <a:r>
-              <a:rPr lang="en-US" altLang="ja-JP" sz="5400" dirty="0"/>
-              <a:t>!</a:t>
-            </a:r>
-            <a:endParaRPr kumimoji="1" lang="ja-JP" altLang="en-US" sz="5400" dirty="0"/>
-          </a:p>
-        </p:txBody>
-      </p:sp>
-    </p:spTree>
-    <p:extLst>
-      <p:ext uri="{BB962C8B-B14F-4D97-AF65-F5344CB8AC3E}">
-        <p14:creationId xmlns:p14="http://schemas.microsoft.com/office/powerpoint/2010/main" val="2895196472"/>
+        <p14:creationId xmlns:p14="http://schemas.microsoft.com/office/powerpoint/2010/main" val="189433411"/>
       </p:ext>
     </p:extLst>
   </p:cSld>
